--- a/presentation.pptx
+++ b/presentation.pptx
@@ -4103,8 +4103,8 @@
           </a:p>
         </p:txBody>
       </p:sp>
-      <mc:AlternateContent xmlns:mc="http://schemas.openxmlformats.org/markup-compatibility/2006">
-        <mc:Choice xmlns:a14="http://schemas.microsoft.com/office/drawing/2010/main" Requires="a14">
+      <mc:AlternateContent xmlns:mc="http://schemas.openxmlformats.org/markup-compatibility/2006" xmlns:a14="http://schemas.microsoft.com/office/drawing/2010/main">
+        <mc:Choice Requires="a14">
           <p:sp>
             <p:nvSpPr>
               <p:cNvPr id="3" name="Content Placeholder 2">
@@ -4487,7 +4487,7 @@
             </p:txBody>
           </p:sp>
         </mc:Choice>
-        <mc:Fallback>
+        <mc:Fallback xmlns="">
           <p:sp>
             <p:nvSpPr>
               <p:cNvPr id="3" name="Content Placeholder 2">
@@ -6257,6 +6257,16 @@
         <p:txBody>
           <a:bodyPr/>
           <a:lstStyle/>
+          <a:p>
+            <a:r>
+              <a:rPr lang="en-US" dirty="0" err="1"/>
+              <a:t>Yurtsever</a:t>
+            </a:r>
+            <a:r>
+              <a:rPr lang="en-US" dirty="0"/>
+              <a:t> et el. published this method in AISTATS 2017</a:t>
+            </a:r>
+          </a:p>
           <a:p>
             <a:r>
               <a:rPr lang="en-US" dirty="0"/>
@@ -7064,8 +7074,8 @@
           </a:p>
         </p:txBody>
       </p:sp>
-      <mc:AlternateContent xmlns:mc="http://schemas.openxmlformats.org/markup-compatibility/2006">
-        <mc:Choice xmlns:a14="http://schemas.microsoft.com/office/drawing/2010/main" Requires="a14">
+      <mc:AlternateContent xmlns:mc="http://schemas.openxmlformats.org/markup-compatibility/2006" xmlns:a14="http://schemas.microsoft.com/office/drawing/2010/main">
+        <mc:Choice Requires="a14">
           <p:sp>
             <p:nvSpPr>
               <p:cNvPr id="3" name="Content Placeholder 2">
@@ -7156,7 +7166,7 @@
             </p:txBody>
           </p:sp>
         </mc:Choice>
-        <mc:Fallback>
+        <mc:Fallback xmlns="">
           <p:sp>
             <p:nvSpPr>
               <p:cNvPr id="3" name="Content Placeholder 2">
@@ -9423,8 +9433,8 @@
           </a:p>
         </p:txBody>
       </p:sp>
-      <mc:AlternateContent xmlns:mc="http://schemas.openxmlformats.org/markup-compatibility/2006">
-        <mc:Choice xmlns:a14="http://schemas.microsoft.com/office/drawing/2010/main" Requires="a14">
+      <mc:AlternateContent xmlns:mc="http://schemas.openxmlformats.org/markup-compatibility/2006" xmlns:a14="http://schemas.microsoft.com/office/drawing/2010/main">
+        <mc:Choice Requires="a14">
           <p:sp>
             <p:nvSpPr>
               <p:cNvPr id="3" name="Content Placeholder 2">
@@ -10001,7 +10011,7 @@
             </p:txBody>
           </p:sp>
         </mc:Choice>
-        <mc:Fallback>
+        <mc:Fallback xmlns="">
           <p:sp>
             <p:nvSpPr>
               <p:cNvPr id="3" name="Content Placeholder 2">
@@ -10162,8 +10172,8 @@
           </a:p>
         </p:txBody>
       </p:sp>
-      <mc:AlternateContent xmlns:mc="http://schemas.openxmlformats.org/markup-compatibility/2006">
-        <mc:Choice xmlns:a14="http://schemas.microsoft.com/office/drawing/2010/main" Requires="a14">
+      <mc:AlternateContent xmlns:mc="http://schemas.openxmlformats.org/markup-compatibility/2006" xmlns:a14="http://schemas.microsoft.com/office/drawing/2010/main">
+        <mc:Choice Requires="a14">
           <p:sp>
             <p:nvSpPr>
               <p:cNvPr id="3" name="Content Placeholder 2">
@@ -10271,7 +10281,7 @@
             </p:txBody>
           </p:sp>
         </mc:Choice>
-        <mc:Fallback>
+        <mc:Fallback xmlns="">
           <p:sp>
             <p:nvSpPr>
               <p:cNvPr id="3" name="Content Placeholder 2">

--- a/presentation.pptx
+++ b/presentation.pptx
@@ -5,7 +5,7 @@
     <p:sldMasterId id="2147483648" r:id="rId1"/>
   </p:sldMasterIdLst>
   <p:notesMasterIdLst>
-    <p:notesMasterId r:id="rId27"/>
+    <p:notesMasterId r:id="rId39"/>
   </p:notesMasterIdLst>
   <p:sldIdLst>
     <p:sldId id="256" r:id="rId2"/>
@@ -30,9 +30,21 @@
     <p:sldId id="272" r:id="rId21"/>
     <p:sldId id="278" r:id="rId22"/>
     <p:sldId id="279" r:id="rId23"/>
-    <p:sldId id="280" r:id="rId24"/>
-    <p:sldId id="273" r:id="rId25"/>
-    <p:sldId id="282" r:id="rId26"/>
+    <p:sldId id="284" r:id="rId24"/>
+    <p:sldId id="285" r:id="rId25"/>
+    <p:sldId id="286" r:id="rId26"/>
+    <p:sldId id="287" r:id="rId27"/>
+    <p:sldId id="288" r:id="rId28"/>
+    <p:sldId id="289" r:id="rId29"/>
+    <p:sldId id="290" r:id="rId30"/>
+    <p:sldId id="291" r:id="rId31"/>
+    <p:sldId id="292" r:id="rId32"/>
+    <p:sldId id="293" r:id="rId33"/>
+    <p:sldId id="273" r:id="rId34"/>
+    <p:sldId id="294" r:id="rId35"/>
+    <p:sldId id="295" r:id="rId36"/>
+    <p:sldId id="283" r:id="rId37"/>
+    <p:sldId id="282" r:id="rId38"/>
   </p:sldIdLst>
   <p:sldSz cx="12192000" cy="6858000"/>
   <p:notesSz cx="6858000" cy="9144000"/>
@@ -221,7 +233,7 @@
           <a:p>
             <a:fld id="{17CE5AC4-5DBD-4229-9758-11D86EE80521}" type="datetimeFigureOut">
               <a:rPr lang="en-US" smtClean="0"/>
-              <a:t>4/22/2019</a:t>
+              <a:t>4/25/2019</a:t>
             </a:fld>
             <a:endParaRPr lang="en-US"/>
           </a:p>
@@ -633,9 +645,9 @@
           <a:bodyPr/>
           <a:lstStyle/>
           <a:p>
-            <a:fld id="{E2A69009-7C97-4787-80F0-A8C6CF0B1761}" type="datetime1">
+            <a:fld id="{296B1E04-A2D6-473D-9941-9F703FCFE8C9}" type="datetime1">
               <a:rPr lang="en-US" smtClean="0"/>
-              <a:t>4/22/2019</a:t>
+              <a:t>4/25/2019</a:t>
             </a:fld>
             <a:endParaRPr lang="en-US"/>
           </a:p>
@@ -831,9 +843,9 @@
           <a:bodyPr/>
           <a:lstStyle/>
           <a:p>
-            <a:fld id="{70B32E40-7DD2-400C-9818-6EECBCB84EC8}" type="datetime1">
+            <a:fld id="{453CBF35-BE07-4C6B-AFE3-D6EBD47A2B9D}" type="datetime1">
               <a:rPr lang="en-US" smtClean="0"/>
-              <a:t>4/22/2019</a:t>
+              <a:t>4/25/2019</a:t>
             </a:fld>
             <a:endParaRPr lang="en-US"/>
           </a:p>
@@ -1039,9 +1051,9 @@
           <a:bodyPr/>
           <a:lstStyle/>
           <a:p>
-            <a:fld id="{91FE2234-8307-45B2-BF28-DE51B4D5D781}" type="datetime1">
+            <a:fld id="{E10C7217-2C25-411C-91EE-69F2848F5F12}" type="datetime1">
               <a:rPr lang="en-US" smtClean="0"/>
-              <a:t>4/22/2019</a:t>
+              <a:t>4/25/2019</a:t>
             </a:fld>
             <a:endParaRPr lang="en-US"/>
           </a:p>
@@ -1237,11 +1249,11 @@
           <a:bodyPr/>
           <a:lstStyle/>
           <a:p>
-            <a:fld id="{388A35A7-88ED-40A5-AFD3-9F1DC912E50A}" type="datetime1">
+            <a:fld id="{F20E8F5D-D3EE-4DC6-8A18-2E7E893921E4}" type="datetime1">
               <a:rPr lang="en-US" smtClean="0"/>
-              <a:t>4/22/2019</a:t>
+              <a:t>4/25/2019</a:t>
             </a:fld>
-            <a:endParaRPr lang="en-US"/>
+            <a:endParaRPr lang="en-US" dirty="0"/>
           </a:p>
         </p:txBody>
       </p:sp>
@@ -1266,7 +1278,7 @@
           <a:bodyPr/>
           <a:lstStyle/>
           <a:p>
-            <a:endParaRPr lang="en-US"/>
+            <a:endParaRPr lang="en-US" dirty="0"/>
           </a:p>
         </p:txBody>
       </p:sp>
@@ -1293,9 +1305,10 @@
           <a:p>
             <a:fld id="{8768419F-B12D-4364-885F-8014D4800523}" type="slidenum">
               <a:rPr lang="en-US" smtClean="0"/>
+              <a:pPr/>
               <a:t>‹#›</a:t>
             </a:fld>
-            <a:endParaRPr lang="en-US"/>
+            <a:endParaRPr lang="en-US" dirty="0"/>
           </a:p>
         </p:txBody>
       </p:sp>
@@ -1512,9 +1525,9 @@
           <a:bodyPr/>
           <a:lstStyle/>
           <a:p>
-            <a:fld id="{57CD5501-D67B-4781-A5F6-95327680A4D1}" type="datetime1">
+            <a:fld id="{5EF6D278-9525-4C5F-9EE1-E9662848A8A0}" type="datetime1">
               <a:rPr lang="en-US" smtClean="0"/>
-              <a:t>4/22/2019</a:t>
+              <a:t>4/25/2019</a:t>
             </a:fld>
             <a:endParaRPr lang="en-US"/>
           </a:p>
@@ -1777,9 +1790,9 @@
           <a:bodyPr/>
           <a:lstStyle/>
           <a:p>
-            <a:fld id="{0DE1AC6B-532E-46D7-AE79-0CBE9213FA25}" type="datetime1">
+            <a:fld id="{D96DD5D9-E31C-4A53-B567-A7760B110C11}" type="datetime1">
               <a:rPr lang="en-US" smtClean="0"/>
-              <a:t>4/22/2019</a:t>
+              <a:t>4/25/2019</a:t>
             </a:fld>
             <a:endParaRPr lang="en-US"/>
           </a:p>
@@ -2189,9 +2202,9 @@
           <a:bodyPr/>
           <a:lstStyle/>
           <a:p>
-            <a:fld id="{78790C9B-20A5-4619-831E-1F48B1269907}" type="datetime1">
+            <a:fld id="{14919FB7-3963-4D04-B511-740748157189}" type="datetime1">
               <a:rPr lang="en-US" smtClean="0"/>
-              <a:t>4/22/2019</a:t>
+              <a:t>4/25/2019</a:t>
             </a:fld>
             <a:endParaRPr lang="en-US"/>
           </a:p>
@@ -2330,9 +2343,9 @@
           <a:bodyPr/>
           <a:lstStyle/>
           <a:p>
-            <a:fld id="{C0315096-5F8D-4D0A-A1E0-C79B790EC298}" type="datetime1">
+            <a:fld id="{0486B6F0-09CF-401A-AACE-21E311C702F1}" type="datetime1">
               <a:rPr lang="en-US" smtClean="0"/>
-              <a:t>4/22/2019</a:t>
+              <a:t>4/25/2019</a:t>
             </a:fld>
             <a:endParaRPr lang="en-US"/>
           </a:p>
@@ -2443,9 +2456,9 @@
           <a:bodyPr/>
           <a:lstStyle/>
           <a:p>
-            <a:fld id="{06E40BB9-98D0-4B54-A81D-01CDD7E1DD9F}" type="datetime1">
+            <a:fld id="{A9BBE8C2-A72D-4F49-86CE-ECEF59CDD734}" type="datetime1">
               <a:rPr lang="en-US" smtClean="0"/>
-              <a:t>4/22/2019</a:t>
+              <a:t>4/25/2019</a:t>
             </a:fld>
             <a:endParaRPr lang="en-US"/>
           </a:p>
@@ -2754,9 +2767,9 @@
           <a:bodyPr/>
           <a:lstStyle/>
           <a:p>
-            <a:fld id="{4DD6B1E0-2C25-4C7D-B9A6-B4FB5B4DC059}" type="datetime1">
+            <a:fld id="{58A4112B-8E5A-4712-AB0A-9B3BD82098B5}" type="datetime1">
               <a:rPr lang="en-US" smtClean="0"/>
-              <a:t>4/22/2019</a:t>
+              <a:t>4/25/2019</a:t>
             </a:fld>
             <a:endParaRPr lang="en-US"/>
           </a:p>
@@ -3042,9 +3055,9 @@
           <a:bodyPr/>
           <a:lstStyle/>
           <a:p>
-            <a:fld id="{4612C35D-117A-4EAF-96E3-BF7B863A6F2E}" type="datetime1">
+            <a:fld id="{9F387BB0-025C-41F0-9298-82448E736652}" type="datetime1">
               <a:rPr lang="en-US" smtClean="0"/>
-              <a:t>4/22/2019</a:t>
+              <a:t>4/25/2019</a:t>
             </a:fld>
             <a:endParaRPr lang="en-US"/>
           </a:p>
@@ -3210,35 +3223,35 @@
           <a:p>
             <a:pPr lvl="0"/>
             <a:r>
-              <a:rPr lang="en-US"/>
+              <a:rPr lang="en-US" dirty="0"/>
               <a:t>Click to edit Master text styles</a:t>
             </a:r>
           </a:p>
           <a:p>
             <a:pPr lvl="1"/>
             <a:r>
-              <a:rPr lang="en-US"/>
+              <a:rPr lang="en-US" dirty="0"/>
               <a:t>Second level</a:t>
             </a:r>
           </a:p>
           <a:p>
             <a:pPr lvl="2"/>
             <a:r>
-              <a:rPr lang="en-US"/>
+              <a:rPr lang="en-US" dirty="0"/>
               <a:t>Third level</a:t>
             </a:r>
           </a:p>
           <a:p>
             <a:pPr lvl="3"/>
             <a:r>
-              <a:rPr lang="en-US"/>
+              <a:rPr lang="en-US" dirty="0"/>
               <a:t>Fourth level</a:t>
             </a:r>
           </a:p>
           <a:p>
             <a:pPr lvl="4"/>
             <a:r>
-              <a:rPr lang="en-US"/>
+              <a:rPr lang="en-US" dirty="0"/>
               <a:t>Fifth level</a:t>
             </a:r>
           </a:p>
@@ -3283,9 +3296,9 @@
             </a:lvl1pPr>
           </a:lstStyle>
           <a:p>
-            <a:fld id="{511777BF-9645-4ECC-A0D3-3CC30AE2FC54}" type="datetime1">
+            <a:fld id="{BD5B43C5-9B17-498B-B5BF-686B649C7544}" type="datetime1">
               <a:rPr lang="en-US" smtClean="0"/>
-              <a:t>4/22/2019</a:t>
+              <a:t>4/25/2019</a:t>
             </a:fld>
             <a:endParaRPr lang="en-US"/>
           </a:p>
@@ -3375,9 +3388,10 @@
           <a:p>
             <a:fld id="{8768419F-B12D-4364-885F-8014D4800523}" type="slidenum">
               <a:rPr lang="en-US" smtClean="0"/>
+              <a:pPr/>
               <a:t>‹#›</a:t>
             </a:fld>
-            <a:endParaRPr lang="en-US"/>
+            <a:endParaRPr lang="en-US" dirty="0"/>
           </a:p>
         </p:txBody>
       </p:sp>
@@ -3402,7 +3416,7 @@
     <p:sldLayoutId id="2147483658" r:id="rId10"/>
     <p:sldLayoutId id="2147483659" r:id="rId11"/>
   </p:sldLayoutIdLst>
-  <p:hf hdr="0" ftr="0"/>
+  <p:hf hdr="0" ftr="0" dt="0"/>
   <p:txStyles>
     <p:titleStyle>
       <a:lvl1pPr algn="l" defTabSz="914400" rtl="0" eaLnBrk="1" latinLnBrk="0" hangingPunct="1">
@@ -3756,15 +3770,70 @@
             <p:ph type="subTitle" idx="1"/>
           </p:nvPr>
         </p:nvSpPr>
-        <p:spPr/>
-        <p:txBody>
-          <a:bodyPr/>
+        <p:spPr>
+          <a:xfrm>
+            <a:off x="1524000" y="3602037"/>
+            <a:ext cx="9144000" cy="2133599"/>
+          </a:xfrm>
+        </p:spPr>
+        <p:txBody>
+          <a:bodyPr>
+            <a:normAutofit fontScale="92500" lnSpcReduction="10000"/>
+          </a:bodyPr>
           <a:lstStyle/>
           <a:p>
             <a:endParaRPr lang="en-US" dirty="0"/>
           </a:p>
           <a:p>
+            <a:r>
+              <a:rPr lang="en-US" b="1" dirty="0"/>
+              <a:t>Alp </a:t>
+            </a:r>
+            <a:r>
+              <a:rPr lang="en-US" b="1" dirty="0" err="1"/>
+              <a:t>Yurtsever</a:t>
+            </a:r>
+            <a:r>
+              <a:rPr lang="en-US" b="1" dirty="0"/>
+              <a:t> | Madeleine </a:t>
+            </a:r>
+            <a:r>
+              <a:rPr lang="en-US" b="1" dirty="0" err="1"/>
+              <a:t>Udell</a:t>
+            </a:r>
+            <a:r>
+              <a:rPr lang="en-US" b="1" dirty="0"/>
+              <a:t> | Joel A. </a:t>
+            </a:r>
+            <a:r>
+              <a:rPr lang="en-US" b="1" dirty="0" err="1"/>
+              <a:t>Tropp</a:t>
+            </a:r>
+            <a:r>
+              <a:rPr lang="en-US" b="1" dirty="0"/>
+              <a:t> | Volkan </a:t>
+            </a:r>
+            <a:r>
+              <a:rPr lang="en-US" b="1" dirty="0" err="1"/>
+              <a:t>Cevher</a:t>
+            </a:r>
+            <a:br>
+              <a:rPr lang="en-US" b="1" dirty="0"/>
+            </a:br>
+            <a:r>
+              <a:rPr lang="en-US" dirty="0"/>
+              <a:t>EPFL | Cornell | Caltech | EPFL </a:t>
+            </a:r>
+            <a:br>
+              <a:rPr lang="en-US" dirty="0"/>
+            </a:br>
             <a:endParaRPr lang="en-US" dirty="0"/>
+          </a:p>
+          <a:p>
+            <a:r>
+              <a:rPr lang="en-US" dirty="0"/>
+              <a:t>Presented by:</a:t>
+            </a:r>
           </a:p>
           <a:p>
             <a:r>
@@ -3987,35 +4056,6 @@
           </a:prstGeom>
         </p:spPr>
       </p:pic>
-      <p:sp>
-        <p:nvSpPr>
-          <p:cNvPr id="7" name="Date Placeholder 6">
-            <a:extLst>
-              <a:ext uri="{FF2B5EF4-FFF2-40B4-BE49-F238E27FC236}">
-                <a16:creationId xmlns:a16="http://schemas.microsoft.com/office/drawing/2014/main" id="{6F2E432C-EF01-41AB-BF7E-BB3768CF136F}"/>
-              </a:ext>
-            </a:extLst>
-          </p:cNvPr>
-          <p:cNvSpPr>
-            <a:spLocks noGrp="1"/>
-          </p:cNvSpPr>
-          <p:nvPr>
-            <p:ph type="dt" sz="half" idx="10"/>
-          </p:nvPr>
-        </p:nvSpPr>
-        <p:spPr/>
-        <p:txBody>
-          <a:bodyPr/>
-          <a:lstStyle/>
-          <a:p>
-            <a:fld id="{F1D086F0-4AE6-4BAB-848C-E8970285D1BD}" type="datetime1">
-              <a:rPr lang="en-US" smtClean="0"/>
-              <a:t>4/22/2019</a:t>
-            </a:fld>
-            <a:endParaRPr lang="en-US"/>
-          </a:p>
-        </p:txBody>
-      </p:sp>
       <p:sp>
         <p:nvSpPr>
           <p:cNvPr id="8" name="Slide Number Placeholder 7">
@@ -4529,35 +4569,6 @@
       </mc:AlternateContent>
       <p:sp>
         <p:nvSpPr>
-          <p:cNvPr id="4" name="Date Placeholder 3">
-            <a:extLst>
-              <a:ext uri="{FF2B5EF4-FFF2-40B4-BE49-F238E27FC236}">
-                <a16:creationId xmlns:a16="http://schemas.microsoft.com/office/drawing/2014/main" id="{57A12EC6-12CF-45FE-9F2E-5A2C53BC2F41}"/>
-              </a:ext>
-            </a:extLst>
-          </p:cNvPr>
-          <p:cNvSpPr>
-            <a:spLocks noGrp="1"/>
-          </p:cNvSpPr>
-          <p:nvPr>
-            <p:ph type="dt" sz="half" idx="10"/>
-          </p:nvPr>
-        </p:nvSpPr>
-        <p:spPr/>
-        <p:txBody>
-          <a:bodyPr/>
-          <a:lstStyle/>
-          <a:p>
-            <a:fld id="{388A35A7-88ED-40A5-AFD3-9F1DC912E50A}" type="datetime1">
-              <a:rPr lang="en-US" smtClean="0"/>
-              <a:t>4/22/2019</a:t>
-            </a:fld>
-            <a:endParaRPr lang="en-US"/>
-          </a:p>
-        </p:txBody>
-      </p:sp>
-      <p:sp>
-        <p:nvSpPr>
           <p:cNvPr id="5" name="Slide Number Placeholder 4">
             <a:extLst>
               <a:ext uri="{FF2B5EF4-FFF2-40B4-BE49-F238E27FC236}">
@@ -4784,35 +4795,6 @@
       </p:pic>
       <p:sp>
         <p:nvSpPr>
-          <p:cNvPr id="7" name="Date Placeholder 6">
-            <a:extLst>
-              <a:ext uri="{FF2B5EF4-FFF2-40B4-BE49-F238E27FC236}">
-                <a16:creationId xmlns:a16="http://schemas.microsoft.com/office/drawing/2014/main" id="{C3DA2869-666D-40EC-A7DF-D53729218F5E}"/>
-              </a:ext>
-            </a:extLst>
-          </p:cNvPr>
-          <p:cNvSpPr>
-            <a:spLocks noGrp="1"/>
-          </p:cNvSpPr>
-          <p:nvPr>
-            <p:ph type="dt" sz="half" idx="10"/>
-          </p:nvPr>
-        </p:nvSpPr>
-        <p:spPr/>
-        <p:txBody>
-          <a:bodyPr/>
-          <a:lstStyle/>
-          <a:p>
-            <a:fld id="{B6F28465-3F92-4258-AF87-513E8D363794}" type="datetime1">
-              <a:rPr lang="en-US" smtClean="0"/>
-              <a:t>4/22/2019</a:t>
-            </a:fld>
-            <a:endParaRPr lang="en-US"/>
-          </a:p>
-        </p:txBody>
-      </p:sp>
-      <p:sp>
-        <p:nvSpPr>
           <p:cNvPr id="8" name="Slide Number Placeholder 7">
             <a:extLst>
               <a:ext uri="{FF2B5EF4-FFF2-40B4-BE49-F238E27FC236}">
@@ -4904,37 +4886,8 @@
             </a:pPr>
             <a:r>
               <a:rPr lang="en-US" sz="5400" dirty="0"/>
-              <a:t>Experiments</a:t>
-            </a:r>
-          </a:p>
-        </p:txBody>
-      </p:sp>
-      <p:sp>
-        <p:nvSpPr>
-          <p:cNvPr id="2" name="Date Placeholder 1">
-            <a:extLst>
-              <a:ext uri="{FF2B5EF4-FFF2-40B4-BE49-F238E27FC236}">
-                <a16:creationId xmlns:a16="http://schemas.microsoft.com/office/drawing/2014/main" id="{27C3A7C0-4458-4FA1-A360-EBC6E8C9B449}"/>
-              </a:ext>
-            </a:extLst>
-          </p:cNvPr>
-          <p:cNvSpPr>
-            <a:spLocks noGrp="1"/>
-          </p:cNvSpPr>
-          <p:nvPr>
-            <p:ph type="dt" sz="half" idx="10"/>
-          </p:nvPr>
-        </p:nvSpPr>
-        <p:spPr/>
-        <p:txBody>
-          <a:bodyPr/>
-          <a:lstStyle/>
-          <a:p>
-            <a:fld id="{A9B9E0DD-318A-4247-86B4-73CE77EE7F62}" type="datetime1">
-              <a:rPr lang="en-US" smtClean="0"/>
-              <a:t>4/22/2019</a:t>
-            </a:fld>
-            <a:endParaRPr lang="en-US"/>
+              <a:t>Paper Experiments</a:t>
+            </a:r>
           </a:p>
         </p:txBody>
       </p:sp>
@@ -5064,35 +5017,6 @@
               <a:rPr lang="en-US" dirty="0"/>
               <a:t> but higher with other methods</a:t>
             </a:r>
-          </a:p>
-        </p:txBody>
-      </p:sp>
-      <p:sp>
-        <p:nvSpPr>
-          <p:cNvPr id="4" name="Date Placeholder 3">
-            <a:extLst>
-              <a:ext uri="{FF2B5EF4-FFF2-40B4-BE49-F238E27FC236}">
-                <a16:creationId xmlns:a16="http://schemas.microsoft.com/office/drawing/2014/main" id="{28305775-1614-45E3-A48C-FC92943B70FD}"/>
-              </a:ext>
-            </a:extLst>
-          </p:cNvPr>
-          <p:cNvSpPr>
-            <a:spLocks noGrp="1"/>
-          </p:cNvSpPr>
-          <p:nvPr>
-            <p:ph type="dt" sz="half" idx="10"/>
-          </p:nvPr>
-        </p:nvSpPr>
-        <p:spPr/>
-        <p:txBody>
-          <a:bodyPr/>
-          <a:lstStyle/>
-          <a:p>
-            <a:fld id="{800A7A33-697F-4E7A-AA63-061A15A064F0}" type="datetime1">
-              <a:rPr lang="en-US" smtClean="0"/>
-              <a:t>4/22/2019</a:t>
-            </a:fld>
-            <a:endParaRPr lang="en-US"/>
           </a:p>
         </p:txBody>
       </p:sp>
@@ -5243,35 +5167,6 @@
       </p:sp>
       <p:sp>
         <p:nvSpPr>
-          <p:cNvPr id="4" name="Date Placeholder 3">
-            <a:extLst>
-              <a:ext uri="{FF2B5EF4-FFF2-40B4-BE49-F238E27FC236}">
-                <a16:creationId xmlns:a16="http://schemas.microsoft.com/office/drawing/2014/main" id="{7D6A2CA5-A4D0-478C-8C4B-C07576E110BA}"/>
-              </a:ext>
-            </a:extLst>
-          </p:cNvPr>
-          <p:cNvSpPr>
-            <a:spLocks noGrp="1"/>
-          </p:cNvSpPr>
-          <p:nvPr>
-            <p:ph type="dt" sz="half" idx="10"/>
-          </p:nvPr>
-        </p:nvSpPr>
-        <p:spPr/>
-        <p:txBody>
-          <a:bodyPr/>
-          <a:lstStyle/>
-          <a:p>
-            <a:fld id="{62CB9E30-99F1-4BEB-BEA2-B2EA8129912B}" type="datetime1">
-              <a:rPr lang="en-US" smtClean="0"/>
-              <a:t>4/22/2019</a:t>
-            </a:fld>
-            <a:endParaRPr lang="en-US"/>
-          </a:p>
-        </p:txBody>
-      </p:sp>
-      <p:sp>
-        <p:nvSpPr>
           <p:cNvPr id="5" name="Slide Number Placeholder 4">
             <a:extLst>
               <a:ext uri="{FF2B5EF4-FFF2-40B4-BE49-F238E27FC236}">
@@ -5400,35 +5295,6 @@
       </p:sp>
       <p:sp>
         <p:nvSpPr>
-          <p:cNvPr id="2" name="Date Placeholder 1">
-            <a:extLst>
-              <a:ext uri="{FF2B5EF4-FFF2-40B4-BE49-F238E27FC236}">
-                <a16:creationId xmlns:a16="http://schemas.microsoft.com/office/drawing/2014/main" id="{27C3A7C0-4458-4FA1-A360-EBC6E8C9B449}"/>
-              </a:ext>
-            </a:extLst>
-          </p:cNvPr>
-          <p:cNvSpPr>
-            <a:spLocks noGrp="1"/>
-          </p:cNvSpPr>
-          <p:nvPr>
-            <p:ph type="dt" sz="half" idx="10"/>
-          </p:nvPr>
-        </p:nvSpPr>
-        <p:spPr/>
-        <p:txBody>
-          <a:bodyPr/>
-          <a:lstStyle/>
-          <a:p>
-            <a:fld id="{A9B9E0DD-318A-4247-86B4-73CE77EE7F62}" type="datetime1">
-              <a:rPr lang="en-US" smtClean="0"/>
-              <a:t>4/22/2019</a:t>
-            </a:fld>
-            <a:endParaRPr lang="en-US"/>
-          </a:p>
-        </p:txBody>
-      </p:sp>
-      <p:sp>
-        <p:nvSpPr>
           <p:cNvPr id="4" name="Slide Number Placeholder 3">
             <a:extLst>
               <a:ext uri="{FF2B5EF4-FFF2-40B4-BE49-F238E27FC236}">
@@ -5641,35 +5507,6 @@
       </p:pic>
       <p:sp>
         <p:nvSpPr>
-          <p:cNvPr id="3" name="Date Placeholder 2">
-            <a:extLst>
-              <a:ext uri="{FF2B5EF4-FFF2-40B4-BE49-F238E27FC236}">
-                <a16:creationId xmlns:a16="http://schemas.microsoft.com/office/drawing/2014/main" id="{350C3F6C-305D-4E6B-8675-61AF0C403EA1}"/>
-              </a:ext>
-            </a:extLst>
-          </p:cNvPr>
-          <p:cNvSpPr>
-            <a:spLocks noGrp="1"/>
-          </p:cNvSpPr>
-          <p:nvPr>
-            <p:ph type="dt" sz="half" idx="10"/>
-          </p:nvPr>
-        </p:nvSpPr>
-        <p:spPr/>
-        <p:txBody>
-          <a:bodyPr/>
-          <a:lstStyle/>
-          <a:p>
-            <a:fld id="{B3B5BADE-EF60-43E6-B885-8B0DE874A45B}" type="datetime1">
-              <a:rPr lang="en-US" smtClean="0"/>
-              <a:t>4/22/2019</a:t>
-            </a:fld>
-            <a:endParaRPr lang="en-US"/>
-          </a:p>
-        </p:txBody>
-      </p:sp>
-      <p:sp>
-        <p:nvSpPr>
           <p:cNvPr id="4" name="Slide Number Placeholder 3">
             <a:extLst>
               <a:ext uri="{FF2B5EF4-FFF2-40B4-BE49-F238E27FC236}">
@@ -5882,35 +5719,6 @@
       </p:pic>
       <p:sp>
         <p:nvSpPr>
-          <p:cNvPr id="3" name="Date Placeholder 2">
-            <a:extLst>
-              <a:ext uri="{FF2B5EF4-FFF2-40B4-BE49-F238E27FC236}">
-                <a16:creationId xmlns:a16="http://schemas.microsoft.com/office/drawing/2014/main" id="{45BD7E5B-EBB8-401E-8081-E96719F5952F}"/>
-              </a:ext>
-            </a:extLst>
-          </p:cNvPr>
-          <p:cNvSpPr>
-            <a:spLocks noGrp="1"/>
-          </p:cNvSpPr>
-          <p:nvPr>
-            <p:ph type="dt" sz="half" idx="10"/>
-          </p:nvPr>
-        </p:nvSpPr>
-        <p:spPr/>
-        <p:txBody>
-          <a:bodyPr/>
-          <a:lstStyle/>
-          <a:p>
-            <a:fld id="{6093948D-306F-4BF0-B000-F1A30B87DB39}" type="datetime1">
-              <a:rPr lang="en-US" smtClean="0"/>
-              <a:t>4/22/2019</a:t>
-            </a:fld>
-            <a:endParaRPr lang="en-US"/>
-          </a:p>
-        </p:txBody>
-      </p:sp>
-      <p:sp>
-        <p:nvSpPr>
           <p:cNvPr id="4" name="Slide Number Placeholder 3">
             <a:extLst>
               <a:ext uri="{FF2B5EF4-FFF2-40B4-BE49-F238E27FC236}">
@@ -6123,35 +5931,6 @@
       </p:pic>
       <p:sp>
         <p:nvSpPr>
-          <p:cNvPr id="3" name="Date Placeholder 2">
-            <a:extLst>
-              <a:ext uri="{FF2B5EF4-FFF2-40B4-BE49-F238E27FC236}">
-                <a16:creationId xmlns:a16="http://schemas.microsoft.com/office/drawing/2014/main" id="{19C5A78C-8E57-445B-9101-CF8860417BE5}"/>
-              </a:ext>
-            </a:extLst>
-          </p:cNvPr>
-          <p:cNvSpPr>
-            <a:spLocks noGrp="1"/>
-          </p:cNvSpPr>
-          <p:nvPr>
-            <p:ph type="dt" sz="half" idx="10"/>
-          </p:nvPr>
-        </p:nvSpPr>
-        <p:spPr/>
-        <p:txBody>
-          <a:bodyPr/>
-          <a:lstStyle/>
-          <a:p>
-            <a:fld id="{4AD21F36-08F5-430D-9F5A-D09AFA74E42B}" type="datetime1">
-              <a:rPr lang="en-US" smtClean="0"/>
-              <a:t>4/22/2019</a:t>
-            </a:fld>
-            <a:endParaRPr lang="en-US"/>
-          </a:p>
-        </p:txBody>
-      </p:sp>
-      <p:sp>
-        <p:nvSpPr>
           <p:cNvPr id="4" name="Slide Number Placeholder 3">
             <a:extLst>
               <a:ext uri="{FF2B5EF4-FFF2-40B4-BE49-F238E27FC236}">
@@ -6312,35 +6091,6 @@
       </p:sp>
       <p:sp>
         <p:nvSpPr>
-          <p:cNvPr id="4" name="Date Placeholder 3">
-            <a:extLst>
-              <a:ext uri="{FF2B5EF4-FFF2-40B4-BE49-F238E27FC236}">
-                <a16:creationId xmlns:a16="http://schemas.microsoft.com/office/drawing/2014/main" id="{91585FB9-E05F-4072-8926-B2F88B5A8161}"/>
-              </a:ext>
-            </a:extLst>
-          </p:cNvPr>
-          <p:cNvSpPr>
-            <a:spLocks noGrp="1"/>
-          </p:cNvSpPr>
-          <p:nvPr>
-            <p:ph type="dt" sz="half" idx="10"/>
-          </p:nvPr>
-        </p:nvSpPr>
-        <p:spPr/>
-        <p:txBody>
-          <a:bodyPr/>
-          <a:lstStyle/>
-          <a:p>
-            <a:fld id="{D4ADA333-D6E1-46F4-8EA6-AEC691FD18EB}" type="datetime1">
-              <a:rPr lang="en-US" smtClean="0"/>
-              <a:t>4/22/2019</a:t>
-            </a:fld>
-            <a:endParaRPr lang="en-US"/>
-          </a:p>
-        </p:txBody>
-      </p:sp>
-      <p:sp>
-        <p:nvSpPr>
           <p:cNvPr id="5" name="Slide Number Placeholder 4">
             <a:extLst>
               <a:ext uri="{FF2B5EF4-FFF2-40B4-BE49-F238E27FC236}">
@@ -6430,548 +6180,20 @@
           </a:p>
         </p:txBody>
       </p:sp>
-      <mc:AlternateContent xmlns:mc="http://schemas.openxmlformats.org/markup-compatibility/2006" xmlns:a14="http://schemas.microsoft.com/office/drawing/2010/main">
-        <mc:Choice Requires="a14">
-          <p:sp>
-            <p:nvSpPr>
-              <p:cNvPr id="3" name="Content Placeholder 2">
-                <a:extLst>
-                  <a:ext uri="{FF2B5EF4-FFF2-40B4-BE49-F238E27FC236}">
-                    <a16:creationId xmlns:a16="http://schemas.microsoft.com/office/drawing/2014/main" id="{6BCDFE3B-59D6-4CFF-A468-F5CBE0D0012D}"/>
-                  </a:ext>
-                </a:extLst>
-              </p:cNvPr>
-              <p:cNvSpPr>
-                <a:spLocks noGrp="1"/>
-              </p:cNvSpPr>
-              <p:nvPr>
-                <p:ph idx="1"/>
-              </p:nvPr>
-            </p:nvSpPr>
-            <p:spPr/>
-            <p:txBody>
-              <a:bodyPr/>
-              <a:lstStyle/>
-              <a:p>
-                <a:r>
-                  <a:rPr lang="en-US" dirty="0"/>
-                  <a:t>943 users, 1682 movies</a:t>
-                </a:r>
-              </a:p>
-              <a:p>
-                <a:r>
-                  <a:rPr lang="en-US" dirty="0"/>
-                  <a:t>Ratings from 1 to 5</a:t>
-                </a:r>
-              </a:p>
-              <a:p>
-                <a:r>
-                  <a:rPr lang="en-US" dirty="0"/>
-                  <a:t>The ratings are preprocessed to be binary (1 and -1)</a:t>
-                </a:r>
-              </a:p>
-              <a:p>
-                <a:r>
-                  <a:rPr lang="en-US" dirty="0"/>
-                  <a:t>Rating &gt; 3.5 (4, 5) </a:t>
-                </a:r>
-                <a:r>
-                  <a:rPr lang="en-US" dirty="0">
-                    <a:sym typeface="Wingdings" panose="05000000000000000000" pitchFamily="2" charset="2"/>
-                  </a:rPr>
-                  <a:t> 1</a:t>
-                </a:r>
-              </a:p>
-              <a:p>
-                <a:r>
-                  <a:rPr lang="en-US" dirty="0">
-                    <a:sym typeface="Wingdings" panose="05000000000000000000" pitchFamily="2" charset="2"/>
-                  </a:rPr>
-                  <a:t>Rating &lt; 3.5 (1, 2, 3)  -1</a:t>
-                </a:r>
-              </a:p>
-              <a:p>
-                <a:r>
-                  <a:rPr lang="en-US" dirty="0">
-                    <a:sym typeface="Wingdings" panose="05000000000000000000" pitchFamily="2" charset="2"/>
-                  </a:rPr>
-                  <a:t>Use the quadratic loss function </a:t>
-                </a:r>
-                <a14:m>
-                  <m:oMath xmlns:m="http://schemas.openxmlformats.org/officeDocument/2006/math">
-                    <m:sSub>
-                      <m:sSubPr>
-                        <m:ctrlPr>
-                          <a:rPr lang="en-US" b="0" i="1" smtClean="0">
-                            <a:latin typeface="Cambria Math" panose="02040503050406030204" pitchFamily="18" charset="0"/>
-                            <a:sym typeface="Wingdings" panose="05000000000000000000" pitchFamily="2" charset="2"/>
-                          </a:rPr>
-                        </m:ctrlPr>
-                      </m:sSubPr>
-                      <m:e>
-                        <m:r>
-                          <a:rPr lang="en-US" b="0" i="1" smtClean="0">
-                            <a:latin typeface="Cambria Math" panose="02040503050406030204" pitchFamily="18" charset="0"/>
-                            <a:sym typeface="Wingdings" panose="05000000000000000000" pitchFamily="2" charset="2"/>
-                          </a:rPr>
-                          <m:t>𝜓</m:t>
-                        </m:r>
-                      </m:e>
-                      <m:sub>
-                        <m:r>
-                          <a:rPr lang="en-US" b="0" i="1" smtClean="0">
-                            <a:latin typeface="Cambria Math" panose="02040503050406030204" pitchFamily="18" charset="0"/>
-                            <a:sym typeface="Wingdings" panose="05000000000000000000" pitchFamily="2" charset="2"/>
-                          </a:rPr>
-                          <m:t>𝑙</m:t>
-                        </m:r>
-                        <m:r>
-                          <a:rPr lang="en-US" b="0" i="1" smtClean="0">
-                            <a:latin typeface="Cambria Math" panose="02040503050406030204" pitchFamily="18" charset="0"/>
-                            <a:sym typeface="Wingdings" panose="05000000000000000000" pitchFamily="2" charset="2"/>
-                          </a:rPr>
-                          <m:t> </m:t>
-                        </m:r>
-                      </m:sub>
-                    </m:sSub>
-                    <m:r>
-                      <a:rPr lang="en-US" b="0" i="1" smtClean="0">
-                        <a:latin typeface="Cambria Math" panose="02040503050406030204" pitchFamily="18" charset="0"/>
-                        <a:sym typeface="Wingdings" panose="05000000000000000000" pitchFamily="2" charset="2"/>
-                      </a:rPr>
-                      <m:t>(</m:t>
-                    </m:r>
-                    <m:r>
-                      <a:rPr lang="en-US" b="0" i="1" smtClean="0">
-                        <a:latin typeface="Cambria Math" panose="02040503050406030204" pitchFamily="18" charset="0"/>
-                        <a:sym typeface="Wingdings" panose="05000000000000000000" pitchFamily="2" charset="2"/>
-                      </a:rPr>
-                      <m:t>𝑧</m:t>
-                    </m:r>
-                    <m:r>
-                      <a:rPr lang="en-US" b="0" i="1" smtClean="0">
-                        <a:latin typeface="Cambria Math" panose="02040503050406030204" pitchFamily="18" charset="0"/>
-                        <a:sym typeface="Wingdings" panose="05000000000000000000" pitchFamily="2" charset="2"/>
-                      </a:rPr>
-                      <m:t>, </m:t>
-                    </m:r>
-                    <m:r>
-                      <a:rPr lang="en-US" b="0" i="1" smtClean="0">
-                        <a:latin typeface="Cambria Math" panose="02040503050406030204" pitchFamily="18" charset="0"/>
-                        <a:sym typeface="Wingdings" panose="05000000000000000000" pitchFamily="2" charset="2"/>
-                      </a:rPr>
-                      <m:t>𝑏</m:t>
-                    </m:r>
-                    <m:r>
-                      <a:rPr lang="en-US" b="0" i="1" smtClean="0">
-                        <a:latin typeface="Cambria Math" panose="02040503050406030204" pitchFamily="18" charset="0"/>
-                        <a:sym typeface="Wingdings" panose="05000000000000000000" pitchFamily="2" charset="2"/>
-                      </a:rPr>
-                      <m:t>)=</m:t>
-                    </m:r>
-                    <m:f>
-                      <m:fPr>
-                        <m:ctrlPr>
-                          <a:rPr lang="en-US" i="1" smtClean="0">
-                            <a:latin typeface="Cambria Math" panose="02040503050406030204" pitchFamily="18" charset="0"/>
-                            <a:sym typeface="Wingdings" panose="05000000000000000000" pitchFamily="2" charset="2"/>
-                          </a:rPr>
-                        </m:ctrlPr>
-                      </m:fPr>
-                      <m:num>
-                        <m:r>
-                          <a:rPr lang="en-US" b="0" i="1" smtClean="0">
-                            <a:latin typeface="Cambria Math" panose="02040503050406030204" pitchFamily="18" charset="0"/>
-                            <a:sym typeface="Wingdings" panose="05000000000000000000" pitchFamily="2" charset="2"/>
-                          </a:rPr>
-                          <m:t>1</m:t>
-                        </m:r>
-                      </m:num>
-                      <m:den>
-                        <m:r>
-                          <a:rPr lang="en-US" b="0" i="1" smtClean="0">
-                            <a:latin typeface="Cambria Math" panose="02040503050406030204" pitchFamily="18" charset="0"/>
-                            <a:sym typeface="Wingdings" panose="05000000000000000000" pitchFamily="2" charset="2"/>
-                          </a:rPr>
-                          <m:t>2</m:t>
-                        </m:r>
-                      </m:den>
-                    </m:f>
-                    <m:r>
-                      <a:rPr lang="en-US" b="0" i="1" smtClean="0">
-                        <a:latin typeface="Cambria Math" panose="02040503050406030204" pitchFamily="18" charset="0"/>
-                        <a:sym typeface="Wingdings" panose="05000000000000000000" pitchFamily="2" charset="2"/>
-                      </a:rPr>
-                      <m:t> </m:t>
-                    </m:r>
-                    <m:sSup>
-                      <m:sSupPr>
-                        <m:ctrlPr>
-                          <a:rPr lang="en-US" b="0" i="1" smtClean="0">
-                            <a:latin typeface="Cambria Math" panose="02040503050406030204" pitchFamily="18" charset="0"/>
-                            <a:sym typeface="Wingdings" panose="05000000000000000000" pitchFamily="2" charset="2"/>
-                          </a:rPr>
-                        </m:ctrlPr>
-                      </m:sSupPr>
-                      <m:e>
-                        <m:d>
-                          <m:dPr>
-                            <m:ctrlPr>
-                              <a:rPr lang="en-US" b="0" i="1" smtClean="0">
-                                <a:latin typeface="Cambria Math" panose="02040503050406030204" pitchFamily="18" charset="0"/>
-                                <a:sym typeface="Wingdings" panose="05000000000000000000" pitchFamily="2" charset="2"/>
-                              </a:rPr>
-                            </m:ctrlPr>
-                          </m:dPr>
-                          <m:e>
-                            <m:r>
-                              <a:rPr lang="en-US" b="0" i="1" smtClean="0">
-                                <a:latin typeface="Cambria Math" panose="02040503050406030204" pitchFamily="18" charset="0"/>
-                                <a:sym typeface="Wingdings" panose="05000000000000000000" pitchFamily="2" charset="2"/>
-                              </a:rPr>
-                              <m:t>𝑧</m:t>
-                            </m:r>
-                            <m:r>
-                              <a:rPr lang="en-US" b="0" i="1" smtClean="0">
-                                <a:latin typeface="Cambria Math" panose="02040503050406030204" pitchFamily="18" charset="0"/>
-                                <a:sym typeface="Wingdings" panose="05000000000000000000" pitchFamily="2" charset="2"/>
-                              </a:rPr>
-                              <m:t>−</m:t>
-                            </m:r>
-                            <m:r>
-                              <a:rPr lang="en-US" b="0" i="1" smtClean="0">
-                                <a:latin typeface="Cambria Math" panose="02040503050406030204" pitchFamily="18" charset="0"/>
-                                <a:sym typeface="Wingdings" panose="05000000000000000000" pitchFamily="2" charset="2"/>
-                              </a:rPr>
-                              <m:t>𝑏</m:t>
-                            </m:r>
-                          </m:e>
-                        </m:d>
-                      </m:e>
-                      <m:sup>
-                        <m:r>
-                          <a:rPr lang="en-US" b="0" i="1" smtClean="0">
-                            <a:latin typeface="Cambria Math" panose="02040503050406030204" pitchFamily="18" charset="0"/>
-                            <a:sym typeface="Wingdings" panose="05000000000000000000" pitchFamily="2" charset="2"/>
-                          </a:rPr>
-                          <m:t>2</m:t>
-                        </m:r>
-                      </m:sup>
-                    </m:sSup>
-                  </m:oMath>
-                </a14:m>
-                <a:endParaRPr lang="en-US" dirty="0"/>
-              </a:p>
-              <a:p>
-                <a:r>
-                  <a:rPr lang="en-US" dirty="0"/>
-                  <a:t>Objective function </a:t>
-                </a:r>
-                <a14:m>
-                  <m:oMath xmlns:m="http://schemas.openxmlformats.org/officeDocument/2006/math">
-                    <m:sSub>
-                      <m:sSubPr>
-                        <m:ctrlPr>
-                          <a:rPr lang="en-US" b="0" i="1" smtClean="0">
-                            <a:latin typeface="Cambria Math" panose="02040503050406030204" pitchFamily="18" charset="0"/>
-                          </a:rPr>
-                        </m:ctrlPr>
-                      </m:sSubPr>
-                      <m:e>
-                        <m:r>
-                          <a:rPr lang="en-US" b="0" i="1" smtClean="0">
-                            <a:latin typeface="Cambria Math" panose="02040503050406030204" pitchFamily="18" charset="0"/>
-                          </a:rPr>
-                          <m:t>𝑓</m:t>
-                        </m:r>
-                      </m:e>
-                      <m:sub>
-                        <m:r>
-                          <a:rPr lang="en-US" b="0" i="1" smtClean="0">
-                            <a:latin typeface="Cambria Math" panose="02040503050406030204" pitchFamily="18" charset="0"/>
-                          </a:rPr>
-                          <m:t>𝑙</m:t>
-                        </m:r>
-                      </m:sub>
-                    </m:sSub>
-                    <m:d>
-                      <m:dPr>
-                        <m:ctrlPr>
-                          <a:rPr lang="en-US" b="0" i="1" smtClean="0">
-                            <a:latin typeface="Cambria Math" panose="02040503050406030204" pitchFamily="18" charset="0"/>
-                          </a:rPr>
-                        </m:ctrlPr>
-                      </m:dPr>
-                      <m:e>
-                        <m:r>
-                          <a:rPr lang="en-US" b="0" i="1" smtClean="0">
-                            <a:latin typeface="Cambria Math" panose="02040503050406030204" pitchFamily="18" charset="0"/>
-                          </a:rPr>
-                          <m:t>𝑧</m:t>
-                        </m:r>
-                      </m:e>
-                    </m:d>
-                    <m:r>
-                      <a:rPr lang="en-US" b="0" i="1" smtClean="0">
-                        <a:latin typeface="Cambria Math" panose="02040503050406030204" pitchFamily="18" charset="0"/>
-                      </a:rPr>
-                      <m:t>= </m:t>
-                    </m:r>
-                    <m:f>
-                      <m:fPr>
-                        <m:ctrlPr>
-                          <a:rPr lang="en-US" b="0" i="1" smtClean="0">
-                            <a:latin typeface="Cambria Math" panose="02040503050406030204" pitchFamily="18" charset="0"/>
-                          </a:rPr>
-                        </m:ctrlPr>
-                      </m:fPr>
-                      <m:num>
-                        <m:r>
-                          <a:rPr lang="en-US" b="0" i="1" smtClean="0">
-                            <a:latin typeface="Cambria Math" panose="02040503050406030204" pitchFamily="18" charset="0"/>
-                          </a:rPr>
-                          <m:t>1</m:t>
-                        </m:r>
-                      </m:num>
-                      <m:den>
-                        <m:r>
-                          <a:rPr lang="en-US" b="0" i="1" smtClean="0">
-                            <a:latin typeface="Cambria Math" panose="02040503050406030204" pitchFamily="18" charset="0"/>
-                          </a:rPr>
-                          <m:t>|</m:t>
-                        </m:r>
-                        <m:r>
-                          <a:rPr lang="en-US" b="0" i="1" smtClean="0">
-                            <a:latin typeface="Cambria Math" panose="02040503050406030204" pitchFamily="18" charset="0"/>
-                          </a:rPr>
-                          <m:t>𝐸</m:t>
-                        </m:r>
-                        <m:r>
-                          <a:rPr lang="en-US" b="0" i="1" smtClean="0">
-                            <a:latin typeface="Cambria Math" panose="02040503050406030204" pitchFamily="18" charset="0"/>
-                          </a:rPr>
-                          <m:t>|</m:t>
-                        </m:r>
-                      </m:den>
-                    </m:f>
-                    <m:r>
-                      <a:rPr lang="en-US" b="0" i="1" smtClean="0">
-                        <a:latin typeface="Cambria Math" panose="02040503050406030204" pitchFamily="18" charset="0"/>
-                      </a:rPr>
-                      <m:t> </m:t>
-                    </m:r>
-                    <m:nary>
-                      <m:naryPr>
-                        <m:chr m:val="∑"/>
-                        <m:supHide m:val="on"/>
-                        <m:ctrlPr>
-                          <a:rPr lang="en-US" b="0" i="1" smtClean="0">
-                            <a:latin typeface="Cambria Math" panose="02040503050406030204" pitchFamily="18" charset="0"/>
-                          </a:rPr>
-                        </m:ctrlPr>
-                      </m:naryPr>
-                      <m:sub>
-                        <m:r>
-                          <m:rPr>
-                            <m:brk m:alnAt="7"/>
-                          </m:rPr>
-                          <a:rPr lang="en-US" b="0" i="1" smtClean="0">
-                            <a:latin typeface="Cambria Math" panose="02040503050406030204" pitchFamily="18" charset="0"/>
-                          </a:rPr>
-                          <m:t>(</m:t>
-                        </m:r>
-                        <m:r>
-                          <a:rPr lang="en-US" b="0" i="1" smtClean="0">
-                            <a:latin typeface="Cambria Math" panose="02040503050406030204" pitchFamily="18" charset="0"/>
-                          </a:rPr>
-                          <m:t>𝑖</m:t>
-                        </m:r>
-                        <m:r>
-                          <a:rPr lang="en-US" b="0" i="1" smtClean="0">
-                            <a:latin typeface="Cambria Math" panose="02040503050406030204" pitchFamily="18" charset="0"/>
-                          </a:rPr>
-                          <m:t>,</m:t>
-                        </m:r>
-                        <m:r>
-                          <a:rPr lang="en-US" b="0" i="1" smtClean="0">
-                            <a:latin typeface="Cambria Math" panose="02040503050406030204" pitchFamily="18" charset="0"/>
-                          </a:rPr>
-                          <m:t>𝑗</m:t>
-                        </m:r>
-                        <m:r>
-                          <a:rPr lang="en-US" b="0" i="1" smtClean="0">
-                            <a:latin typeface="Cambria Math" panose="02040503050406030204" pitchFamily="18" charset="0"/>
-                          </a:rPr>
-                          <m:t>)∈</m:t>
-                        </m:r>
-                        <m:r>
-                          <a:rPr lang="en-US" b="0" i="1" smtClean="0">
-                            <a:latin typeface="Cambria Math" panose="02040503050406030204" pitchFamily="18" charset="0"/>
-                          </a:rPr>
-                          <m:t>𝐸</m:t>
-                        </m:r>
-                      </m:sub>
-                      <m:sup/>
-                      <m:e>
-                        <m:sSub>
-                          <m:sSubPr>
-                            <m:ctrlPr>
-                              <a:rPr lang="en-US" b="0" i="1" smtClean="0">
-                                <a:latin typeface="Cambria Math" panose="02040503050406030204" pitchFamily="18" charset="0"/>
-                              </a:rPr>
-                            </m:ctrlPr>
-                          </m:sSubPr>
-                          <m:e>
-                            <m:r>
-                              <a:rPr lang="en-US" b="0" i="1" smtClean="0">
-                                <a:latin typeface="Cambria Math" panose="02040503050406030204" pitchFamily="18" charset="0"/>
-                              </a:rPr>
-                              <m:t>𝜓</m:t>
-                            </m:r>
-                          </m:e>
-                          <m:sub>
-                            <m:r>
-                              <a:rPr lang="en-US" b="0" i="1" smtClean="0">
-                                <a:latin typeface="Cambria Math" panose="02040503050406030204" pitchFamily="18" charset="0"/>
-                              </a:rPr>
-                              <m:t>𝑙</m:t>
-                            </m:r>
-                          </m:sub>
-                        </m:sSub>
-                        <m:r>
-                          <a:rPr lang="en-US" b="0" i="1" smtClean="0">
-                            <a:latin typeface="Cambria Math" panose="02040503050406030204" pitchFamily="18" charset="0"/>
-                          </a:rPr>
-                          <m:t>(</m:t>
-                        </m:r>
-                        <m:sSub>
-                          <m:sSubPr>
-                            <m:ctrlPr>
-                              <a:rPr lang="en-US" b="0" i="1" smtClean="0">
-                                <a:latin typeface="Cambria Math" panose="02040503050406030204" pitchFamily="18" charset="0"/>
-                              </a:rPr>
-                            </m:ctrlPr>
-                          </m:sSubPr>
-                          <m:e>
-                            <m:r>
-                              <a:rPr lang="en-US" b="0" i="1" smtClean="0">
-                                <a:latin typeface="Cambria Math" panose="02040503050406030204" pitchFamily="18" charset="0"/>
-                              </a:rPr>
-                              <m:t>𝑧</m:t>
-                            </m:r>
-                          </m:e>
-                          <m:sub>
-                            <m:r>
-                              <a:rPr lang="en-US" b="0" i="1" smtClean="0">
-                                <a:latin typeface="Cambria Math" panose="02040503050406030204" pitchFamily="18" charset="0"/>
-                              </a:rPr>
-                              <m:t>𝑖𝑗</m:t>
-                            </m:r>
-                          </m:sub>
-                        </m:sSub>
-                        <m:r>
-                          <a:rPr lang="en-US" b="0" i="1" smtClean="0">
-                            <a:latin typeface="Cambria Math" panose="02040503050406030204" pitchFamily="18" charset="0"/>
-                          </a:rPr>
-                          <m:t>,</m:t>
-                        </m:r>
-                        <m:sSub>
-                          <m:sSubPr>
-                            <m:ctrlPr>
-                              <a:rPr lang="en-US" b="0" i="1" smtClean="0">
-                                <a:latin typeface="Cambria Math" panose="02040503050406030204" pitchFamily="18" charset="0"/>
-                              </a:rPr>
-                            </m:ctrlPr>
-                          </m:sSubPr>
-                          <m:e>
-                            <m:r>
-                              <a:rPr lang="en-US" b="0" i="1" smtClean="0">
-                                <a:latin typeface="Cambria Math" panose="02040503050406030204" pitchFamily="18" charset="0"/>
-                              </a:rPr>
-                              <m:t>𝑏</m:t>
-                            </m:r>
-                          </m:e>
-                          <m:sub>
-                            <m:r>
-                              <a:rPr lang="en-US" b="0" i="1" smtClean="0">
-                                <a:latin typeface="Cambria Math" panose="02040503050406030204" pitchFamily="18" charset="0"/>
-                              </a:rPr>
-                              <m:t>𝑖𝑗</m:t>
-                            </m:r>
-                          </m:sub>
-                        </m:sSub>
-                        <m:r>
-                          <a:rPr lang="en-US" b="0" i="1" smtClean="0">
-                            <a:latin typeface="Cambria Math" panose="02040503050406030204" pitchFamily="18" charset="0"/>
-                          </a:rPr>
-                          <m:t>)</m:t>
-                        </m:r>
-                      </m:e>
-                    </m:nary>
-                  </m:oMath>
-                </a14:m>
-                <a:r>
-                  <a:rPr lang="en-US" dirty="0"/>
-                  <a:t> where E contains the sample indices</a:t>
-                </a:r>
-              </a:p>
-            </p:txBody>
-          </p:sp>
-        </mc:Choice>
-        <mc:Fallback xmlns="">
-          <p:sp>
-            <p:nvSpPr>
-              <p:cNvPr id="3" name="Content Placeholder 2">
-                <a:extLst>
-                  <a:ext uri="{FF2B5EF4-FFF2-40B4-BE49-F238E27FC236}">
-                    <a16:creationId xmlns:a16="http://schemas.microsoft.com/office/drawing/2014/main" id="{6BCDFE3B-59D6-4CFF-A468-F5CBE0D0012D}"/>
-                  </a:ext>
-                </a:extLst>
-              </p:cNvPr>
-              <p:cNvSpPr>
-                <a:spLocks noGrp="1" noRot="1" noChangeAspect="1" noMove="1" noResize="1" noEditPoints="1" noAdjustHandles="1" noChangeArrowheads="1" noChangeShapeType="1" noTextEdit="1"/>
-              </p:cNvSpPr>
-              <p:nvPr>
-                <p:ph idx="1"/>
-              </p:nvPr>
-            </p:nvSpPr>
-            <p:spPr>
-              <a:blipFill>
-                <a:blip r:embed="rId2"/>
-                <a:stretch>
-                  <a:fillRect l="-1043" t="-2241" b="-2661"/>
-                </a:stretch>
-              </a:blipFill>
-            </p:spPr>
-            <p:txBody>
-              <a:bodyPr/>
-              <a:lstStyle/>
-              <a:p>
-                <a:r>
-                  <a:rPr lang="en-US">
-                    <a:noFill/>
-                  </a:rPr>
-                  <a:t> </a:t>
-                </a:r>
-              </a:p>
-            </p:txBody>
-          </p:sp>
-        </mc:Fallback>
-      </mc:AlternateContent>
-      <p:sp>
-        <p:nvSpPr>
-          <p:cNvPr id="4" name="Date Placeholder 3">
-            <a:extLst>
-              <a:ext uri="{FF2B5EF4-FFF2-40B4-BE49-F238E27FC236}">
-                <a16:creationId xmlns:a16="http://schemas.microsoft.com/office/drawing/2014/main" id="{5EE3C6F1-742B-45E2-A7E6-0E28B99C16AD}"/>
-              </a:ext>
-            </a:extLst>
-          </p:cNvPr>
-          <p:cNvSpPr>
-            <a:spLocks noGrp="1"/>
-          </p:cNvSpPr>
-          <p:nvPr>
-            <p:ph type="dt" sz="half" idx="10"/>
+      <p:sp>
+        <p:nvSpPr>
+          <p:cNvPr id="3" name="Content Placeholder 2">
+            <a:extLst>
+              <a:ext uri="{FF2B5EF4-FFF2-40B4-BE49-F238E27FC236}">
+                <a16:creationId xmlns:a16="http://schemas.microsoft.com/office/drawing/2014/main" id="{6BCDFE3B-59D6-4CFF-A468-F5CBE0D0012D}"/>
+              </a:ext>
+            </a:extLst>
+          </p:cNvPr>
+          <p:cNvSpPr>
+            <a:spLocks noGrp="1"/>
+          </p:cNvSpPr>
+          <p:nvPr>
+            <p:ph idx="1"/>
           </p:nvPr>
         </p:nvSpPr>
         <p:spPr/>
@@ -6979,11 +6201,42 @@
           <a:bodyPr/>
           <a:lstStyle/>
           <a:p>
-            <a:fld id="{086A05CD-8522-47BE-B61C-6D388F4D181D}" type="datetime1">
-              <a:rPr lang="en-US" smtClean="0"/>
-              <a:t>4/22/2019</a:t>
-            </a:fld>
-            <a:endParaRPr lang="en-US"/>
+            <a:r>
+              <a:rPr lang="en-US" dirty="0"/>
+              <a:t>943 users, 1682 movies</a:t>
+            </a:r>
+          </a:p>
+          <a:p>
+            <a:r>
+              <a:rPr lang="en-US" dirty="0"/>
+              <a:t>Ratings from 1 to 5</a:t>
+            </a:r>
+          </a:p>
+          <a:p>
+            <a:r>
+              <a:rPr lang="en-US" dirty="0"/>
+              <a:t>The ratings are preprocessed to be binary (1 and -1)</a:t>
+            </a:r>
+          </a:p>
+          <a:p>
+            <a:r>
+              <a:rPr lang="en-US" dirty="0"/>
+              <a:t>Rating &gt; 3.5 (4, 5) </a:t>
+            </a:r>
+            <a:r>
+              <a:rPr lang="en-US" dirty="0">
+                <a:sym typeface="Wingdings" panose="05000000000000000000" pitchFamily="2" charset="2"/>
+              </a:rPr>
+              <a:t> 1</a:t>
+            </a:r>
+          </a:p>
+          <a:p>
+            <a:r>
+              <a:rPr lang="en-US" dirty="0">
+                <a:sym typeface="Wingdings" panose="05000000000000000000" pitchFamily="2" charset="2"/>
+              </a:rPr>
+              <a:t>Rating &lt; 3.5 (1, 2, 3)  -1</a:t>
+            </a:r>
           </a:p>
         </p:txBody>
       </p:sp>
@@ -7069,13 +6322,13 @@
           <a:p>
             <a:r>
               <a:rPr lang="en-US" dirty="0"/>
-              <a:t>Parameter Selection</a:t>
-            </a:r>
-          </a:p>
-        </p:txBody>
-      </p:sp>
-      <mc:AlternateContent xmlns:mc="http://schemas.openxmlformats.org/markup-compatibility/2006" xmlns:a14="http://schemas.microsoft.com/office/drawing/2010/main">
-        <mc:Choice Requires="a14">
+              <a:t>Experiment Details</a:t>
+            </a:r>
+          </a:p>
+        </p:txBody>
+      </p:sp>
+      <mc:AlternateContent xmlns:mc="http://schemas.openxmlformats.org/markup-compatibility/2006">
+        <mc:Choice xmlns:a14="http://schemas.microsoft.com/office/drawing/2010/main" Requires="a14">
           <p:sp>
             <p:nvSpPr>
               <p:cNvPr id="3" name="Content Placeholder 2">
@@ -7096,6 +6349,431 @@
             <p:txBody>
               <a:bodyPr/>
               <a:lstStyle/>
+              <a:p>
+                <a:r>
+                  <a:rPr lang="en-US" dirty="0">
+                    <a:sym typeface="Wingdings" panose="05000000000000000000" pitchFamily="2" charset="2"/>
+                  </a:rPr>
+                  <a:t>Use the quadratic loss function </a:t>
+                </a:r>
+                <a14:m>
+                  <m:oMath xmlns:m="http://schemas.openxmlformats.org/officeDocument/2006/math">
+                    <m:sSub>
+                      <m:sSubPr>
+                        <m:ctrlPr>
+                          <a:rPr lang="en-US" i="1">
+                            <a:latin typeface="Cambria Math" panose="02040503050406030204" pitchFamily="18" charset="0"/>
+                            <a:sym typeface="Wingdings" panose="05000000000000000000" pitchFamily="2" charset="2"/>
+                          </a:rPr>
+                        </m:ctrlPr>
+                      </m:sSubPr>
+                      <m:e>
+                        <m:r>
+                          <a:rPr lang="en-US" i="1">
+                            <a:latin typeface="Cambria Math" panose="02040503050406030204" pitchFamily="18" charset="0"/>
+                            <a:sym typeface="Wingdings" panose="05000000000000000000" pitchFamily="2" charset="2"/>
+                          </a:rPr>
+                          <m:t>𝜓</m:t>
+                        </m:r>
+                      </m:e>
+                      <m:sub>
+                        <m:r>
+                          <a:rPr lang="en-US" i="1">
+                            <a:latin typeface="Cambria Math" panose="02040503050406030204" pitchFamily="18" charset="0"/>
+                            <a:sym typeface="Wingdings" panose="05000000000000000000" pitchFamily="2" charset="2"/>
+                          </a:rPr>
+                          <m:t>𝑙</m:t>
+                        </m:r>
+                        <m:r>
+                          <a:rPr lang="en-US" i="1">
+                            <a:latin typeface="Cambria Math" panose="02040503050406030204" pitchFamily="18" charset="0"/>
+                            <a:sym typeface="Wingdings" panose="05000000000000000000" pitchFamily="2" charset="2"/>
+                          </a:rPr>
+                          <m:t> </m:t>
+                        </m:r>
+                      </m:sub>
+                    </m:sSub>
+                    <m:r>
+                      <a:rPr lang="en-US" i="1">
+                        <a:latin typeface="Cambria Math" panose="02040503050406030204" pitchFamily="18" charset="0"/>
+                        <a:sym typeface="Wingdings" panose="05000000000000000000" pitchFamily="2" charset="2"/>
+                      </a:rPr>
+                      <m:t>(</m:t>
+                    </m:r>
+                    <m:r>
+                      <a:rPr lang="en-US" i="1">
+                        <a:latin typeface="Cambria Math" panose="02040503050406030204" pitchFamily="18" charset="0"/>
+                        <a:sym typeface="Wingdings" panose="05000000000000000000" pitchFamily="2" charset="2"/>
+                      </a:rPr>
+                      <m:t>𝑧</m:t>
+                    </m:r>
+                    <m:r>
+                      <a:rPr lang="en-US" i="1">
+                        <a:latin typeface="Cambria Math" panose="02040503050406030204" pitchFamily="18" charset="0"/>
+                        <a:sym typeface="Wingdings" panose="05000000000000000000" pitchFamily="2" charset="2"/>
+                      </a:rPr>
+                      <m:t>, </m:t>
+                    </m:r>
+                    <m:r>
+                      <a:rPr lang="en-US" i="1">
+                        <a:latin typeface="Cambria Math" panose="02040503050406030204" pitchFamily="18" charset="0"/>
+                        <a:sym typeface="Wingdings" panose="05000000000000000000" pitchFamily="2" charset="2"/>
+                      </a:rPr>
+                      <m:t>𝑏</m:t>
+                    </m:r>
+                    <m:r>
+                      <a:rPr lang="en-US" i="1">
+                        <a:latin typeface="Cambria Math" panose="02040503050406030204" pitchFamily="18" charset="0"/>
+                        <a:sym typeface="Wingdings" panose="05000000000000000000" pitchFamily="2" charset="2"/>
+                      </a:rPr>
+                      <m:t>)=</m:t>
+                    </m:r>
+                    <m:f>
+                      <m:fPr>
+                        <m:ctrlPr>
+                          <a:rPr lang="en-US" i="1">
+                            <a:latin typeface="Cambria Math" panose="02040503050406030204" pitchFamily="18" charset="0"/>
+                            <a:sym typeface="Wingdings" panose="05000000000000000000" pitchFamily="2" charset="2"/>
+                          </a:rPr>
+                        </m:ctrlPr>
+                      </m:fPr>
+                      <m:num>
+                        <m:r>
+                          <a:rPr lang="en-US" i="1">
+                            <a:latin typeface="Cambria Math" panose="02040503050406030204" pitchFamily="18" charset="0"/>
+                            <a:sym typeface="Wingdings" panose="05000000000000000000" pitchFamily="2" charset="2"/>
+                          </a:rPr>
+                          <m:t>1</m:t>
+                        </m:r>
+                      </m:num>
+                      <m:den>
+                        <m:r>
+                          <a:rPr lang="en-US" i="1">
+                            <a:latin typeface="Cambria Math" panose="02040503050406030204" pitchFamily="18" charset="0"/>
+                            <a:sym typeface="Wingdings" panose="05000000000000000000" pitchFamily="2" charset="2"/>
+                          </a:rPr>
+                          <m:t>2</m:t>
+                        </m:r>
+                      </m:den>
+                    </m:f>
+                    <m:r>
+                      <a:rPr lang="en-US" i="1">
+                        <a:latin typeface="Cambria Math" panose="02040503050406030204" pitchFamily="18" charset="0"/>
+                        <a:sym typeface="Wingdings" panose="05000000000000000000" pitchFamily="2" charset="2"/>
+                      </a:rPr>
+                      <m:t> </m:t>
+                    </m:r>
+                    <m:sSup>
+                      <m:sSupPr>
+                        <m:ctrlPr>
+                          <a:rPr lang="en-US" i="1">
+                            <a:latin typeface="Cambria Math" panose="02040503050406030204" pitchFamily="18" charset="0"/>
+                            <a:sym typeface="Wingdings" panose="05000000000000000000" pitchFamily="2" charset="2"/>
+                          </a:rPr>
+                        </m:ctrlPr>
+                      </m:sSupPr>
+                      <m:e>
+                        <m:d>
+                          <m:dPr>
+                            <m:ctrlPr>
+                              <a:rPr lang="en-US" i="1">
+                                <a:latin typeface="Cambria Math" panose="02040503050406030204" pitchFamily="18" charset="0"/>
+                                <a:sym typeface="Wingdings" panose="05000000000000000000" pitchFamily="2" charset="2"/>
+                              </a:rPr>
+                            </m:ctrlPr>
+                          </m:dPr>
+                          <m:e>
+                            <m:r>
+                              <a:rPr lang="en-US" i="1">
+                                <a:latin typeface="Cambria Math" panose="02040503050406030204" pitchFamily="18" charset="0"/>
+                                <a:sym typeface="Wingdings" panose="05000000000000000000" pitchFamily="2" charset="2"/>
+                              </a:rPr>
+                              <m:t>𝑧</m:t>
+                            </m:r>
+                            <m:r>
+                              <a:rPr lang="en-US" i="1">
+                                <a:latin typeface="Cambria Math" panose="02040503050406030204" pitchFamily="18" charset="0"/>
+                                <a:sym typeface="Wingdings" panose="05000000000000000000" pitchFamily="2" charset="2"/>
+                              </a:rPr>
+                              <m:t>−</m:t>
+                            </m:r>
+                            <m:r>
+                              <a:rPr lang="en-US" i="1">
+                                <a:latin typeface="Cambria Math" panose="02040503050406030204" pitchFamily="18" charset="0"/>
+                                <a:sym typeface="Wingdings" panose="05000000000000000000" pitchFamily="2" charset="2"/>
+                              </a:rPr>
+                              <m:t>𝑏</m:t>
+                            </m:r>
+                          </m:e>
+                        </m:d>
+                      </m:e>
+                      <m:sup>
+                        <m:r>
+                          <a:rPr lang="en-US" i="1">
+                            <a:latin typeface="Cambria Math" panose="02040503050406030204" pitchFamily="18" charset="0"/>
+                            <a:sym typeface="Wingdings" panose="05000000000000000000" pitchFamily="2" charset="2"/>
+                          </a:rPr>
+                          <m:t>2</m:t>
+                        </m:r>
+                      </m:sup>
+                    </m:sSup>
+                  </m:oMath>
+                </a14:m>
+                <a:endParaRPr lang="en-US" dirty="0"/>
+              </a:p>
+              <a:p>
+                <a:r>
+                  <a:rPr lang="en-US" dirty="0"/>
+                  <a:t>Objective function </a:t>
+                </a:r>
+                <a14:m>
+                  <m:oMath xmlns:m="http://schemas.openxmlformats.org/officeDocument/2006/math">
+                    <m:sSub>
+                      <m:sSubPr>
+                        <m:ctrlPr>
+                          <a:rPr lang="en-US" i="1">
+                            <a:latin typeface="Cambria Math" panose="02040503050406030204" pitchFamily="18" charset="0"/>
+                          </a:rPr>
+                        </m:ctrlPr>
+                      </m:sSubPr>
+                      <m:e>
+                        <m:r>
+                          <a:rPr lang="en-US" i="1">
+                            <a:latin typeface="Cambria Math" panose="02040503050406030204" pitchFamily="18" charset="0"/>
+                          </a:rPr>
+                          <m:t>𝑓</m:t>
+                        </m:r>
+                      </m:e>
+                      <m:sub>
+                        <m:r>
+                          <a:rPr lang="en-US" i="1">
+                            <a:latin typeface="Cambria Math" panose="02040503050406030204" pitchFamily="18" charset="0"/>
+                          </a:rPr>
+                          <m:t>𝑙</m:t>
+                        </m:r>
+                      </m:sub>
+                    </m:sSub>
+                    <m:d>
+                      <m:dPr>
+                        <m:ctrlPr>
+                          <a:rPr lang="en-US" i="1">
+                            <a:latin typeface="Cambria Math" panose="02040503050406030204" pitchFamily="18" charset="0"/>
+                          </a:rPr>
+                        </m:ctrlPr>
+                      </m:dPr>
+                      <m:e>
+                        <m:r>
+                          <a:rPr lang="en-US" i="1">
+                            <a:latin typeface="Cambria Math" panose="02040503050406030204" pitchFamily="18" charset="0"/>
+                          </a:rPr>
+                          <m:t>𝑧</m:t>
+                        </m:r>
+                      </m:e>
+                    </m:d>
+                    <m:r>
+                      <a:rPr lang="en-US" i="1">
+                        <a:latin typeface="Cambria Math" panose="02040503050406030204" pitchFamily="18" charset="0"/>
+                      </a:rPr>
+                      <m:t>= </m:t>
+                    </m:r>
+                    <m:f>
+                      <m:fPr>
+                        <m:ctrlPr>
+                          <a:rPr lang="en-US" i="1">
+                            <a:latin typeface="Cambria Math" panose="02040503050406030204" pitchFamily="18" charset="0"/>
+                          </a:rPr>
+                        </m:ctrlPr>
+                      </m:fPr>
+                      <m:num>
+                        <m:r>
+                          <a:rPr lang="en-US" i="1">
+                            <a:latin typeface="Cambria Math" panose="02040503050406030204" pitchFamily="18" charset="0"/>
+                          </a:rPr>
+                          <m:t>1</m:t>
+                        </m:r>
+                      </m:num>
+                      <m:den>
+                        <m:r>
+                          <a:rPr lang="en-US" i="1">
+                            <a:latin typeface="Cambria Math" panose="02040503050406030204" pitchFamily="18" charset="0"/>
+                          </a:rPr>
+                          <m:t>|</m:t>
+                        </m:r>
+                        <m:r>
+                          <a:rPr lang="en-US" i="1">
+                            <a:latin typeface="Cambria Math" panose="02040503050406030204" pitchFamily="18" charset="0"/>
+                          </a:rPr>
+                          <m:t>𝐸</m:t>
+                        </m:r>
+                        <m:r>
+                          <a:rPr lang="en-US" i="1">
+                            <a:latin typeface="Cambria Math" panose="02040503050406030204" pitchFamily="18" charset="0"/>
+                          </a:rPr>
+                          <m:t>|</m:t>
+                        </m:r>
+                      </m:den>
+                    </m:f>
+                    <m:r>
+                      <a:rPr lang="en-US" i="1">
+                        <a:latin typeface="Cambria Math" panose="02040503050406030204" pitchFamily="18" charset="0"/>
+                      </a:rPr>
+                      <m:t> </m:t>
+                    </m:r>
+                    <m:nary>
+                      <m:naryPr>
+                        <m:chr m:val="∑"/>
+                        <m:supHide m:val="on"/>
+                        <m:ctrlPr>
+                          <a:rPr lang="en-US" i="1">
+                            <a:latin typeface="Cambria Math" panose="02040503050406030204" pitchFamily="18" charset="0"/>
+                          </a:rPr>
+                        </m:ctrlPr>
+                      </m:naryPr>
+                      <m:sub>
+                        <m:r>
+                          <m:rPr>
+                            <m:brk m:alnAt="7"/>
+                          </m:rPr>
+                          <a:rPr lang="en-US" i="1">
+                            <a:latin typeface="Cambria Math" panose="02040503050406030204" pitchFamily="18" charset="0"/>
+                          </a:rPr>
+                          <m:t>(</m:t>
+                        </m:r>
+                        <m:r>
+                          <a:rPr lang="en-US" i="1">
+                            <a:latin typeface="Cambria Math" panose="02040503050406030204" pitchFamily="18" charset="0"/>
+                          </a:rPr>
+                          <m:t>𝑖</m:t>
+                        </m:r>
+                        <m:r>
+                          <a:rPr lang="en-US" i="1">
+                            <a:latin typeface="Cambria Math" panose="02040503050406030204" pitchFamily="18" charset="0"/>
+                          </a:rPr>
+                          <m:t>,</m:t>
+                        </m:r>
+                        <m:r>
+                          <a:rPr lang="en-US" i="1">
+                            <a:latin typeface="Cambria Math" panose="02040503050406030204" pitchFamily="18" charset="0"/>
+                          </a:rPr>
+                          <m:t>𝑗</m:t>
+                        </m:r>
+                        <m:r>
+                          <a:rPr lang="en-US" i="1">
+                            <a:latin typeface="Cambria Math" panose="02040503050406030204" pitchFamily="18" charset="0"/>
+                          </a:rPr>
+                          <m:t>)∈</m:t>
+                        </m:r>
+                        <m:r>
+                          <a:rPr lang="en-US" i="1">
+                            <a:latin typeface="Cambria Math" panose="02040503050406030204" pitchFamily="18" charset="0"/>
+                          </a:rPr>
+                          <m:t>𝐸</m:t>
+                        </m:r>
+                      </m:sub>
+                      <m:sup/>
+                      <m:e>
+                        <m:sSub>
+                          <m:sSubPr>
+                            <m:ctrlPr>
+                              <a:rPr lang="en-US" i="1">
+                                <a:latin typeface="Cambria Math" panose="02040503050406030204" pitchFamily="18" charset="0"/>
+                              </a:rPr>
+                            </m:ctrlPr>
+                          </m:sSubPr>
+                          <m:e>
+                            <m:r>
+                              <a:rPr lang="en-US" i="1">
+                                <a:latin typeface="Cambria Math" panose="02040503050406030204" pitchFamily="18" charset="0"/>
+                              </a:rPr>
+                              <m:t>𝜓</m:t>
+                            </m:r>
+                          </m:e>
+                          <m:sub>
+                            <m:r>
+                              <a:rPr lang="en-US" i="1">
+                                <a:latin typeface="Cambria Math" panose="02040503050406030204" pitchFamily="18" charset="0"/>
+                              </a:rPr>
+                              <m:t>𝑙</m:t>
+                            </m:r>
+                          </m:sub>
+                        </m:sSub>
+                        <m:r>
+                          <a:rPr lang="en-US" i="1">
+                            <a:latin typeface="Cambria Math" panose="02040503050406030204" pitchFamily="18" charset="0"/>
+                          </a:rPr>
+                          <m:t>(</m:t>
+                        </m:r>
+                        <m:sSub>
+                          <m:sSubPr>
+                            <m:ctrlPr>
+                              <a:rPr lang="en-US" i="1">
+                                <a:latin typeface="Cambria Math" panose="02040503050406030204" pitchFamily="18" charset="0"/>
+                              </a:rPr>
+                            </m:ctrlPr>
+                          </m:sSubPr>
+                          <m:e>
+                            <m:r>
+                              <a:rPr lang="en-US" i="1">
+                                <a:latin typeface="Cambria Math" panose="02040503050406030204" pitchFamily="18" charset="0"/>
+                              </a:rPr>
+                              <m:t>𝑧</m:t>
+                            </m:r>
+                          </m:e>
+                          <m:sub>
+                            <m:r>
+                              <a:rPr lang="en-US" i="1">
+                                <a:latin typeface="Cambria Math" panose="02040503050406030204" pitchFamily="18" charset="0"/>
+                              </a:rPr>
+                              <m:t>𝑖𝑗</m:t>
+                            </m:r>
+                          </m:sub>
+                        </m:sSub>
+                        <m:r>
+                          <a:rPr lang="en-US" i="1">
+                            <a:latin typeface="Cambria Math" panose="02040503050406030204" pitchFamily="18" charset="0"/>
+                          </a:rPr>
+                          <m:t>,</m:t>
+                        </m:r>
+                        <m:sSub>
+                          <m:sSubPr>
+                            <m:ctrlPr>
+                              <a:rPr lang="en-US" i="1">
+                                <a:latin typeface="Cambria Math" panose="02040503050406030204" pitchFamily="18" charset="0"/>
+                              </a:rPr>
+                            </m:ctrlPr>
+                          </m:sSubPr>
+                          <m:e>
+                            <m:r>
+                              <a:rPr lang="en-US" i="1">
+                                <a:latin typeface="Cambria Math" panose="02040503050406030204" pitchFamily="18" charset="0"/>
+                              </a:rPr>
+                              <m:t>𝑏</m:t>
+                            </m:r>
+                          </m:e>
+                          <m:sub>
+                            <m:r>
+                              <a:rPr lang="en-US" i="1">
+                                <a:latin typeface="Cambria Math" panose="02040503050406030204" pitchFamily="18" charset="0"/>
+                              </a:rPr>
+                              <m:t>𝑖𝑗</m:t>
+                            </m:r>
+                          </m:sub>
+                        </m:sSub>
+                        <m:r>
+                          <a:rPr lang="en-US" i="1">
+                            <a:latin typeface="Cambria Math" panose="02040503050406030204" pitchFamily="18" charset="0"/>
+                          </a:rPr>
+                          <m:t>)</m:t>
+                        </m:r>
+                      </m:e>
+                    </m:nary>
+                  </m:oMath>
+                </a14:m>
+                <a:r>
+                  <a:rPr lang="en-US" dirty="0"/>
+                  <a:t> where E contains the sample indices</a:t>
+                </a:r>
+              </a:p>
               <a:p>
                 <a:r>
                   <a:rPr lang="en-US" dirty="0"/>
@@ -7166,7 +6844,7 @@
             </p:txBody>
           </p:sp>
         </mc:Choice>
-        <mc:Fallback xmlns="">
+        <mc:Fallback>
           <p:sp>
             <p:nvSpPr>
               <p:cNvPr id="3" name="Content Placeholder 2">
@@ -7187,7 +6865,7 @@
               <a:blipFill>
                 <a:blip r:embed="rId2"/>
                 <a:stretch>
-                  <a:fillRect l="-1043" t="-2241" r="-1159"/>
+                  <a:fillRect l="-1043" t="-280" r="-1913"/>
                 </a:stretch>
               </a:blipFill>
             </p:spPr>
@@ -7206,35 +6884,6 @@
           </p:sp>
         </mc:Fallback>
       </mc:AlternateContent>
-      <p:sp>
-        <p:nvSpPr>
-          <p:cNvPr id="4" name="Date Placeholder 3">
-            <a:extLst>
-              <a:ext uri="{FF2B5EF4-FFF2-40B4-BE49-F238E27FC236}">
-                <a16:creationId xmlns:a16="http://schemas.microsoft.com/office/drawing/2014/main" id="{F5AF6AC3-E13C-4CD5-B50F-99E4F663AEEF}"/>
-              </a:ext>
-            </a:extLst>
-          </p:cNvPr>
-          <p:cNvSpPr>
-            <a:spLocks noGrp="1"/>
-          </p:cNvSpPr>
-          <p:nvPr>
-            <p:ph type="dt" sz="half" idx="10"/>
-          </p:nvPr>
-        </p:nvSpPr>
-        <p:spPr/>
-        <p:txBody>
-          <a:bodyPr/>
-          <a:lstStyle/>
-          <a:p>
-            <a:fld id="{388A35A7-88ED-40A5-AFD3-9F1DC912E50A}" type="datetime1">
-              <a:rPr lang="en-US" smtClean="0"/>
-              <a:t>4/22/2019</a:t>
-            </a:fld>
-            <a:endParaRPr lang="en-US"/>
-          </a:p>
-        </p:txBody>
-      </p:sp>
       <p:sp>
         <p:nvSpPr>
           <p:cNvPr id="5" name="Slide Number Placeholder 4">
@@ -7379,35 +7028,6 @@
       </p:sp>
       <p:sp>
         <p:nvSpPr>
-          <p:cNvPr id="4" name="Date Placeholder 3">
-            <a:extLst>
-              <a:ext uri="{FF2B5EF4-FFF2-40B4-BE49-F238E27FC236}">
-                <a16:creationId xmlns:a16="http://schemas.microsoft.com/office/drawing/2014/main" id="{98986926-44AC-422D-A2E1-0AD26799E6CB}"/>
-              </a:ext>
-            </a:extLst>
-          </p:cNvPr>
-          <p:cNvSpPr>
-            <a:spLocks noGrp="1"/>
-          </p:cNvSpPr>
-          <p:nvPr>
-            <p:ph type="dt" sz="half" idx="10"/>
-          </p:nvPr>
-        </p:nvSpPr>
-        <p:spPr/>
-        <p:txBody>
-          <a:bodyPr/>
-          <a:lstStyle/>
-          <a:p>
-            <a:fld id="{388A35A7-88ED-40A5-AFD3-9F1DC912E50A}" type="datetime1">
-              <a:rPr lang="en-US" smtClean="0"/>
-              <a:t>4/22/2019</a:t>
-            </a:fld>
-            <a:endParaRPr lang="en-US"/>
-          </a:p>
-        </p:txBody>
-      </p:sp>
-      <p:sp>
-        <p:nvSpPr>
           <p:cNvPr id="5" name="Slide Number Placeholder 4">
             <a:extLst>
               <a:ext uri="{FF2B5EF4-FFF2-40B4-BE49-F238E27FC236}">
@@ -7437,10 +7057,10 @@
       </p:sp>
       <p:pic>
         <p:nvPicPr>
-          <p:cNvPr id="14" name="Picture 13">
-            <a:extLst>
-              <a:ext uri="{FF2B5EF4-FFF2-40B4-BE49-F238E27FC236}">
-                <a16:creationId xmlns:a16="http://schemas.microsoft.com/office/drawing/2014/main" id="{36C82D44-50E2-4321-AF1D-912DE3C2DF65}"/>
+          <p:cNvPr id="7" name="Picture 6">
+            <a:extLst>
+              <a:ext uri="{FF2B5EF4-FFF2-40B4-BE49-F238E27FC236}">
+                <a16:creationId xmlns:a16="http://schemas.microsoft.com/office/drawing/2014/main" id="{FBE1F498-14A8-4D08-8BF0-817F42F6D68D}"/>
               </a:ext>
             </a:extLst>
           </p:cNvPr>
@@ -7463,44 +7083,8 @@
         </p:blipFill>
         <p:spPr>
           <a:xfrm>
-            <a:off x="1386828" y="2824471"/>
-            <a:ext cx="4709172" cy="3531879"/>
-          </a:xfrm>
-          <a:prstGeom prst="rect">
-            <a:avLst/>
-          </a:prstGeom>
-        </p:spPr>
-      </p:pic>
-      <p:pic>
-        <p:nvPicPr>
-          <p:cNvPr id="16" name="Picture 15">
-            <a:extLst>
-              <a:ext uri="{FF2B5EF4-FFF2-40B4-BE49-F238E27FC236}">
-                <a16:creationId xmlns:a16="http://schemas.microsoft.com/office/drawing/2014/main" id="{70443689-62A7-468A-8251-FA5072CB5CA1}"/>
-              </a:ext>
-            </a:extLst>
-          </p:cNvPr>
-          <p:cNvPicPr>
-            <a:picLocks noChangeAspect="1"/>
-          </p:cNvPicPr>
-          <p:nvPr/>
-        </p:nvPicPr>
-        <p:blipFill>
-          <a:blip r:embed="rId3">
-            <a:extLst>
-              <a:ext uri="{28A0092B-C50C-407E-A947-70E740481C1C}">
-                <a14:useLocalDpi xmlns:a14="http://schemas.microsoft.com/office/drawing/2010/main" val="0"/>
-              </a:ext>
-            </a:extLst>
-          </a:blip>
-          <a:stretch>
-            <a:fillRect/>
-          </a:stretch>
-        </p:blipFill>
-        <p:spPr>
-          <a:xfrm>
-            <a:off x="6096000" y="2824471"/>
-            <a:ext cx="4709172" cy="3531879"/>
+            <a:off x="3922030" y="2911533"/>
+            <a:ext cx="4836505" cy="3627379"/>
           </a:xfrm>
           <a:prstGeom prst="rect">
             <a:avLst/>
@@ -7537,12 +7121,45 @@
           <a:chExt cx="0" cy="0"/>
         </a:xfrm>
       </p:grpSpPr>
+      <p:sp>
+        <p:nvSpPr>
+          <p:cNvPr id="2" name="Title 1">
+            <a:extLst>
+              <a:ext uri="{FF2B5EF4-FFF2-40B4-BE49-F238E27FC236}">
+                <a16:creationId xmlns:a16="http://schemas.microsoft.com/office/drawing/2014/main" id="{57AFCA81-0AC6-4F5C-AE30-693E3A526EAC}"/>
+              </a:ext>
+            </a:extLst>
+          </p:cNvPr>
+          <p:cNvSpPr>
+            <a:spLocks noGrp="1"/>
+          </p:cNvSpPr>
+          <p:nvPr>
+            <p:ph type="title"/>
+          </p:nvPr>
+        </p:nvSpPr>
+        <p:spPr/>
+        <p:txBody>
+          <a:bodyPr/>
+          <a:lstStyle/>
+          <a:p>
+            <a:r>
+              <a:rPr lang="en-US" dirty="0"/>
+              <a:t>Rank of </a:t>
+            </a:r>
+            <a:r>
+              <a:rPr lang="en-US" dirty="0" err="1"/>
+              <a:t>SketchyCGM</a:t>
+            </a:r>
+            <a:endParaRPr lang="en-US" dirty="0"/>
+          </a:p>
+        </p:txBody>
+      </p:sp>
       <p:pic>
         <p:nvPicPr>
           <p:cNvPr id="7" name="Content Placeholder 6">
             <a:extLst>
               <a:ext uri="{FF2B5EF4-FFF2-40B4-BE49-F238E27FC236}">
-                <a16:creationId xmlns:a16="http://schemas.microsoft.com/office/drawing/2014/main" id="{72125D86-F443-4B7F-98D7-D217BB00235E}"/>
+                <a16:creationId xmlns:a16="http://schemas.microsoft.com/office/drawing/2014/main" id="{97302209-8EFF-4E57-9029-90DB657F2866}"/>
               </a:ext>
             </a:extLst>
           </p:cNvPr>
@@ -7567,46 +7184,17 @@
         </p:blipFill>
         <p:spPr>
           <a:xfrm>
-            <a:off x="838200" y="136525"/>
-            <a:ext cx="4826424" cy="3619818"/>
+            <a:off x="3195108" y="1825625"/>
+            <a:ext cx="5801784" cy="4351338"/>
           </a:xfrm>
         </p:spPr>
       </p:pic>
       <p:sp>
         <p:nvSpPr>
-          <p:cNvPr id="4" name="Date Placeholder 3">
-            <a:extLst>
-              <a:ext uri="{FF2B5EF4-FFF2-40B4-BE49-F238E27FC236}">
-                <a16:creationId xmlns:a16="http://schemas.microsoft.com/office/drawing/2014/main" id="{DA22FEC5-030D-4313-9E8E-3F11A28DB95B}"/>
-              </a:ext>
-            </a:extLst>
-          </p:cNvPr>
-          <p:cNvSpPr>
-            <a:spLocks noGrp="1"/>
-          </p:cNvSpPr>
-          <p:nvPr>
-            <p:ph type="dt" sz="half" idx="10"/>
-          </p:nvPr>
-        </p:nvSpPr>
-        <p:spPr/>
-        <p:txBody>
-          <a:bodyPr/>
-          <a:lstStyle/>
-          <a:p>
-            <a:fld id="{388A35A7-88ED-40A5-AFD3-9F1DC912E50A}" type="datetime1">
-              <a:rPr lang="en-US" smtClean="0"/>
-              <a:t>4/22/2019</a:t>
-            </a:fld>
-            <a:endParaRPr lang="en-US"/>
-          </a:p>
-        </p:txBody>
-      </p:sp>
-      <p:sp>
-        <p:nvSpPr>
           <p:cNvPr id="5" name="Slide Number Placeholder 4">
             <a:extLst>
               <a:ext uri="{FF2B5EF4-FFF2-40B4-BE49-F238E27FC236}">
-                <a16:creationId xmlns:a16="http://schemas.microsoft.com/office/drawing/2014/main" id="{DA0C728C-2FC7-4E4A-9F1C-4F5F6D834616}"/>
+                <a16:creationId xmlns:a16="http://schemas.microsoft.com/office/drawing/2014/main" id="{90F43911-1FF0-43F6-ADF6-7A387AD3CF92}"/>
               </a:ext>
             </a:extLst>
           </p:cNvPr>
@@ -7630,82 +7218,10 @@
           </a:p>
         </p:txBody>
       </p:sp>
-      <p:pic>
-        <p:nvPicPr>
-          <p:cNvPr id="9" name="Picture 8">
-            <a:extLst>
-              <a:ext uri="{FF2B5EF4-FFF2-40B4-BE49-F238E27FC236}">
-                <a16:creationId xmlns:a16="http://schemas.microsoft.com/office/drawing/2014/main" id="{C3F79C1A-129A-4ECC-BE3F-B6305AEEAC4C}"/>
-              </a:ext>
-            </a:extLst>
-          </p:cNvPr>
-          <p:cNvPicPr>
-            <a:picLocks noChangeAspect="1"/>
-          </p:cNvPicPr>
-          <p:nvPr/>
-        </p:nvPicPr>
-        <p:blipFill>
-          <a:blip r:embed="rId3">
-            <a:extLst>
-              <a:ext uri="{28A0092B-C50C-407E-A947-70E740481C1C}">
-                <a14:useLocalDpi xmlns:a14="http://schemas.microsoft.com/office/drawing/2010/main" val="0"/>
-              </a:ext>
-            </a:extLst>
-          </a:blip>
-          <a:stretch>
-            <a:fillRect/>
-          </a:stretch>
-        </p:blipFill>
-        <p:spPr>
-          <a:xfrm>
-            <a:off x="6096000" y="136525"/>
-            <a:ext cx="4826424" cy="3619818"/>
-          </a:xfrm>
-          <a:prstGeom prst="rect">
-            <a:avLst/>
-          </a:prstGeom>
-        </p:spPr>
-      </p:pic>
-      <p:pic>
-        <p:nvPicPr>
-          <p:cNvPr id="11" name="Picture 10">
-            <a:extLst>
-              <a:ext uri="{FF2B5EF4-FFF2-40B4-BE49-F238E27FC236}">
-                <a16:creationId xmlns:a16="http://schemas.microsoft.com/office/drawing/2014/main" id="{17D5A55C-3F51-4DB8-A57B-91A7669D0578}"/>
-              </a:ext>
-            </a:extLst>
-          </p:cNvPr>
-          <p:cNvPicPr>
-            <a:picLocks noChangeAspect="1"/>
-          </p:cNvPicPr>
-          <p:nvPr/>
-        </p:nvPicPr>
-        <p:blipFill>
-          <a:blip r:embed="rId4">
-            <a:extLst>
-              <a:ext uri="{28A0092B-C50C-407E-A947-70E740481C1C}">
-                <a14:useLocalDpi xmlns:a14="http://schemas.microsoft.com/office/drawing/2010/main" val="0"/>
-              </a:ext>
-            </a:extLst>
-          </a:blip>
-          <a:stretch>
-            <a:fillRect/>
-          </a:stretch>
-        </p:blipFill>
-        <p:spPr>
-          <a:xfrm>
-            <a:off x="4012776" y="3600125"/>
-            <a:ext cx="4343833" cy="3257875"/>
-          </a:xfrm>
-          <a:prstGeom prst="rect">
-            <a:avLst/>
-          </a:prstGeom>
-        </p:spPr>
-      </p:pic>
     </p:spTree>
     <p:extLst>
       <p:ext uri="{BB962C8B-B14F-4D97-AF65-F5344CB8AC3E}">
-        <p14:creationId xmlns:p14="http://schemas.microsoft.com/office/powerpoint/2010/main" val="2347701500"/>
+        <p14:creationId xmlns:p14="http://schemas.microsoft.com/office/powerpoint/2010/main" val="1800445674"/>
       </p:ext>
     </p:extLst>
   </p:cSld>
@@ -7737,6 +7253,1247 @@
           <p:cNvPr id="2" name="Title 1">
             <a:extLst>
               <a:ext uri="{FF2B5EF4-FFF2-40B4-BE49-F238E27FC236}">
+                <a16:creationId xmlns:a16="http://schemas.microsoft.com/office/drawing/2014/main" id="{CB78C841-13AD-40CF-A73A-3E1A3CB87712}"/>
+              </a:ext>
+            </a:extLst>
+          </p:cNvPr>
+          <p:cNvSpPr>
+            <a:spLocks noGrp="1"/>
+          </p:cNvSpPr>
+          <p:nvPr>
+            <p:ph type="title"/>
+          </p:nvPr>
+        </p:nvSpPr>
+        <p:spPr/>
+        <p:txBody>
+          <a:bodyPr/>
+          <a:lstStyle/>
+          <a:p>
+            <a:r>
+              <a:rPr lang="en-US" dirty="0"/>
+              <a:t>Rank of </a:t>
+            </a:r>
+            <a:r>
+              <a:rPr lang="en-US" dirty="0" err="1"/>
+              <a:t>SketchyCGM</a:t>
+            </a:r>
+            <a:endParaRPr lang="en-US" dirty="0"/>
+          </a:p>
+        </p:txBody>
+      </p:sp>
+      <p:pic>
+        <p:nvPicPr>
+          <p:cNvPr id="7" name="Content Placeholder 6">
+            <a:extLst>
+              <a:ext uri="{FF2B5EF4-FFF2-40B4-BE49-F238E27FC236}">
+                <a16:creationId xmlns:a16="http://schemas.microsoft.com/office/drawing/2014/main" id="{F19C8F0D-F19B-430B-980A-327F06AAFD2A}"/>
+              </a:ext>
+            </a:extLst>
+          </p:cNvPr>
+          <p:cNvPicPr>
+            <a:picLocks noGrp="1" noChangeAspect="1"/>
+          </p:cNvPicPr>
+          <p:nvPr>
+            <p:ph idx="1"/>
+          </p:nvPr>
+        </p:nvPicPr>
+        <p:blipFill>
+          <a:blip r:embed="rId2">
+            <a:extLst>
+              <a:ext uri="{28A0092B-C50C-407E-A947-70E740481C1C}">
+                <a14:useLocalDpi xmlns:a14="http://schemas.microsoft.com/office/drawing/2010/main" val="0"/>
+              </a:ext>
+            </a:extLst>
+          </a:blip>
+          <a:stretch>
+            <a:fillRect/>
+          </a:stretch>
+        </p:blipFill>
+        <p:spPr>
+          <a:xfrm>
+            <a:off x="3195108" y="1825625"/>
+            <a:ext cx="5801784" cy="4351338"/>
+          </a:xfrm>
+        </p:spPr>
+      </p:pic>
+      <p:sp>
+        <p:nvSpPr>
+          <p:cNvPr id="5" name="Slide Number Placeholder 4">
+            <a:extLst>
+              <a:ext uri="{FF2B5EF4-FFF2-40B4-BE49-F238E27FC236}">
+                <a16:creationId xmlns:a16="http://schemas.microsoft.com/office/drawing/2014/main" id="{1542BD2C-DF23-4F71-9B47-753C09261679}"/>
+              </a:ext>
+            </a:extLst>
+          </p:cNvPr>
+          <p:cNvSpPr>
+            <a:spLocks noGrp="1"/>
+          </p:cNvSpPr>
+          <p:nvPr>
+            <p:ph type="sldNum" sz="quarter" idx="12"/>
+          </p:nvPr>
+        </p:nvSpPr>
+        <p:spPr/>
+        <p:txBody>
+          <a:bodyPr/>
+          <a:lstStyle/>
+          <a:p>
+            <a:fld id="{8768419F-B12D-4364-885F-8014D4800523}" type="slidenum">
+              <a:rPr lang="en-US" smtClean="0"/>
+              <a:t>24</a:t>
+            </a:fld>
+            <a:endParaRPr lang="en-US"/>
+          </a:p>
+        </p:txBody>
+      </p:sp>
+    </p:spTree>
+    <p:extLst>
+      <p:ext uri="{BB962C8B-B14F-4D97-AF65-F5344CB8AC3E}">
+        <p14:creationId xmlns:p14="http://schemas.microsoft.com/office/powerpoint/2010/main" val="697757070"/>
+      </p:ext>
+    </p:extLst>
+  </p:cSld>
+  <p:clrMapOvr>
+    <a:masterClrMapping/>
+  </p:clrMapOvr>
+</p:sld>
+</file>
+
+<file path=ppt/slides/slide25.xml><?xml version="1.0" encoding="utf-8"?>
+<p:sld xmlns:a="http://schemas.openxmlformats.org/drawingml/2006/main" xmlns:r="http://schemas.openxmlformats.org/officeDocument/2006/relationships" xmlns:p="http://schemas.openxmlformats.org/presentationml/2006/main">
+  <p:cSld>
+    <p:spTree>
+      <p:nvGrpSpPr>
+        <p:cNvPr id="1" name=""/>
+        <p:cNvGrpSpPr/>
+        <p:nvPr/>
+      </p:nvGrpSpPr>
+      <p:grpSpPr>
+        <a:xfrm>
+          <a:off x="0" y="0"/>
+          <a:ext cx="0" cy="0"/>
+          <a:chOff x="0" y="0"/>
+          <a:chExt cx="0" cy="0"/>
+        </a:xfrm>
+      </p:grpSpPr>
+      <p:sp>
+        <p:nvSpPr>
+          <p:cNvPr id="2" name="Title 1">
+            <a:extLst>
+              <a:ext uri="{FF2B5EF4-FFF2-40B4-BE49-F238E27FC236}">
+                <a16:creationId xmlns:a16="http://schemas.microsoft.com/office/drawing/2014/main" id="{D2483E66-E8DC-4989-9324-88E277ADEC66}"/>
+              </a:ext>
+            </a:extLst>
+          </p:cNvPr>
+          <p:cNvSpPr>
+            <a:spLocks noGrp="1"/>
+          </p:cNvSpPr>
+          <p:nvPr>
+            <p:ph type="title"/>
+          </p:nvPr>
+        </p:nvSpPr>
+        <p:spPr/>
+        <p:txBody>
+          <a:bodyPr/>
+          <a:lstStyle/>
+          <a:p>
+            <a:r>
+              <a:rPr lang="en-US" dirty="0"/>
+              <a:t>Rank of </a:t>
+            </a:r>
+            <a:r>
+              <a:rPr lang="en-US" dirty="0" err="1"/>
+              <a:t>SketchyCGM</a:t>
+            </a:r>
+            <a:endParaRPr lang="en-US" dirty="0"/>
+          </a:p>
+        </p:txBody>
+      </p:sp>
+      <p:pic>
+        <p:nvPicPr>
+          <p:cNvPr id="7" name="Content Placeholder 6">
+            <a:extLst>
+              <a:ext uri="{FF2B5EF4-FFF2-40B4-BE49-F238E27FC236}">
+                <a16:creationId xmlns:a16="http://schemas.microsoft.com/office/drawing/2014/main" id="{18363716-8243-4A97-960B-1718D0939E72}"/>
+              </a:ext>
+            </a:extLst>
+          </p:cNvPr>
+          <p:cNvPicPr>
+            <a:picLocks noGrp="1" noChangeAspect="1"/>
+          </p:cNvPicPr>
+          <p:nvPr>
+            <p:ph idx="1"/>
+          </p:nvPr>
+        </p:nvPicPr>
+        <p:blipFill>
+          <a:blip r:embed="rId2">
+            <a:extLst>
+              <a:ext uri="{28A0092B-C50C-407E-A947-70E740481C1C}">
+                <a14:useLocalDpi xmlns:a14="http://schemas.microsoft.com/office/drawing/2010/main" val="0"/>
+              </a:ext>
+            </a:extLst>
+          </a:blip>
+          <a:stretch>
+            <a:fillRect/>
+          </a:stretch>
+        </p:blipFill>
+        <p:spPr>
+          <a:xfrm>
+            <a:off x="3195108" y="1825625"/>
+            <a:ext cx="5801784" cy="4351338"/>
+          </a:xfrm>
+        </p:spPr>
+      </p:pic>
+      <p:sp>
+        <p:nvSpPr>
+          <p:cNvPr id="5" name="Slide Number Placeholder 4">
+            <a:extLst>
+              <a:ext uri="{FF2B5EF4-FFF2-40B4-BE49-F238E27FC236}">
+                <a16:creationId xmlns:a16="http://schemas.microsoft.com/office/drawing/2014/main" id="{5AC2599B-1D45-4E62-8146-3148776CAFC1}"/>
+              </a:ext>
+            </a:extLst>
+          </p:cNvPr>
+          <p:cNvSpPr>
+            <a:spLocks noGrp="1"/>
+          </p:cNvSpPr>
+          <p:nvPr>
+            <p:ph type="sldNum" sz="quarter" idx="12"/>
+          </p:nvPr>
+        </p:nvSpPr>
+        <p:spPr/>
+        <p:txBody>
+          <a:bodyPr/>
+          <a:lstStyle/>
+          <a:p>
+            <a:fld id="{8768419F-B12D-4364-885F-8014D4800523}" type="slidenum">
+              <a:rPr lang="en-US" smtClean="0"/>
+              <a:t>25</a:t>
+            </a:fld>
+            <a:endParaRPr lang="en-US"/>
+          </a:p>
+        </p:txBody>
+      </p:sp>
+    </p:spTree>
+    <p:extLst>
+      <p:ext uri="{BB962C8B-B14F-4D97-AF65-F5344CB8AC3E}">
+        <p14:creationId xmlns:p14="http://schemas.microsoft.com/office/powerpoint/2010/main" val="3360146067"/>
+      </p:ext>
+    </p:extLst>
+  </p:cSld>
+  <p:clrMapOvr>
+    <a:masterClrMapping/>
+  </p:clrMapOvr>
+</p:sld>
+</file>
+
+<file path=ppt/slides/slide26.xml><?xml version="1.0" encoding="utf-8"?>
+<p:sld xmlns:a="http://schemas.openxmlformats.org/drawingml/2006/main" xmlns:r="http://schemas.openxmlformats.org/officeDocument/2006/relationships" xmlns:p="http://schemas.openxmlformats.org/presentationml/2006/main">
+  <p:cSld>
+    <p:spTree>
+      <p:nvGrpSpPr>
+        <p:cNvPr id="1" name=""/>
+        <p:cNvGrpSpPr/>
+        <p:nvPr/>
+      </p:nvGrpSpPr>
+      <p:grpSpPr>
+        <a:xfrm>
+          <a:off x="0" y="0"/>
+          <a:ext cx="0" cy="0"/>
+          <a:chOff x="0" y="0"/>
+          <a:chExt cx="0" cy="0"/>
+        </a:xfrm>
+      </p:grpSpPr>
+      <p:sp>
+        <p:nvSpPr>
+          <p:cNvPr id="2" name="Title 1">
+            <a:extLst>
+              <a:ext uri="{FF2B5EF4-FFF2-40B4-BE49-F238E27FC236}">
+                <a16:creationId xmlns:a16="http://schemas.microsoft.com/office/drawing/2014/main" id="{36F01BAC-C1F2-4F99-AE00-645850FE1A49}"/>
+              </a:ext>
+            </a:extLst>
+          </p:cNvPr>
+          <p:cNvSpPr>
+            <a:spLocks noGrp="1"/>
+          </p:cNvSpPr>
+          <p:nvPr>
+            <p:ph type="title"/>
+          </p:nvPr>
+        </p:nvSpPr>
+        <p:spPr/>
+        <p:txBody>
+          <a:bodyPr/>
+          <a:lstStyle/>
+          <a:p>
+            <a:r>
+              <a:rPr lang="en-US" dirty="0"/>
+              <a:t>Rank of </a:t>
+            </a:r>
+            <a:r>
+              <a:rPr lang="en-US" dirty="0" err="1"/>
+              <a:t>SketchyCGM</a:t>
+            </a:r>
+            <a:endParaRPr lang="en-US" dirty="0"/>
+          </a:p>
+        </p:txBody>
+      </p:sp>
+      <p:pic>
+        <p:nvPicPr>
+          <p:cNvPr id="7" name="Content Placeholder 6">
+            <a:extLst>
+              <a:ext uri="{FF2B5EF4-FFF2-40B4-BE49-F238E27FC236}">
+                <a16:creationId xmlns:a16="http://schemas.microsoft.com/office/drawing/2014/main" id="{CFC3AA06-C909-4465-917C-A226488FEE09}"/>
+              </a:ext>
+            </a:extLst>
+          </p:cNvPr>
+          <p:cNvPicPr>
+            <a:picLocks noGrp="1" noChangeAspect="1"/>
+          </p:cNvPicPr>
+          <p:nvPr>
+            <p:ph idx="1"/>
+          </p:nvPr>
+        </p:nvPicPr>
+        <p:blipFill>
+          <a:blip r:embed="rId2">
+            <a:extLst>
+              <a:ext uri="{28A0092B-C50C-407E-A947-70E740481C1C}">
+                <a14:useLocalDpi xmlns:a14="http://schemas.microsoft.com/office/drawing/2010/main" val="0"/>
+              </a:ext>
+            </a:extLst>
+          </a:blip>
+          <a:stretch>
+            <a:fillRect/>
+          </a:stretch>
+        </p:blipFill>
+        <p:spPr>
+          <a:xfrm>
+            <a:off x="3195108" y="1825625"/>
+            <a:ext cx="5801784" cy="4351338"/>
+          </a:xfrm>
+        </p:spPr>
+      </p:pic>
+      <p:sp>
+        <p:nvSpPr>
+          <p:cNvPr id="5" name="Slide Number Placeholder 4">
+            <a:extLst>
+              <a:ext uri="{FF2B5EF4-FFF2-40B4-BE49-F238E27FC236}">
+                <a16:creationId xmlns:a16="http://schemas.microsoft.com/office/drawing/2014/main" id="{5E4C9920-12FA-41A7-BDC6-3465A74266CD}"/>
+              </a:ext>
+            </a:extLst>
+          </p:cNvPr>
+          <p:cNvSpPr>
+            <a:spLocks noGrp="1"/>
+          </p:cNvSpPr>
+          <p:nvPr>
+            <p:ph type="sldNum" sz="quarter" idx="12"/>
+          </p:nvPr>
+        </p:nvSpPr>
+        <p:spPr/>
+        <p:txBody>
+          <a:bodyPr/>
+          <a:lstStyle/>
+          <a:p>
+            <a:fld id="{8768419F-B12D-4364-885F-8014D4800523}" type="slidenum">
+              <a:rPr lang="en-US" smtClean="0"/>
+              <a:t>26</a:t>
+            </a:fld>
+            <a:endParaRPr lang="en-US"/>
+          </a:p>
+        </p:txBody>
+      </p:sp>
+    </p:spTree>
+    <p:extLst>
+      <p:ext uri="{BB962C8B-B14F-4D97-AF65-F5344CB8AC3E}">
+        <p14:creationId xmlns:p14="http://schemas.microsoft.com/office/powerpoint/2010/main" val="1112544703"/>
+      </p:ext>
+    </p:extLst>
+  </p:cSld>
+  <p:clrMapOvr>
+    <a:masterClrMapping/>
+  </p:clrMapOvr>
+</p:sld>
+</file>
+
+<file path=ppt/slides/slide27.xml><?xml version="1.0" encoding="utf-8"?>
+<p:sld xmlns:a="http://schemas.openxmlformats.org/drawingml/2006/main" xmlns:r="http://schemas.openxmlformats.org/officeDocument/2006/relationships" xmlns:p="http://schemas.openxmlformats.org/presentationml/2006/main">
+  <p:cSld>
+    <p:spTree>
+      <p:nvGrpSpPr>
+        <p:cNvPr id="1" name=""/>
+        <p:cNvGrpSpPr/>
+        <p:nvPr/>
+      </p:nvGrpSpPr>
+      <p:grpSpPr>
+        <a:xfrm>
+          <a:off x="0" y="0"/>
+          <a:ext cx="0" cy="0"/>
+          <a:chOff x="0" y="0"/>
+          <a:chExt cx="0" cy="0"/>
+        </a:xfrm>
+      </p:grpSpPr>
+      <p:sp>
+        <p:nvSpPr>
+          <p:cNvPr id="2" name="Title 1">
+            <a:extLst>
+              <a:ext uri="{FF2B5EF4-FFF2-40B4-BE49-F238E27FC236}">
+                <a16:creationId xmlns:a16="http://schemas.microsoft.com/office/drawing/2014/main" id="{0DBA68CA-7F67-411C-BD09-E4C74D55D05F}"/>
+              </a:ext>
+            </a:extLst>
+          </p:cNvPr>
+          <p:cNvSpPr>
+            <a:spLocks noGrp="1"/>
+          </p:cNvSpPr>
+          <p:nvPr>
+            <p:ph type="title"/>
+          </p:nvPr>
+        </p:nvSpPr>
+        <p:spPr/>
+        <p:txBody>
+          <a:bodyPr/>
+          <a:lstStyle/>
+          <a:p>
+            <a:r>
+              <a:rPr lang="en-US" dirty="0"/>
+              <a:t>Rank of </a:t>
+            </a:r>
+            <a:r>
+              <a:rPr lang="en-US" dirty="0" err="1"/>
+              <a:t>SketchyCGM</a:t>
+            </a:r>
+            <a:endParaRPr lang="en-US" dirty="0"/>
+          </a:p>
+        </p:txBody>
+      </p:sp>
+      <p:pic>
+        <p:nvPicPr>
+          <p:cNvPr id="7" name="Content Placeholder 6">
+            <a:extLst>
+              <a:ext uri="{FF2B5EF4-FFF2-40B4-BE49-F238E27FC236}">
+                <a16:creationId xmlns:a16="http://schemas.microsoft.com/office/drawing/2014/main" id="{37DB8509-CA4D-49EE-951A-F9777CB62218}"/>
+              </a:ext>
+            </a:extLst>
+          </p:cNvPr>
+          <p:cNvPicPr>
+            <a:picLocks noGrp="1" noChangeAspect="1"/>
+          </p:cNvPicPr>
+          <p:nvPr>
+            <p:ph idx="1"/>
+          </p:nvPr>
+        </p:nvPicPr>
+        <p:blipFill>
+          <a:blip r:embed="rId2">
+            <a:extLst>
+              <a:ext uri="{28A0092B-C50C-407E-A947-70E740481C1C}">
+                <a14:useLocalDpi xmlns:a14="http://schemas.microsoft.com/office/drawing/2010/main" val="0"/>
+              </a:ext>
+            </a:extLst>
+          </a:blip>
+          <a:stretch>
+            <a:fillRect/>
+          </a:stretch>
+        </p:blipFill>
+        <p:spPr>
+          <a:xfrm>
+            <a:off x="3195108" y="1825625"/>
+            <a:ext cx="5801784" cy="4351338"/>
+          </a:xfrm>
+        </p:spPr>
+      </p:pic>
+      <p:sp>
+        <p:nvSpPr>
+          <p:cNvPr id="5" name="Slide Number Placeholder 4">
+            <a:extLst>
+              <a:ext uri="{FF2B5EF4-FFF2-40B4-BE49-F238E27FC236}">
+                <a16:creationId xmlns:a16="http://schemas.microsoft.com/office/drawing/2014/main" id="{60A2C9E5-40F6-49B1-AC18-B9D70BDCEF53}"/>
+              </a:ext>
+            </a:extLst>
+          </p:cNvPr>
+          <p:cNvSpPr>
+            <a:spLocks noGrp="1"/>
+          </p:cNvSpPr>
+          <p:nvPr>
+            <p:ph type="sldNum" sz="quarter" idx="12"/>
+          </p:nvPr>
+        </p:nvSpPr>
+        <p:spPr/>
+        <p:txBody>
+          <a:bodyPr/>
+          <a:lstStyle/>
+          <a:p>
+            <a:fld id="{8768419F-B12D-4364-885F-8014D4800523}" type="slidenum">
+              <a:rPr lang="en-US" smtClean="0"/>
+              <a:t>27</a:t>
+            </a:fld>
+            <a:endParaRPr lang="en-US"/>
+          </a:p>
+        </p:txBody>
+      </p:sp>
+    </p:spTree>
+    <p:extLst>
+      <p:ext uri="{BB962C8B-B14F-4D97-AF65-F5344CB8AC3E}">
+        <p14:creationId xmlns:p14="http://schemas.microsoft.com/office/powerpoint/2010/main" val="287502991"/>
+      </p:ext>
+    </p:extLst>
+  </p:cSld>
+  <p:clrMapOvr>
+    <a:masterClrMapping/>
+  </p:clrMapOvr>
+</p:sld>
+</file>
+
+<file path=ppt/slides/slide28.xml><?xml version="1.0" encoding="utf-8"?>
+<p:sld xmlns:a="http://schemas.openxmlformats.org/drawingml/2006/main" xmlns:r="http://schemas.openxmlformats.org/officeDocument/2006/relationships" xmlns:p="http://schemas.openxmlformats.org/presentationml/2006/main">
+  <p:cSld>
+    <p:spTree>
+      <p:nvGrpSpPr>
+        <p:cNvPr id="1" name=""/>
+        <p:cNvGrpSpPr/>
+        <p:nvPr/>
+      </p:nvGrpSpPr>
+      <p:grpSpPr>
+        <a:xfrm>
+          <a:off x="0" y="0"/>
+          <a:ext cx="0" cy="0"/>
+          <a:chOff x="0" y="0"/>
+          <a:chExt cx="0" cy="0"/>
+        </a:xfrm>
+      </p:grpSpPr>
+      <p:sp>
+        <p:nvSpPr>
+          <p:cNvPr id="2" name="Title 1">
+            <a:extLst>
+              <a:ext uri="{FF2B5EF4-FFF2-40B4-BE49-F238E27FC236}">
+                <a16:creationId xmlns:a16="http://schemas.microsoft.com/office/drawing/2014/main" id="{1C5016EA-E619-4324-8D3A-B57605A1D608}"/>
+              </a:ext>
+            </a:extLst>
+          </p:cNvPr>
+          <p:cNvSpPr>
+            <a:spLocks noGrp="1"/>
+          </p:cNvSpPr>
+          <p:nvPr>
+            <p:ph type="title"/>
+          </p:nvPr>
+        </p:nvSpPr>
+        <p:spPr/>
+        <p:txBody>
+          <a:bodyPr/>
+          <a:lstStyle/>
+          <a:p>
+            <a:r>
+              <a:rPr lang="en-US" dirty="0"/>
+              <a:t>Rank of </a:t>
+            </a:r>
+            <a:r>
+              <a:rPr lang="en-US" dirty="0" err="1"/>
+              <a:t>SketchyCGM</a:t>
+            </a:r>
+            <a:endParaRPr lang="en-US" dirty="0"/>
+          </a:p>
+        </p:txBody>
+      </p:sp>
+      <p:pic>
+        <p:nvPicPr>
+          <p:cNvPr id="7" name="Content Placeholder 6">
+            <a:extLst>
+              <a:ext uri="{FF2B5EF4-FFF2-40B4-BE49-F238E27FC236}">
+                <a16:creationId xmlns:a16="http://schemas.microsoft.com/office/drawing/2014/main" id="{E9F38D3F-6A4A-498D-AC5E-B8D09819DD11}"/>
+              </a:ext>
+            </a:extLst>
+          </p:cNvPr>
+          <p:cNvPicPr>
+            <a:picLocks noGrp="1" noChangeAspect="1"/>
+          </p:cNvPicPr>
+          <p:nvPr>
+            <p:ph idx="1"/>
+          </p:nvPr>
+        </p:nvPicPr>
+        <p:blipFill>
+          <a:blip r:embed="rId2">
+            <a:extLst>
+              <a:ext uri="{28A0092B-C50C-407E-A947-70E740481C1C}">
+                <a14:useLocalDpi xmlns:a14="http://schemas.microsoft.com/office/drawing/2010/main" val="0"/>
+              </a:ext>
+            </a:extLst>
+          </a:blip>
+          <a:stretch>
+            <a:fillRect/>
+          </a:stretch>
+        </p:blipFill>
+        <p:spPr>
+          <a:xfrm>
+            <a:off x="3195108" y="1825625"/>
+            <a:ext cx="5801784" cy="4351338"/>
+          </a:xfrm>
+        </p:spPr>
+      </p:pic>
+      <p:sp>
+        <p:nvSpPr>
+          <p:cNvPr id="5" name="Slide Number Placeholder 4">
+            <a:extLst>
+              <a:ext uri="{FF2B5EF4-FFF2-40B4-BE49-F238E27FC236}">
+                <a16:creationId xmlns:a16="http://schemas.microsoft.com/office/drawing/2014/main" id="{C96CFC75-ED70-4981-9D27-04234ADC74C8}"/>
+              </a:ext>
+            </a:extLst>
+          </p:cNvPr>
+          <p:cNvSpPr>
+            <a:spLocks noGrp="1"/>
+          </p:cNvSpPr>
+          <p:nvPr>
+            <p:ph type="sldNum" sz="quarter" idx="12"/>
+          </p:nvPr>
+        </p:nvSpPr>
+        <p:spPr/>
+        <p:txBody>
+          <a:bodyPr/>
+          <a:lstStyle/>
+          <a:p>
+            <a:fld id="{8768419F-B12D-4364-885F-8014D4800523}" type="slidenum">
+              <a:rPr lang="en-US" smtClean="0"/>
+              <a:t>28</a:t>
+            </a:fld>
+            <a:endParaRPr lang="en-US"/>
+          </a:p>
+        </p:txBody>
+      </p:sp>
+    </p:spTree>
+    <p:extLst>
+      <p:ext uri="{BB962C8B-B14F-4D97-AF65-F5344CB8AC3E}">
+        <p14:creationId xmlns:p14="http://schemas.microsoft.com/office/powerpoint/2010/main" val="676743220"/>
+      </p:ext>
+    </p:extLst>
+  </p:cSld>
+  <p:clrMapOvr>
+    <a:masterClrMapping/>
+  </p:clrMapOvr>
+</p:sld>
+</file>
+
+<file path=ppt/slides/slide29.xml><?xml version="1.0" encoding="utf-8"?>
+<p:sld xmlns:a="http://schemas.openxmlformats.org/drawingml/2006/main" xmlns:r="http://schemas.openxmlformats.org/officeDocument/2006/relationships" xmlns:p="http://schemas.openxmlformats.org/presentationml/2006/main">
+  <p:cSld>
+    <p:spTree>
+      <p:nvGrpSpPr>
+        <p:cNvPr id="1" name=""/>
+        <p:cNvGrpSpPr/>
+        <p:nvPr/>
+      </p:nvGrpSpPr>
+      <p:grpSpPr>
+        <a:xfrm>
+          <a:off x="0" y="0"/>
+          <a:ext cx="0" cy="0"/>
+          <a:chOff x="0" y="0"/>
+          <a:chExt cx="0" cy="0"/>
+        </a:xfrm>
+      </p:grpSpPr>
+      <p:sp>
+        <p:nvSpPr>
+          <p:cNvPr id="2" name="Title 1">
+            <a:extLst>
+              <a:ext uri="{FF2B5EF4-FFF2-40B4-BE49-F238E27FC236}">
+                <a16:creationId xmlns:a16="http://schemas.microsoft.com/office/drawing/2014/main" id="{61BEAE18-CD1D-42CA-8646-8F044AEDCEE3}"/>
+              </a:ext>
+            </a:extLst>
+          </p:cNvPr>
+          <p:cNvSpPr>
+            <a:spLocks noGrp="1"/>
+          </p:cNvSpPr>
+          <p:nvPr>
+            <p:ph type="title"/>
+          </p:nvPr>
+        </p:nvSpPr>
+        <p:spPr/>
+        <p:txBody>
+          <a:bodyPr/>
+          <a:lstStyle/>
+          <a:p>
+            <a:r>
+              <a:rPr lang="en-US" dirty="0"/>
+              <a:t>Rank of </a:t>
+            </a:r>
+            <a:r>
+              <a:rPr lang="en-US" dirty="0" err="1"/>
+              <a:t>SketchyCGM</a:t>
+            </a:r>
+            <a:endParaRPr lang="en-US" dirty="0"/>
+          </a:p>
+        </p:txBody>
+      </p:sp>
+      <p:pic>
+        <p:nvPicPr>
+          <p:cNvPr id="7" name="Content Placeholder 6">
+            <a:extLst>
+              <a:ext uri="{FF2B5EF4-FFF2-40B4-BE49-F238E27FC236}">
+                <a16:creationId xmlns:a16="http://schemas.microsoft.com/office/drawing/2014/main" id="{23FD2F4C-3D65-4C4F-850A-6CD389FA6AA5}"/>
+              </a:ext>
+            </a:extLst>
+          </p:cNvPr>
+          <p:cNvPicPr>
+            <a:picLocks noGrp="1" noChangeAspect="1"/>
+          </p:cNvPicPr>
+          <p:nvPr>
+            <p:ph idx="1"/>
+          </p:nvPr>
+        </p:nvPicPr>
+        <p:blipFill>
+          <a:blip r:embed="rId2">
+            <a:extLst>
+              <a:ext uri="{28A0092B-C50C-407E-A947-70E740481C1C}">
+                <a14:useLocalDpi xmlns:a14="http://schemas.microsoft.com/office/drawing/2010/main" val="0"/>
+              </a:ext>
+            </a:extLst>
+          </a:blip>
+          <a:stretch>
+            <a:fillRect/>
+          </a:stretch>
+        </p:blipFill>
+        <p:spPr>
+          <a:xfrm>
+            <a:off x="3195108" y="1825625"/>
+            <a:ext cx="5801784" cy="4351338"/>
+          </a:xfrm>
+        </p:spPr>
+      </p:pic>
+      <p:sp>
+        <p:nvSpPr>
+          <p:cNvPr id="5" name="Slide Number Placeholder 4">
+            <a:extLst>
+              <a:ext uri="{FF2B5EF4-FFF2-40B4-BE49-F238E27FC236}">
+                <a16:creationId xmlns:a16="http://schemas.microsoft.com/office/drawing/2014/main" id="{EBAEDA98-1288-402B-A1A9-DA04B9AC7421}"/>
+              </a:ext>
+            </a:extLst>
+          </p:cNvPr>
+          <p:cNvSpPr>
+            <a:spLocks noGrp="1"/>
+          </p:cNvSpPr>
+          <p:nvPr>
+            <p:ph type="sldNum" sz="quarter" idx="12"/>
+          </p:nvPr>
+        </p:nvSpPr>
+        <p:spPr/>
+        <p:txBody>
+          <a:bodyPr/>
+          <a:lstStyle/>
+          <a:p>
+            <a:fld id="{8768419F-B12D-4364-885F-8014D4800523}" type="slidenum">
+              <a:rPr lang="en-US" smtClean="0"/>
+              <a:t>29</a:t>
+            </a:fld>
+            <a:endParaRPr lang="en-US"/>
+          </a:p>
+        </p:txBody>
+      </p:sp>
+    </p:spTree>
+    <p:extLst>
+      <p:ext uri="{BB962C8B-B14F-4D97-AF65-F5344CB8AC3E}">
+        <p14:creationId xmlns:p14="http://schemas.microsoft.com/office/powerpoint/2010/main" val="968808778"/>
+      </p:ext>
+    </p:extLst>
+  </p:cSld>
+  <p:clrMapOvr>
+    <a:masterClrMapping/>
+  </p:clrMapOvr>
+</p:sld>
+</file>
+
+<file path=ppt/slides/slide3.xml><?xml version="1.0" encoding="utf-8"?>
+<p:sld xmlns:a="http://schemas.openxmlformats.org/drawingml/2006/main" xmlns:r="http://schemas.openxmlformats.org/officeDocument/2006/relationships" xmlns:p="http://schemas.openxmlformats.org/presentationml/2006/main">
+  <p:cSld>
+    <p:spTree>
+      <p:nvGrpSpPr>
+        <p:cNvPr id="1" name=""/>
+        <p:cNvGrpSpPr/>
+        <p:nvPr/>
+      </p:nvGrpSpPr>
+      <p:grpSpPr>
+        <a:xfrm>
+          <a:off x="0" y="0"/>
+          <a:ext cx="0" cy="0"/>
+          <a:chOff x="0" y="0"/>
+          <a:chExt cx="0" cy="0"/>
+        </a:xfrm>
+      </p:grpSpPr>
+      <p:sp>
+        <p:nvSpPr>
+          <p:cNvPr id="3" name="Content Placeholder 2">
+            <a:extLst>
+              <a:ext uri="{FF2B5EF4-FFF2-40B4-BE49-F238E27FC236}">
+                <a16:creationId xmlns:a16="http://schemas.microsoft.com/office/drawing/2014/main" id="{8A355E5E-BF89-4D9E-83C1-D499F06B0900}"/>
+              </a:ext>
+            </a:extLst>
+          </p:cNvPr>
+          <p:cNvSpPr>
+            <a:spLocks noGrp="1"/>
+          </p:cNvSpPr>
+          <p:nvPr>
+            <p:ph idx="1"/>
+          </p:nvPr>
+        </p:nvSpPr>
+        <p:spPr/>
+        <p:txBody>
+          <a:bodyPr>
+            <a:normAutofit/>
+          </a:bodyPr>
+          <a:lstStyle/>
+          <a:p>
+            <a:pPr marL="0" indent="0">
+              <a:buNone/>
+            </a:pPr>
+            <a:endParaRPr lang="en-US" sz="5400" dirty="0"/>
+          </a:p>
+          <a:p>
+            <a:pPr marL="0" indent="0" algn="ctr">
+              <a:buNone/>
+            </a:pPr>
+            <a:r>
+              <a:rPr lang="en-US" sz="5400" dirty="0"/>
+              <a:t>Theory</a:t>
+            </a:r>
+          </a:p>
+        </p:txBody>
+      </p:sp>
+      <p:sp>
+        <p:nvSpPr>
+          <p:cNvPr id="4" name="Slide Number Placeholder 3">
+            <a:extLst>
+              <a:ext uri="{FF2B5EF4-FFF2-40B4-BE49-F238E27FC236}">
+                <a16:creationId xmlns:a16="http://schemas.microsoft.com/office/drawing/2014/main" id="{F63D4243-0EA7-4751-9946-E48C50C5ACCC}"/>
+              </a:ext>
+            </a:extLst>
+          </p:cNvPr>
+          <p:cNvSpPr>
+            <a:spLocks noGrp="1"/>
+          </p:cNvSpPr>
+          <p:nvPr>
+            <p:ph type="sldNum" sz="quarter" idx="12"/>
+          </p:nvPr>
+        </p:nvSpPr>
+        <p:spPr/>
+        <p:txBody>
+          <a:bodyPr/>
+          <a:lstStyle/>
+          <a:p>
+            <a:fld id="{8768419F-B12D-4364-885F-8014D4800523}" type="slidenum">
+              <a:rPr lang="en-US" smtClean="0"/>
+              <a:t>3</a:t>
+            </a:fld>
+            <a:endParaRPr lang="en-US"/>
+          </a:p>
+        </p:txBody>
+      </p:sp>
+    </p:spTree>
+    <p:extLst>
+      <p:ext uri="{BB962C8B-B14F-4D97-AF65-F5344CB8AC3E}">
+        <p14:creationId xmlns:p14="http://schemas.microsoft.com/office/powerpoint/2010/main" val="3765725326"/>
+      </p:ext>
+    </p:extLst>
+  </p:cSld>
+  <p:clrMapOvr>
+    <a:masterClrMapping/>
+  </p:clrMapOvr>
+</p:sld>
+</file>
+
+<file path=ppt/slides/slide30.xml><?xml version="1.0" encoding="utf-8"?>
+<p:sld xmlns:a="http://schemas.openxmlformats.org/drawingml/2006/main" xmlns:r="http://schemas.openxmlformats.org/officeDocument/2006/relationships" xmlns:p="http://schemas.openxmlformats.org/presentationml/2006/main">
+  <p:cSld>
+    <p:spTree>
+      <p:nvGrpSpPr>
+        <p:cNvPr id="1" name=""/>
+        <p:cNvGrpSpPr/>
+        <p:nvPr/>
+      </p:nvGrpSpPr>
+      <p:grpSpPr>
+        <a:xfrm>
+          <a:off x="0" y="0"/>
+          <a:ext cx="0" cy="0"/>
+          <a:chOff x="0" y="0"/>
+          <a:chExt cx="0" cy="0"/>
+        </a:xfrm>
+      </p:grpSpPr>
+      <p:sp>
+        <p:nvSpPr>
+          <p:cNvPr id="2" name="Title 1">
+            <a:extLst>
+              <a:ext uri="{FF2B5EF4-FFF2-40B4-BE49-F238E27FC236}">
+                <a16:creationId xmlns:a16="http://schemas.microsoft.com/office/drawing/2014/main" id="{A8E70248-7BE9-48BA-A243-82E00C6AE228}"/>
+              </a:ext>
+            </a:extLst>
+          </p:cNvPr>
+          <p:cNvSpPr>
+            <a:spLocks noGrp="1"/>
+          </p:cNvSpPr>
+          <p:nvPr>
+            <p:ph type="title"/>
+          </p:nvPr>
+        </p:nvSpPr>
+        <p:spPr/>
+        <p:txBody>
+          <a:bodyPr/>
+          <a:lstStyle/>
+          <a:p>
+            <a:r>
+              <a:rPr lang="en-US" dirty="0"/>
+              <a:t>Rank of </a:t>
+            </a:r>
+            <a:r>
+              <a:rPr lang="en-US" dirty="0" err="1"/>
+              <a:t>SketchyCGM</a:t>
+            </a:r>
+            <a:endParaRPr lang="en-US" dirty="0"/>
+          </a:p>
+        </p:txBody>
+      </p:sp>
+      <p:pic>
+        <p:nvPicPr>
+          <p:cNvPr id="7" name="Content Placeholder 6">
+            <a:extLst>
+              <a:ext uri="{FF2B5EF4-FFF2-40B4-BE49-F238E27FC236}">
+                <a16:creationId xmlns:a16="http://schemas.microsoft.com/office/drawing/2014/main" id="{6DFA1BD9-1E10-45B0-B80E-06C37AE18CC6}"/>
+              </a:ext>
+            </a:extLst>
+          </p:cNvPr>
+          <p:cNvPicPr>
+            <a:picLocks noGrp="1" noChangeAspect="1"/>
+          </p:cNvPicPr>
+          <p:nvPr>
+            <p:ph idx="1"/>
+          </p:nvPr>
+        </p:nvPicPr>
+        <p:blipFill>
+          <a:blip r:embed="rId2">
+            <a:extLst>
+              <a:ext uri="{28A0092B-C50C-407E-A947-70E740481C1C}">
+                <a14:useLocalDpi xmlns:a14="http://schemas.microsoft.com/office/drawing/2010/main" val="0"/>
+              </a:ext>
+            </a:extLst>
+          </a:blip>
+          <a:stretch>
+            <a:fillRect/>
+          </a:stretch>
+        </p:blipFill>
+        <p:spPr>
+          <a:xfrm>
+            <a:off x="3195108" y="1825625"/>
+            <a:ext cx="5801784" cy="4351338"/>
+          </a:xfrm>
+        </p:spPr>
+      </p:pic>
+      <p:sp>
+        <p:nvSpPr>
+          <p:cNvPr id="5" name="Slide Number Placeholder 4">
+            <a:extLst>
+              <a:ext uri="{FF2B5EF4-FFF2-40B4-BE49-F238E27FC236}">
+                <a16:creationId xmlns:a16="http://schemas.microsoft.com/office/drawing/2014/main" id="{B39D840B-62A4-4DDC-8569-AED298669E51}"/>
+              </a:ext>
+            </a:extLst>
+          </p:cNvPr>
+          <p:cNvSpPr>
+            <a:spLocks noGrp="1"/>
+          </p:cNvSpPr>
+          <p:nvPr>
+            <p:ph type="sldNum" sz="quarter" idx="12"/>
+          </p:nvPr>
+        </p:nvSpPr>
+        <p:spPr/>
+        <p:txBody>
+          <a:bodyPr/>
+          <a:lstStyle/>
+          <a:p>
+            <a:fld id="{8768419F-B12D-4364-885F-8014D4800523}" type="slidenum">
+              <a:rPr lang="en-US" smtClean="0"/>
+              <a:t>30</a:t>
+            </a:fld>
+            <a:endParaRPr lang="en-US"/>
+          </a:p>
+        </p:txBody>
+      </p:sp>
+    </p:spTree>
+    <p:extLst>
+      <p:ext uri="{BB962C8B-B14F-4D97-AF65-F5344CB8AC3E}">
+        <p14:creationId xmlns:p14="http://schemas.microsoft.com/office/powerpoint/2010/main" val="1093865252"/>
+      </p:ext>
+    </p:extLst>
+  </p:cSld>
+  <p:clrMapOvr>
+    <a:masterClrMapping/>
+  </p:clrMapOvr>
+</p:sld>
+</file>
+
+<file path=ppt/slides/slide31.xml><?xml version="1.0" encoding="utf-8"?>
+<p:sld xmlns:a="http://schemas.openxmlformats.org/drawingml/2006/main" xmlns:r="http://schemas.openxmlformats.org/officeDocument/2006/relationships" xmlns:p="http://schemas.openxmlformats.org/presentationml/2006/main">
+  <p:cSld>
+    <p:spTree>
+      <p:nvGrpSpPr>
+        <p:cNvPr id="1" name=""/>
+        <p:cNvGrpSpPr/>
+        <p:nvPr/>
+      </p:nvGrpSpPr>
+      <p:grpSpPr>
+        <a:xfrm>
+          <a:off x="0" y="0"/>
+          <a:ext cx="0" cy="0"/>
+          <a:chOff x="0" y="0"/>
+          <a:chExt cx="0" cy="0"/>
+        </a:xfrm>
+      </p:grpSpPr>
+      <p:sp>
+        <p:nvSpPr>
+          <p:cNvPr id="2" name="Title 1">
+            <a:extLst>
+              <a:ext uri="{FF2B5EF4-FFF2-40B4-BE49-F238E27FC236}">
+                <a16:creationId xmlns:a16="http://schemas.microsoft.com/office/drawing/2014/main" id="{BE448BDE-592E-4878-8BB1-017C9DE73C9E}"/>
+              </a:ext>
+            </a:extLst>
+          </p:cNvPr>
+          <p:cNvSpPr>
+            <a:spLocks noGrp="1"/>
+          </p:cNvSpPr>
+          <p:nvPr>
+            <p:ph type="title"/>
+          </p:nvPr>
+        </p:nvSpPr>
+        <p:spPr/>
+        <p:txBody>
+          <a:bodyPr/>
+          <a:lstStyle/>
+          <a:p>
+            <a:r>
+              <a:rPr lang="en-US" dirty="0"/>
+              <a:t>Rank of </a:t>
+            </a:r>
+            <a:r>
+              <a:rPr lang="en-US" dirty="0" err="1"/>
+              <a:t>SketchyCGM</a:t>
+            </a:r>
+            <a:endParaRPr lang="en-US" dirty="0"/>
+          </a:p>
+        </p:txBody>
+      </p:sp>
+      <p:pic>
+        <p:nvPicPr>
+          <p:cNvPr id="7" name="Content Placeholder 6">
+            <a:extLst>
+              <a:ext uri="{FF2B5EF4-FFF2-40B4-BE49-F238E27FC236}">
+                <a16:creationId xmlns:a16="http://schemas.microsoft.com/office/drawing/2014/main" id="{3ABA86D5-495F-4BCA-A4EA-EFFE29751022}"/>
+              </a:ext>
+            </a:extLst>
+          </p:cNvPr>
+          <p:cNvPicPr>
+            <a:picLocks noGrp="1" noChangeAspect="1"/>
+          </p:cNvPicPr>
+          <p:nvPr>
+            <p:ph idx="1"/>
+          </p:nvPr>
+        </p:nvPicPr>
+        <p:blipFill>
+          <a:blip r:embed="rId2">
+            <a:extLst>
+              <a:ext uri="{28A0092B-C50C-407E-A947-70E740481C1C}">
+                <a14:useLocalDpi xmlns:a14="http://schemas.microsoft.com/office/drawing/2010/main" val="0"/>
+              </a:ext>
+            </a:extLst>
+          </a:blip>
+          <a:stretch>
+            <a:fillRect/>
+          </a:stretch>
+        </p:blipFill>
+        <p:spPr>
+          <a:xfrm>
+            <a:off x="3195108" y="1825625"/>
+            <a:ext cx="5801784" cy="4351338"/>
+          </a:xfrm>
+        </p:spPr>
+      </p:pic>
+      <p:sp>
+        <p:nvSpPr>
+          <p:cNvPr id="5" name="Slide Number Placeholder 4">
+            <a:extLst>
+              <a:ext uri="{FF2B5EF4-FFF2-40B4-BE49-F238E27FC236}">
+                <a16:creationId xmlns:a16="http://schemas.microsoft.com/office/drawing/2014/main" id="{FC6BFFBA-7E1D-4B4A-BB72-B893DE8186A7}"/>
+              </a:ext>
+            </a:extLst>
+          </p:cNvPr>
+          <p:cNvSpPr>
+            <a:spLocks noGrp="1"/>
+          </p:cNvSpPr>
+          <p:nvPr>
+            <p:ph type="sldNum" sz="quarter" idx="12"/>
+          </p:nvPr>
+        </p:nvSpPr>
+        <p:spPr/>
+        <p:txBody>
+          <a:bodyPr/>
+          <a:lstStyle/>
+          <a:p>
+            <a:fld id="{8768419F-B12D-4364-885F-8014D4800523}" type="slidenum">
+              <a:rPr lang="en-US" smtClean="0"/>
+              <a:t>31</a:t>
+            </a:fld>
+            <a:endParaRPr lang="en-US"/>
+          </a:p>
+        </p:txBody>
+      </p:sp>
+    </p:spTree>
+    <p:extLst>
+      <p:ext uri="{BB962C8B-B14F-4D97-AF65-F5344CB8AC3E}">
+        <p14:creationId xmlns:p14="http://schemas.microsoft.com/office/powerpoint/2010/main" val="2133143419"/>
+      </p:ext>
+    </p:extLst>
+  </p:cSld>
+  <p:clrMapOvr>
+    <a:masterClrMapping/>
+  </p:clrMapOvr>
+</p:sld>
+</file>
+
+<file path=ppt/slides/slide32.xml><?xml version="1.0" encoding="utf-8"?>
+<p:sld xmlns:a="http://schemas.openxmlformats.org/drawingml/2006/main" xmlns:r="http://schemas.openxmlformats.org/officeDocument/2006/relationships" xmlns:p="http://schemas.openxmlformats.org/presentationml/2006/main">
+  <p:cSld>
+    <p:spTree>
+      <p:nvGrpSpPr>
+        <p:cNvPr id="1" name=""/>
+        <p:cNvGrpSpPr/>
+        <p:nvPr/>
+      </p:nvGrpSpPr>
+      <p:grpSpPr>
+        <a:xfrm>
+          <a:off x="0" y="0"/>
+          <a:ext cx="0" cy="0"/>
+          <a:chOff x="0" y="0"/>
+          <a:chExt cx="0" cy="0"/>
+        </a:xfrm>
+      </p:grpSpPr>
+      <p:sp>
+        <p:nvSpPr>
+          <p:cNvPr id="2" name="Title 1">
+            <a:extLst>
+              <a:ext uri="{FF2B5EF4-FFF2-40B4-BE49-F238E27FC236}">
+                <a16:creationId xmlns:a16="http://schemas.microsoft.com/office/drawing/2014/main" id="{4286CADE-2612-4285-B51D-937E17CBCD25}"/>
+              </a:ext>
+            </a:extLst>
+          </p:cNvPr>
+          <p:cNvSpPr>
+            <a:spLocks noGrp="1"/>
+          </p:cNvSpPr>
+          <p:nvPr>
+            <p:ph type="title"/>
+          </p:nvPr>
+        </p:nvSpPr>
+        <p:spPr/>
+        <p:txBody>
+          <a:bodyPr/>
+          <a:lstStyle/>
+          <a:p>
+            <a:r>
+              <a:rPr lang="en-US" dirty="0"/>
+              <a:t>Rank of </a:t>
+            </a:r>
+            <a:r>
+              <a:rPr lang="en-US" dirty="0" err="1"/>
+              <a:t>SketchyCGM</a:t>
+            </a:r>
+            <a:endParaRPr lang="en-US" dirty="0"/>
+          </a:p>
+        </p:txBody>
+      </p:sp>
+      <p:pic>
+        <p:nvPicPr>
+          <p:cNvPr id="7" name="Content Placeholder 6">
+            <a:extLst>
+              <a:ext uri="{FF2B5EF4-FFF2-40B4-BE49-F238E27FC236}">
+                <a16:creationId xmlns:a16="http://schemas.microsoft.com/office/drawing/2014/main" id="{D8690374-D8D5-4009-875F-85CABD3169B0}"/>
+              </a:ext>
+            </a:extLst>
+          </p:cNvPr>
+          <p:cNvPicPr>
+            <a:picLocks noGrp="1" noChangeAspect="1"/>
+          </p:cNvPicPr>
+          <p:nvPr>
+            <p:ph idx="1"/>
+          </p:nvPr>
+        </p:nvPicPr>
+        <p:blipFill>
+          <a:blip r:embed="rId2">
+            <a:extLst>
+              <a:ext uri="{28A0092B-C50C-407E-A947-70E740481C1C}">
+                <a14:useLocalDpi xmlns:a14="http://schemas.microsoft.com/office/drawing/2010/main" val="0"/>
+              </a:ext>
+            </a:extLst>
+          </a:blip>
+          <a:stretch>
+            <a:fillRect/>
+          </a:stretch>
+        </p:blipFill>
+        <p:spPr>
+          <a:xfrm>
+            <a:off x="3195108" y="1825625"/>
+            <a:ext cx="5801784" cy="4351338"/>
+          </a:xfrm>
+        </p:spPr>
+      </p:pic>
+      <p:sp>
+        <p:nvSpPr>
+          <p:cNvPr id="5" name="Slide Number Placeholder 4">
+            <a:extLst>
+              <a:ext uri="{FF2B5EF4-FFF2-40B4-BE49-F238E27FC236}">
+                <a16:creationId xmlns:a16="http://schemas.microsoft.com/office/drawing/2014/main" id="{B335304D-200E-47B2-A0CF-A46D0ED8F53C}"/>
+              </a:ext>
+            </a:extLst>
+          </p:cNvPr>
+          <p:cNvSpPr>
+            <a:spLocks noGrp="1"/>
+          </p:cNvSpPr>
+          <p:nvPr>
+            <p:ph type="sldNum" sz="quarter" idx="12"/>
+          </p:nvPr>
+        </p:nvSpPr>
+        <p:spPr/>
+        <p:txBody>
+          <a:bodyPr/>
+          <a:lstStyle/>
+          <a:p>
+            <a:fld id="{8768419F-B12D-4364-885F-8014D4800523}" type="slidenum">
+              <a:rPr lang="en-US" smtClean="0"/>
+              <a:t>32</a:t>
+            </a:fld>
+            <a:endParaRPr lang="en-US"/>
+          </a:p>
+        </p:txBody>
+      </p:sp>
+    </p:spTree>
+    <p:extLst>
+      <p:ext uri="{BB962C8B-B14F-4D97-AF65-F5344CB8AC3E}">
+        <p14:creationId xmlns:p14="http://schemas.microsoft.com/office/powerpoint/2010/main" val="1361828357"/>
+      </p:ext>
+    </p:extLst>
+  </p:cSld>
+  <p:clrMapOvr>
+    <a:masterClrMapping/>
+  </p:clrMapOvr>
+</p:sld>
+</file>
+
+<file path=ppt/slides/slide33.xml><?xml version="1.0" encoding="utf-8"?>
+<p:sld xmlns:a="http://schemas.openxmlformats.org/drawingml/2006/main" xmlns:r="http://schemas.openxmlformats.org/officeDocument/2006/relationships" xmlns:p="http://schemas.openxmlformats.org/presentationml/2006/main">
+  <p:cSld>
+    <p:spTree>
+      <p:nvGrpSpPr>
+        <p:cNvPr id="1" name=""/>
+        <p:cNvGrpSpPr/>
+        <p:nvPr/>
+      </p:nvGrpSpPr>
+      <p:grpSpPr>
+        <a:xfrm>
+          <a:off x="0" y="0"/>
+          <a:ext cx="0" cy="0"/>
+          <a:chOff x="0" y="0"/>
+          <a:chExt cx="0" cy="0"/>
+        </a:xfrm>
+      </p:grpSpPr>
+      <p:sp>
+        <p:nvSpPr>
+          <p:cNvPr id="2" name="Title 1">
+            <a:extLst>
+              <a:ext uri="{FF2B5EF4-FFF2-40B4-BE49-F238E27FC236}">
                 <a16:creationId xmlns:a16="http://schemas.microsoft.com/office/drawing/2014/main" id="{6AF7CDA5-DC25-4E1F-99AB-D7D6F0DD8575}"/>
               </a:ext>
             </a:extLst>
@@ -7838,35 +8595,6 @@
       </p:pic>
       <p:sp>
         <p:nvSpPr>
-          <p:cNvPr id="3" name="Date Placeholder 2">
-            <a:extLst>
-              <a:ext uri="{FF2B5EF4-FFF2-40B4-BE49-F238E27FC236}">
-                <a16:creationId xmlns:a16="http://schemas.microsoft.com/office/drawing/2014/main" id="{AF85DC6A-037C-4DC0-A60F-355FA9CFE97D}"/>
-              </a:ext>
-            </a:extLst>
-          </p:cNvPr>
-          <p:cNvSpPr>
-            <a:spLocks noGrp="1"/>
-          </p:cNvSpPr>
-          <p:nvPr>
-            <p:ph type="dt" sz="half" idx="10"/>
-          </p:nvPr>
-        </p:nvSpPr>
-        <p:spPr/>
-        <p:txBody>
-          <a:bodyPr/>
-          <a:lstStyle/>
-          <a:p>
-            <a:fld id="{186734F8-0CBA-4DBF-B794-94BD3EBB3100}" type="datetime1">
-              <a:rPr lang="en-US" smtClean="0"/>
-              <a:t>4/22/2019</a:t>
-            </a:fld>
-            <a:endParaRPr lang="en-US"/>
-          </a:p>
-        </p:txBody>
-      </p:sp>
-      <p:sp>
-        <p:nvSpPr>
           <p:cNvPr id="4" name="Slide Number Placeholder 3">
             <a:extLst>
               <a:ext uri="{FF2B5EF4-FFF2-40B4-BE49-F238E27FC236}">
@@ -7888,7 +8616,7 @@
           <a:p>
             <a:fld id="{8768419F-B12D-4364-885F-8014D4800523}" type="slidenum">
               <a:rPr lang="en-US" smtClean="0"/>
-              <a:t>24</a:t>
+              <a:t>33</a:t>
             </a:fld>
             <a:endParaRPr lang="en-US"/>
           </a:p>
@@ -8088,7 +8816,7 @@
           <a:p>
             <a:r>
               <a:rPr lang="en-US" dirty="0"/>
-              <a:t>Selected rank=50 for </a:t>
+              <a:t>Compared rank of 50 and 100 for </a:t>
             </a:r>
             <a:r>
               <a:rPr lang="en-US" dirty="0" err="1"/>
@@ -8111,7 +8839,7 @@
 </p:sld>
 </file>
 
-<file path=ppt/slides/slide25.xml><?xml version="1.0" encoding="utf-8"?>
+<file path=ppt/slides/slide34.xml><?xml version="1.0" encoding="utf-8"?>
 <p:sld xmlns:a="http://schemas.openxmlformats.org/drawingml/2006/main" xmlns:r="http://schemas.openxmlformats.org/officeDocument/2006/relationships" xmlns:p="http://schemas.openxmlformats.org/presentationml/2006/main">
   <p:cSld>
     <p:spTree>
@@ -8130,114 +8858,345 @@
       </p:grpSpPr>
       <p:sp>
         <p:nvSpPr>
-          <p:cNvPr id="3" name="Content Placeholder 2">
-            <a:extLst>
-              <a:ext uri="{FF2B5EF4-FFF2-40B4-BE49-F238E27FC236}">
-                <a16:creationId xmlns:a16="http://schemas.microsoft.com/office/drawing/2014/main" id="{09272B33-2E29-4843-AA80-7E3A15C522F0}"/>
-              </a:ext>
-            </a:extLst>
-          </p:cNvPr>
-          <p:cNvSpPr>
-            <a:spLocks noGrp="1"/>
-          </p:cNvSpPr>
+          <p:cNvPr id="2" name="Title 1">
+            <a:extLst>
+              <a:ext uri="{FF2B5EF4-FFF2-40B4-BE49-F238E27FC236}">
+                <a16:creationId xmlns:a16="http://schemas.microsoft.com/office/drawing/2014/main" id="{6AF7CDA5-DC25-4E1F-99AB-D7D6F0DD8575}"/>
+              </a:ext>
+            </a:extLst>
+          </p:cNvPr>
+          <p:cNvSpPr>
+            <a:spLocks noGrp="1"/>
+          </p:cNvSpPr>
+          <p:nvPr>
+            <p:ph type="title"/>
+          </p:nvPr>
+        </p:nvSpPr>
+        <p:spPr>
+          <a:xfrm>
+            <a:off x="838200" y="136525"/>
+            <a:ext cx="10515600" cy="1325563"/>
+          </a:xfrm>
+        </p:spPr>
+        <p:txBody>
+          <a:bodyPr/>
+          <a:lstStyle/>
+          <a:p>
+            <a:r>
+              <a:rPr lang="en-US" dirty="0"/>
+              <a:t>Loss Plot</a:t>
+            </a:r>
+          </a:p>
+        </p:txBody>
+      </p:sp>
+      <p:pic>
+        <p:nvPicPr>
+          <p:cNvPr id="6" name="Content Placeholder 5">
+            <a:extLst>
+              <a:ext uri="{FF2B5EF4-FFF2-40B4-BE49-F238E27FC236}">
+                <a16:creationId xmlns:a16="http://schemas.microsoft.com/office/drawing/2014/main" id="{127AA619-C4D6-403D-8211-C75AE9460AAF}"/>
+              </a:ext>
+            </a:extLst>
+          </p:cNvPr>
+          <p:cNvPicPr>
+            <a:picLocks noGrp="1" noChangeAspect="1"/>
+          </p:cNvPicPr>
           <p:nvPr>
             <p:ph idx="1"/>
           </p:nvPr>
+        </p:nvPicPr>
+        <p:blipFill>
+          <a:blip r:embed="rId2">
+            <a:extLst>
+              <a:ext uri="{28A0092B-C50C-407E-A947-70E740481C1C}">
+                <a14:useLocalDpi xmlns:a14="http://schemas.microsoft.com/office/drawing/2010/main" val="0"/>
+              </a:ext>
+            </a:extLst>
+          </a:blip>
+          <a:stretch>
+            <a:fillRect/>
+          </a:stretch>
+        </p:blipFill>
+        <p:spPr>
+          <a:xfrm>
+            <a:off x="543348" y="1690688"/>
+            <a:ext cx="5801784" cy="4351338"/>
+          </a:xfrm>
+        </p:spPr>
+      </p:pic>
+      <p:pic>
+        <p:nvPicPr>
+          <p:cNvPr id="8" name="Picture 7">
+            <a:extLst>
+              <a:ext uri="{FF2B5EF4-FFF2-40B4-BE49-F238E27FC236}">
+                <a16:creationId xmlns:a16="http://schemas.microsoft.com/office/drawing/2014/main" id="{5F89A0E3-BFF3-4962-ACE2-553229DD630C}"/>
+              </a:ext>
+            </a:extLst>
+          </p:cNvPr>
+          <p:cNvPicPr>
+            <a:picLocks noChangeAspect="1"/>
+          </p:cNvPicPr>
+          <p:nvPr/>
+        </p:nvPicPr>
+        <p:blipFill>
+          <a:blip r:embed="rId3">
+            <a:extLst>
+              <a:ext uri="{28A0092B-C50C-407E-A947-70E740481C1C}">
+                <a14:useLocalDpi xmlns:a14="http://schemas.microsoft.com/office/drawing/2010/main" val="0"/>
+              </a:ext>
+            </a:extLst>
+          </a:blip>
+          <a:stretch>
+            <a:fillRect/>
+          </a:stretch>
+        </p:blipFill>
+        <p:spPr>
+          <a:xfrm>
+            <a:off x="6096000" y="1652897"/>
+            <a:ext cx="5852172" cy="4389129"/>
+          </a:xfrm>
+          <a:prstGeom prst="rect">
+            <a:avLst/>
+          </a:prstGeom>
+        </p:spPr>
+      </p:pic>
+      <p:sp>
+        <p:nvSpPr>
+          <p:cNvPr id="4" name="Slide Number Placeholder 3">
+            <a:extLst>
+              <a:ext uri="{FF2B5EF4-FFF2-40B4-BE49-F238E27FC236}">
+                <a16:creationId xmlns:a16="http://schemas.microsoft.com/office/drawing/2014/main" id="{0A68F037-1116-4EF2-AE52-30E9DD9BFE85}"/>
+              </a:ext>
+            </a:extLst>
+          </p:cNvPr>
+          <p:cNvSpPr>
+            <a:spLocks noGrp="1"/>
+          </p:cNvSpPr>
+          <p:nvPr>
+            <p:ph type="sldNum" sz="quarter" idx="12"/>
+          </p:nvPr>
         </p:nvSpPr>
         <p:spPr/>
         <p:txBody>
-          <a:bodyPr>
+          <a:bodyPr/>
+          <a:lstStyle/>
+          <a:p>
+            <a:fld id="{8768419F-B12D-4364-885F-8014D4800523}" type="slidenum">
+              <a:rPr lang="en-US" smtClean="0"/>
+              <a:t>34</a:t>
+            </a:fld>
+            <a:endParaRPr lang="en-US"/>
+          </a:p>
+        </p:txBody>
+      </p:sp>
+      <p:sp>
+        <p:nvSpPr>
+          <p:cNvPr id="7" name="Content Placeholder 2">
+            <a:extLst>
+              <a:ext uri="{FF2B5EF4-FFF2-40B4-BE49-F238E27FC236}">
+                <a16:creationId xmlns:a16="http://schemas.microsoft.com/office/drawing/2014/main" id="{5799892F-541C-41CF-85DB-6DF6F7C35E53}"/>
+              </a:ext>
+            </a:extLst>
+          </p:cNvPr>
+          <p:cNvSpPr txBox="1">
+            <a:spLocks/>
+          </p:cNvSpPr>
+          <p:nvPr/>
+        </p:nvSpPr>
+        <p:spPr>
+          <a:xfrm>
+            <a:off x="838200" y="1338573"/>
+            <a:ext cx="10515600" cy="4351338"/>
+          </a:xfrm>
+          <a:prstGeom prst="rect">
+            <a:avLst/>
+          </a:prstGeom>
+        </p:spPr>
+        <p:txBody>
+          <a:bodyPr vert="horz" lIns="91440" tIns="45720" rIns="91440" bIns="45720" rtlCol="0">
             <a:normAutofit/>
           </a:bodyPr>
-          <a:lstStyle/>
-          <a:p>
-            <a:pPr marL="0" indent="0">
-              <a:buNone/>
-            </a:pPr>
-            <a:endParaRPr lang="en-US" sz="5400" dirty="0"/>
-          </a:p>
-          <a:p>
-            <a:pPr marL="0" indent="0" algn="ctr">
-              <a:buNone/>
-            </a:pPr>
-            <a:r>
-              <a:rPr lang="en-US" sz="5400" dirty="0"/>
-              <a:t>Questions?</a:t>
-            </a:r>
-          </a:p>
-          <a:p>
-            <a:pPr marL="0" indent="0" algn="ctr">
-              <a:buNone/>
-            </a:pPr>
-            <a:r>
-              <a:rPr lang="en-US" sz="5400" dirty="0"/>
-              <a:t>Thank You</a:t>
-            </a:r>
-          </a:p>
-        </p:txBody>
-      </p:sp>
-      <p:sp>
-        <p:nvSpPr>
-          <p:cNvPr id="2" name="Date Placeholder 1">
-            <a:extLst>
-              <a:ext uri="{FF2B5EF4-FFF2-40B4-BE49-F238E27FC236}">
-                <a16:creationId xmlns:a16="http://schemas.microsoft.com/office/drawing/2014/main" id="{27C3A7C0-4458-4FA1-A360-EBC6E8C9B449}"/>
-              </a:ext>
-            </a:extLst>
-          </p:cNvPr>
-          <p:cNvSpPr>
-            <a:spLocks noGrp="1"/>
-          </p:cNvSpPr>
-          <p:nvPr>
-            <p:ph type="dt" sz="half" idx="10"/>
-          </p:nvPr>
-        </p:nvSpPr>
-        <p:spPr/>
-        <p:txBody>
-          <a:bodyPr/>
-          <a:lstStyle/>
-          <a:p>
-            <a:fld id="{A9B9E0DD-318A-4247-86B4-73CE77EE7F62}" type="datetime1">
-              <a:rPr lang="en-US" smtClean="0"/>
-              <a:t>4/22/2019</a:t>
-            </a:fld>
-            <a:endParaRPr lang="en-US"/>
-          </a:p>
-        </p:txBody>
-      </p:sp>
-      <p:sp>
-        <p:nvSpPr>
-          <p:cNvPr id="4" name="Slide Number Placeholder 3">
-            <a:extLst>
-              <a:ext uri="{FF2B5EF4-FFF2-40B4-BE49-F238E27FC236}">
-                <a16:creationId xmlns:a16="http://schemas.microsoft.com/office/drawing/2014/main" id="{A119FFE4-1464-40E9-ACEB-F1A6E3253CDE}"/>
-              </a:ext>
-            </a:extLst>
-          </p:cNvPr>
-          <p:cNvSpPr>
-            <a:spLocks noGrp="1"/>
-          </p:cNvSpPr>
-          <p:nvPr>
-            <p:ph type="sldNum" sz="quarter" idx="12"/>
-          </p:nvPr>
-        </p:nvSpPr>
-        <p:spPr/>
-        <p:txBody>
-          <a:bodyPr/>
-          <a:lstStyle/>
-          <a:p>
-            <a:fld id="{8768419F-B12D-4364-885F-8014D4800523}" type="slidenum">
-              <a:rPr lang="en-US" smtClean="0"/>
-              <a:t>25</a:t>
-            </a:fld>
-            <a:endParaRPr lang="en-US"/>
+          <a:lstStyle>
+            <a:lvl1pPr marL="228600" indent="-228600" algn="l" defTabSz="914400" rtl="0" eaLnBrk="1" latinLnBrk="0" hangingPunct="1">
+              <a:lnSpc>
+                <a:spcPct val="90000"/>
+              </a:lnSpc>
+              <a:spcBef>
+                <a:spcPts val="1000"/>
+              </a:spcBef>
+              <a:buFont typeface="Arial" panose="020B0604020202020204" pitchFamily="34" charset="0"/>
+              <a:buChar char="•"/>
+              <a:defRPr sz="2800" kern="1200">
+                <a:solidFill>
+                  <a:schemeClr val="tx1"/>
+                </a:solidFill>
+                <a:latin typeface="+mn-lt"/>
+                <a:ea typeface="+mn-ea"/>
+                <a:cs typeface="+mn-cs"/>
+              </a:defRPr>
+            </a:lvl1pPr>
+            <a:lvl2pPr marL="685800" indent="-228600" algn="l" defTabSz="914400" rtl="0" eaLnBrk="1" latinLnBrk="0" hangingPunct="1">
+              <a:lnSpc>
+                <a:spcPct val="90000"/>
+              </a:lnSpc>
+              <a:spcBef>
+                <a:spcPts val="500"/>
+              </a:spcBef>
+              <a:buFont typeface="Arial" panose="020B0604020202020204" pitchFamily="34" charset="0"/>
+              <a:buChar char="•"/>
+              <a:defRPr sz="2400" kern="1200">
+                <a:solidFill>
+                  <a:schemeClr val="tx1"/>
+                </a:solidFill>
+                <a:latin typeface="+mn-lt"/>
+                <a:ea typeface="+mn-ea"/>
+                <a:cs typeface="+mn-cs"/>
+              </a:defRPr>
+            </a:lvl2pPr>
+            <a:lvl3pPr marL="1143000" indent="-228600" algn="l" defTabSz="914400" rtl="0" eaLnBrk="1" latinLnBrk="0" hangingPunct="1">
+              <a:lnSpc>
+                <a:spcPct val="90000"/>
+              </a:lnSpc>
+              <a:spcBef>
+                <a:spcPts val="500"/>
+              </a:spcBef>
+              <a:buFont typeface="Arial" panose="020B0604020202020204" pitchFamily="34" charset="0"/>
+              <a:buChar char="•"/>
+              <a:defRPr sz="2000" kern="1200">
+                <a:solidFill>
+                  <a:schemeClr val="tx1"/>
+                </a:solidFill>
+                <a:latin typeface="+mn-lt"/>
+                <a:ea typeface="+mn-ea"/>
+                <a:cs typeface="+mn-cs"/>
+              </a:defRPr>
+            </a:lvl3pPr>
+            <a:lvl4pPr marL="1600200" indent="-228600" algn="l" defTabSz="914400" rtl="0" eaLnBrk="1" latinLnBrk="0" hangingPunct="1">
+              <a:lnSpc>
+                <a:spcPct val="90000"/>
+              </a:lnSpc>
+              <a:spcBef>
+                <a:spcPts val="500"/>
+              </a:spcBef>
+              <a:buFont typeface="Arial" panose="020B0604020202020204" pitchFamily="34" charset="0"/>
+              <a:buChar char="•"/>
+              <a:defRPr sz="1800" kern="1200">
+                <a:solidFill>
+                  <a:schemeClr val="tx1"/>
+                </a:solidFill>
+                <a:latin typeface="+mn-lt"/>
+                <a:ea typeface="+mn-ea"/>
+                <a:cs typeface="+mn-cs"/>
+              </a:defRPr>
+            </a:lvl4pPr>
+            <a:lvl5pPr marL="2057400" indent="-228600" algn="l" defTabSz="914400" rtl="0" eaLnBrk="1" latinLnBrk="0" hangingPunct="1">
+              <a:lnSpc>
+                <a:spcPct val="90000"/>
+              </a:lnSpc>
+              <a:spcBef>
+                <a:spcPts val="500"/>
+              </a:spcBef>
+              <a:buFont typeface="Arial" panose="020B0604020202020204" pitchFamily="34" charset="0"/>
+              <a:buChar char="•"/>
+              <a:defRPr sz="1800" kern="1200">
+                <a:solidFill>
+                  <a:schemeClr val="tx1"/>
+                </a:solidFill>
+                <a:latin typeface="+mn-lt"/>
+                <a:ea typeface="+mn-ea"/>
+                <a:cs typeface="+mn-cs"/>
+              </a:defRPr>
+            </a:lvl5pPr>
+            <a:lvl6pPr marL="2514600" indent="-228600" algn="l" defTabSz="914400" rtl="0" eaLnBrk="1" latinLnBrk="0" hangingPunct="1">
+              <a:lnSpc>
+                <a:spcPct val="90000"/>
+              </a:lnSpc>
+              <a:spcBef>
+                <a:spcPts val="500"/>
+              </a:spcBef>
+              <a:buFont typeface="Arial" panose="020B0604020202020204" pitchFamily="34" charset="0"/>
+              <a:buChar char="•"/>
+              <a:defRPr sz="1800" kern="1200">
+                <a:solidFill>
+                  <a:schemeClr val="tx1"/>
+                </a:solidFill>
+                <a:latin typeface="+mn-lt"/>
+                <a:ea typeface="+mn-ea"/>
+                <a:cs typeface="+mn-cs"/>
+              </a:defRPr>
+            </a:lvl6pPr>
+            <a:lvl7pPr marL="2971800" indent="-228600" algn="l" defTabSz="914400" rtl="0" eaLnBrk="1" latinLnBrk="0" hangingPunct="1">
+              <a:lnSpc>
+                <a:spcPct val="90000"/>
+              </a:lnSpc>
+              <a:spcBef>
+                <a:spcPts val="500"/>
+              </a:spcBef>
+              <a:buFont typeface="Arial" panose="020B0604020202020204" pitchFamily="34" charset="0"/>
+              <a:buChar char="•"/>
+              <a:defRPr sz="1800" kern="1200">
+                <a:solidFill>
+                  <a:schemeClr val="tx1"/>
+                </a:solidFill>
+                <a:latin typeface="+mn-lt"/>
+                <a:ea typeface="+mn-ea"/>
+                <a:cs typeface="+mn-cs"/>
+              </a:defRPr>
+            </a:lvl7pPr>
+            <a:lvl8pPr marL="3429000" indent="-228600" algn="l" defTabSz="914400" rtl="0" eaLnBrk="1" latinLnBrk="0" hangingPunct="1">
+              <a:lnSpc>
+                <a:spcPct val="90000"/>
+              </a:lnSpc>
+              <a:spcBef>
+                <a:spcPts val="500"/>
+              </a:spcBef>
+              <a:buFont typeface="Arial" panose="020B0604020202020204" pitchFamily="34" charset="0"/>
+              <a:buChar char="•"/>
+              <a:defRPr sz="1800" kern="1200">
+                <a:solidFill>
+                  <a:schemeClr val="tx1"/>
+                </a:solidFill>
+                <a:latin typeface="+mn-lt"/>
+                <a:ea typeface="+mn-ea"/>
+                <a:cs typeface="+mn-cs"/>
+              </a:defRPr>
+            </a:lvl8pPr>
+            <a:lvl9pPr marL="3886200" indent="-228600" algn="l" defTabSz="914400" rtl="0" eaLnBrk="1" latinLnBrk="0" hangingPunct="1">
+              <a:lnSpc>
+                <a:spcPct val="90000"/>
+              </a:lnSpc>
+              <a:spcBef>
+                <a:spcPts val="500"/>
+              </a:spcBef>
+              <a:buFont typeface="Arial" panose="020B0604020202020204" pitchFamily="34" charset="0"/>
+              <a:buChar char="•"/>
+              <a:defRPr sz="1800" kern="1200">
+                <a:solidFill>
+                  <a:schemeClr val="tx1"/>
+                </a:solidFill>
+                <a:latin typeface="+mn-lt"/>
+                <a:ea typeface="+mn-ea"/>
+                <a:cs typeface="+mn-cs"/>
+              </a:defRPr>
+            </a:lvl9pPr>
+          </a:lstStyle>
+          <a:p>
+            <a:r>
+              <a:rPr lang="en-US" dirty="0"/>
+              <a:t>Compared rank of 50 and 100 for </a:t>
+            </a:r>
+            <a:r>
+              <a:rPr lang="en-US" dirty="0" err="1"/>
+              <a:t>SketchyCGM</a:t>
+            </a:r>
+            <a:endParaRPr lang="en-US" dirty="0"/>
           </a:p>
         </p:txBody>
       </p:sp>
     </p:spTree>
     <p:extLst>
       <p:ext uri="{BB962C8B-B14F-4D97-AF65-F5344CB8AC3E}">
-        <p14:creationId xmlns:p14="http://schemas.microsoft.com/office/powerpoint/2010/main" val="1748696223"/>
+        <p14:creationId xmlns:p14="http://schemas.microsoft.com/office/powerpoint/2010/main" val="2979640046"/>
       </p:ext>
     </p:extLst>
   </p:cSld>
@@ -8247,7 +9206,7 @@
 </p:sld>
 </file>
 
-<file path=ppt/slides/slide3.xml><?xml version="1.0" encoding="utf-8"?>
+<file path=ppt/slides/slide35.xml><?xml version="1.0" encoding="utf-8"?>
 <p:sld xmlns:a="http://schemas.openxmlformats.org/drawingml/2006/main" xmlns:r="http://schemas.openxmlformats.org/officeDocument/2006/relationships" xmlns:p="http://schemas.openxmlformats.org/presentationml/2006/main">
   <p:cSld>
     <p:spTree>
@@ -8266,10 +9225,516 @@
       </p:grpSpPr>
       <p:sp>
         <p:nvSpPr>
+          <p:cNvPr id="2" name="Title 1">
+            <a:extLst>
+              <a:ext uri="{FF2B5EF4-FFF2-40B4-BE49-F238E27FC236}">
+                <a16:creationId xmlns:a16="http://schemas.microsoft.com/office/drawing/2014/main" id="{6AF7CDA5-DC25-4E1F-99AB-D7D6F0DD8575}"/>
+              </a:ext>
+            </a:extLst>
+          </p:cNvPr>
+          <p:cNvSpPr>
+            <a:spLocks noGrp="1"/>
+          </p:cNvSpPr>
+          <p:nvPr>
+            <p:ph type="title"/>
+          </p:nvPr>
+        </p:nvSpPr>
+        <p:spPr>
+          <a:xfrm>
+            <a:off x="838200" y="136525"/>
+            <a:ext cx="10515600" cy="1325563"/>
+          </a:xfrm>
+        </p:spPr>
+        <p:txBody>
+          <a:bodyPr/>
+          <a:lstStyle/>
+          <a:p>
+            <a:r>
+              <a:rPr lang="en-US" dirty="0"/>
+              <a:t>Error Plot</a:t>
+            </a:r>
+          </a:p>
+        </p:txBody>
+      </p:sp>
+      <p:pic>
+        <p:nvPicPr>
+          <p:cNvPr id="6" name="Content Placeholder 5">
+            <a:extLst>
+              <a:ext uri="{FF2B5EF4-FFF2-40B4-BE49-F238E27FC236}">
+                <a16:creationId xmlns:a16="http://schemas.microsoft.com/office/drawing/2014/main" id="{127AA619-C4D6-403D-8211-C75AE9460AAF}"/>
+              </a:ext>
+            </a:extLst>
+          </p:cNvPr>
+          <p:cNvPicPr>
+            <a:picLocks noGrp="1" noChangeAspect="1"/>
+          </p:cNvPicPr>
+          <p:nvPr>
+            <p:ph idx="1"/>
+          </p:nvPr>
+        </p:nvPicPr>
+        <p:blipFill>
+          <a:blip r:embed="rId2">
+            <a:extLst>
+              <a:ext uri="{28A0092B-C50C-407E-A947-70E740481C1C}">
+                <a14:useLocalDpi xmlns:a14="http://schemas.microsoft.com/office/drawing/2010/main" val="0"/>
+              </a:ext>
+            </a:extLst>
+          </a:blip>
+          <a:stretch>
+            <a:fillRect/>
+          </a:stretch>
+        </p:blipFill>
+        <p:spPr>
+          <a:xfrm>
+            <a:off x="543348" y="1690688"/>
+            <a:ext cx="5801784" cy="4351338"/>
+          </a:xfrm>
+        </p:spPr>
+      </p:pic>
+      <p:pic>
+        <p:nvPicPr>
+          <p:cNvPr id="8" name="Picture 7">
+            <a:extLst>
+              <a:ext uri="{FF2B5EF4-FFF2-40B4-BE49-F238E27FC236}">
+                <a16:creationId xmlns:a16="http://schemas.microsoft.com/office/drawing/2014/main" id="{5F89A0E3-BFF3-4962-ACE2-553229DD630C}"/>
+              </a:ext>
+            </a:extLst>
+          </p:cNvPr>
+          <p:cNvPicPr>
+            <a:picLocks noChangeAspect="1"/>
+          </p:cNvPicPr>
+          <p:nvPr/>
+        </p:nvPicPr>
+        <p:blipFill>
+          <a:blip r:embed="rId3">
+            <a:extLst>
+              <a:ext uri="{28A0092B-C50C-407E-A947-70E740481C1C}">
+                <a14:useLocalDpi xmlns:a14="http://schemas.microsoft.com/office/drawing/2010/main" val="0"/>
+              </a:ext>
+            </a:extLst>
+          </a:blip>
+          <a:stretch>
+            <a:fillRect/>
+          </a:stretch>
+        </p:blipFill>
+        <p:spPr>
+          <a:xfrm>
+            <a:off x="6096000" y="1652897"/>
+            <a:ext cx="5852172" cy="4389129"/>
+          </a:xfrm>
+          <a:prstGeom prst="rect">
+            <a:avLst/>
+          </a:prstGeom>
+        </p:spPr>
+      </p:pic>
+      <p:sp>
+        <p:nvSpPr>
+          <p:cNvPr id="4" name="Slide Number Placeholder 3">
+            <a:extLst>
+              <a:ext uri="{FF2B5EF4-FFF2-40B4-BE49-F238E27FC236}">
+                <a16:creationId xmlns:a16="http://schemas.microsoft.com/office/drawing/2014/main" id="{0A68F037-1116-4EF2-AE52-30E9DD9BFE85}"/>
+              </a:ext>
+            </a:extLst>
+          </p:cNvPr>
+          <p:cNvSpPr>
+            <a:spLocks noGrp="1"/>
+          </p:cNvSpPr>
+          <p:nvPr>
+            <p:ph type="sldNum" sz="quarter" idx="12"/>
+          </p:nvPr>
+        </p:nvSpPr>
+        <p:spPr/>
+        <p:txBody>
+          <a:bodyPr/>
+          <a:lstStyle/>
+          <a:p>
+            <a:fld id="{8768419F-B12D-4364-885F-8014D4800523}" type="slidenum">
+              <a:rPr lang="en-US" smtClean="0"/>
+              <a:t>35</a:t>
+            </a:fld>
+            <a:endParaRPr lang="en-US"/>
+          </a:p>
+        </p:txBody>
+      </p:sp>
+      <p:sp>
+        <p:nvSpPr>
+          <p:cNvPr id="7" name="Content Placeholder 2">
+            <a:extLst>
+              <a:ext uri="{FF2B5EF4-FFF2-40B4-BE49-F238E27FC236}">
+                <a16:creationId xmlns:a16="http://schemas.microsoft.com/office/drawing/2014/main" id="{5799892F-541C-41CF-85DB-6DF6F7C35E53}"/>
+              </a:ext>
+            </a:extLst>
+          </p:cNvPr>
+          <p:cNvSpPr txBox="1">
+            <a:spLocks/>
+          </p:cNvSpPr>
+          <p:nvPr/>
+        </p:nvSpPr>
+        <p:spPr>
+          <a:xfrm>
+            <a:off x="838200" y="1338573"/>
+            <a:ext cx="10515600" cy="4351338"/>
+          </a:xfrm>
+          <a:prstGeom prst="rect">
+            <a:avLst/>
+          </a:prstGeom>
+        </p:spPr>
+        <p:txBody>
+          <a:bodyPr vert="horz" lIns="91440" tIns="45720" rIns="91440" bIns="45720" rtlCol="0">
+            <a:normAutofit/>
+          </a:bodyPr>
+          <a:lstStyle>
+            <a:lvl1pPr marL="228600" indent="-228600" algn="l" defTabSz="914400" rtl="0" eaLnBrk="1" latinLnBrk="0" hangingPunct="1">
+              <a:lnSpc>
+                <a:spcPct val="90000"/>
+              </a:lnSpc>
+              <a:spcBef>
+                <a:spcPts val="1000"/>
+              </a:spcBef>
+              <a:buFont typeface="Arial" panose="020B0604020202020204" pitchFamily="34" charset="0"/>
+              <a:buChar char="•"/>
+              <a:defRPr sz="2800" kern="1200">
+                <a:solidFill>
+                  <a:schemeClr val="tx1"/>
+                </a:solidFill>
+                <a:latin typeface="+mn-lt"/>
+                <a:ea typeface="+mn-ea"/>
+                <a:cs typeface="+mn-cs"/>
+              </a:defRPr>
+            </a:lvl1pPr>
+            <a:lvl2pPr marL="685800" indent="-228600" algn="l" defTabSz="914400" rtl="0" eaLnBrk="1" latinLnBrk="0" hangingPunct="1">
+              <a:lnSpc>
+                <a:spcPct val="90000"/>
+              </a:lnSpc>
+              <a:spcBef>
+                <a:spcPts val="500"/>
+              </a:spcBef>
+              <a:buFont typeface="Arial" panose="020B0604020202020204" pitchFamily="34" charset="0"/>
+              <a:buChar char="•"/>
+              <a:defRPr sz="2400" kern="1200">
+                <a:solidFill>
+                  <a:schemeClr val="tx1"/>
+                </a:solidFill>
+                <a:latin typeface="+mn-lt"/>
+                <a:ea typeface="+mn-ea"/>
+                <a:cs typeface="+mn-cs"/>
+              </a:defRPr>
+            </a:lvl2pPr>
+            <a:lvl3pPr marL="1143000" indent="-228600" algn="l" defTabSz="914400" rtl="0" eaLnBrk="1" latinLnBrk="0" hangingPunct="1">
+              <a:lnSpc>
+                <a:spcPct val="90000"/>
+              </a:lnSpc>
+              <a:spcBef>
+                <a:spcPts val="500"/>
+              </a:spcBef>
+              <a:buFont typeface="Arial" panose="020B0604020202020204" pitchFamily="34" charset="0"/>
+              <a:buChar char="•"/>
+              <a:defRPr sz="2000" kern="1200">
+                <a:solidFill>
+                  <a:schemeClr val="tx1"/>
+                </a:solidFill>
+                <a:latin typeface="+mn-lt"/>
+                <a:ea typeface="+mn-ea"/>
+                <a:cs typeface="+mn-cs"/>
+              </a:defRPr>
+            </a:lvl3pPr>
+            <a:lvl4pPr marL="1600200" indent="-228600" algn="l" defTabSz="914400" rtl="0" eaLnBrk="1" latinLnBrk="0" hangingPunct="1">
+              <a:lnSpc>
+                <a:spcPct val="90000"/>
+              </a:lnSpc>
+              <a:spcBef>
+                <a:spcPts val="500"/>
+              </a:spcBef>
+              <a:buFont typeface="Arial" panose="020B0604020202020204" pitchFamily="34" charset="0"/>
+              <a:buChar char="•"/>
+              <a:defRPr sz="1800" kern="1200">
+                <a:solidFill>
+                  <a:schemeClr val="tx1"/>
+                </a:solidFill>
+                <a:latin typeface="+mn-lt"/>
+                <a:ea typeface="+mn-ea"/>
+                <a:cs typeface="+mn-cs"/>
+              </a:defRPr>
+            </a:lvl4pPr>
+            <a:lvl5pPr marL="2057400" indent="-228600" algn="l" defTabSz="914400" rtl="0" eaLnBrk="1" latinLnBrk="0" hangingPunct="1">
+              <a:lnSpc>
+                <a:spcPct val="90000"/>
+              </a:lnSpc>
+              <a:spcBef>
+                <a:spcPts val="500"/>
+              </a:spcBef>
+              <a:buFont typeface="Arial" panose="020B0604020202020204" pitchFamily="34" charset="0"/>
+              <a:buChar char="•"/>
+              <a:defRPr sz="1800" kern="1200">
+                <a:solidFill>
+                  <a:schemeClr val="tx1"/>
+                </a:solidFill>
+                <a:latin typeface="+mn-lt"/>
+                <a:ea typeface="+mn-ea"/>
+                <a:cs typeface="+mn-cs"/>
+              </a:defRPr>
+            </a:lvl5pPr>
+            <a:lvl6pPr marL="2514600" indent="-228600" algn="l" defTabSz="914400" rtl="0" eaLnBrk="1" latinLnBrk="0" hangingPunct="1">
+              <a:lnSpc>
+                <a:spcPct val="90000"/>
+              </a:lnSpc>
+              <a:spcBef>
+                <a:spcPts val="500"/>
+              </a:spcBef>
+              <a:buFont typeface="Arial" panose="020B0604020202020204" pitchFamily="34" charset="0"/>
+              <a:buChar char="•"/>
+              <a:defRPr sz="1800" kern="1200">
+                <a:solidFill>
+                  <a:schemeClr val="tx1"/>
+                </a:solidFill>
+                <a:latin typeface="+mn-lt"/>
+                <a:ea typeface="+mn-ea"/>
+                <a:cs typeface="+mn-cs"/>
+              </a:defRPr>
+            </a:lvl6pPr>
+            <a:lvl7pPr marL="2971800" indent="-228600" algn="l" defTabSz="914400" rtl="0" eaLnBrk="1" latinLnBrk="0" hangingPunct="1">
+              <a:lnSpc>
+                <a:spcPct val="90000"/>
+              </a:lnSpc>
+              <a:spcBef>
+                <a:spcPts val="500"/>
+              </a:spcBef>
+              <a:buFont typeface="Arial" panose="020B0604020202020204" pitchFamily="34" charset="0"/>
+              <a:buChar char="•"/>
+              <a:defRPr sz="1800" kern="1200">
+                <a:solidFill>
+                  <a:schemeClr val="tx1"/>
+                </a:solidFill>
+                <a:latin typeface="+mn-lt"/>
+                <a:ea typeface="+mn-ea"/>
+                <a:cs typeface="+mn-cs"/>
+              </a:defRPr>
+            </a:lvl7pPr>
+            <a:lvl8pPr marL="3429000" indent="-228600" algn="l" defTabSz="914400" rtl="0" eaLnBrk="1" latinLnBrk="0" hangingPunct="1">
+              <a:lnSpc>
+                <a:spcPct val="90000"/>
+              </a:lnSpc>
+              <a:spcBef>
+                <a:spcPts val="500"/>
+              </a:spcBef>
+              <a:buFont typeface="Arial" panose="020B0604020202020204" pitchFamily="34" charset="0"/>
+              <a:buChar char="•"/>
+              <a:defRPr sz="1800" kern="1200">
+                <a:solidFill>
+                  <a:schemeClr val="tx1"/>
+                </a:solidFill>
+                <a:latin typeface="+mn-lt"/>
+                <a:ea typeface="+mn-ea"/>
+                <a:cs typeface="+mn-cs"/>
+              </a:defRPr>
+            </a:lvl8pPr>
+            <a:lvl9pPr marL="3886200" indent="-228600" algn="l" defTabSz="914400" rtl="0" eaLnBrk="1" latinLnBrk="0" hangingPunct="1">
+              <a:lnSpc>
+                <a:spcPct val="90000"/>
+              </a:lnSpc>
+              <a:spcBef>
+                <a:spcPts val="500"/>
+              </a:spcBef>
+              <a:buFont typeface="Arial" panose="020B0604020202020204" pitchFamily="34" charset="0"/>
+              <a:buChar char="•"/>
+              <a:defRPr sz="1800" kern="1200">
+                <a:solidFill>
+                  <a:schemeClr val="tx1"/>
+                </a:solidFill>
+                <a:latin typeface="+mn-lt"/>
+                <a:ea typeface="+mn-ea"/>
+                <a:cs typeface="+mn-cs"/>
+              </a:defRPr>
+            </a:lvl9pPr>
+          </a:lstStyle>
+          <a:p>
+            <a:r>
+              <a:rPr lang="en-US" dirty="0"/>
+              <a:t>Compared rank of 50 and 100 for </a:t>
+            </a:r>
+            <a:r>
+              <a:rPr lang="en-US" dirty="0" err="1"/>
+              <a:t>SketchyCGM</a:t>
+            </a:r>
+            <a:endParaRPr lang="en-US" dirty="0"/>
+          </a:p>
+        </p:txBody>
+      </p:sp>
+    </p:spTree>
+    <p:extLst>
+      <p:ext uri="{BB962C8B-B14F-4D97-AF65-F5344CB8AC3E}">
+        <p14:creationId xmlns:p14="http://schemas.microsoft.com/office/powerpoint/2010/main" val="2444597115"/>
+      </p:ext>
+    </p:extLst>
+  </p:cSld>
+  <p:clrMapOvr>
+    <a:masterClrMapping/>
+  </p:clrMapOvr>
+</p:sld>
+</file>
+
+<file path=ppt/slides/slide36.xml><?xml version="1.0" encoding="utf-8"?>
+<p:sld xmlns:a="http://schemas.openxmlformats.org/drawingml/2006/main" xmlns:r="http://schemas.openxmlformats.org/officeDocument/2006/relationships" xmlns:p="http://schemas.openxmlformats.org/presentationml/2006/main">
+  <p:cSld>
+    <p:spTree>
+      <p:nvGrpSpPr>
+        <p:cNvPr id="1" name=""/>
+        <p:cNvGrpSpPr/>
+        <p:nvPr/>
+      </p:nvGrpSpPr>
+      <p:grpSpPr>
+        <a:xfrm>
+          <a:off x="0" y="0"/>
+          <a:ext cx="0" cy="0"/>
+          <a:chOff x="0" y="0"/>
+          <a:chExt cx="0" cy="0"/>
+        </a:xfrm>
+      </p:grpSpPr>
+      <p:sp>
+        <p:nvSpPr>
+          <p:cNvPr id="2" name="Title 1">
+            <a:extLst>
+              <a:ext uri="{FF2B5EF4-FFF2-40B4-BE49-F238E27FC236}">
+                <a16:creationId xmlns:a16="http://schemas.microsoft.com/office/drawing/2014/main" id="{C5E4D18A-4D7B-4E86-807F-C873E477CE01}"/>
+              </a:ext>
+            </a:extLst>
+          </p:cNvPr>
+          <p:cNvSpPr>
+            <a:spLocks noGrp="1"/>
+          </p:cNvSpPr>
+          <p:nvPr>
+            <p:ph type="title"/>
+          </p:nvPr>
+        </p:nvSpPr>
+        <p:spPr/>
+        <p:txBody>
+          <a:bodyPr/>
+          <a:lstStyle/>
+          <a:p>
+            <a:r>
+              <a:rPr lang="en-US" dirty="0"/>
+              <a:t>Conclusion</a:t>
+            </a:r>
+          </a:p>
+        </p:txBody>
+      </p:sp>
+      <p:sp>
+        <p:nvSpPr>
           <p:cNvPr id="3" name="Content Placeholder 2">
             <a:extLst>
               <a:ext uri="{FF2B5EF4-FFF2-40B4-BE49-F238E27FC236}">
-                <a16:creationId xmlns:a16="http://schemas.microsoft.com/office/drawing/2014/main" id="{8A355E5E-BF89-4D9E-83C1-D499F06B0900}"/>
+                <a16:creationId xmlns:a16="http://schemas.microsoft.com/office/drawing/2014/main" id="{6AB62AEF-C0DB-4CB3-9538-C1C784C34FCB}"/>
+              </a:ext>
+            </a:extLst>
+          </p:cNvPr>
+          <p:cNvSpPr>
+            <a:spLocks noGrp="1"/>
+          </p:cNvSpPr>
+          <p:nvPr>
+            <p:ph idx="1"/>
+          </p:nvPr>
+        </p:nvSpPr>
+        <p:spPr/>
+        <p:txBody>
+          <a:bodyPr/>
+          <a:lstStyle/>
+          <a:p>
+            <a:r>
+              <a:rPr lang="en-US" dirty="0" err="1"/>
+              <a:t>SketchyCGM</a:t>
+            </a:r>
+            <a:r>
+              <a:rPr lang="en-US" dirty="0"/>
+              <a:t> provides an optimal storage algorithm for convex matrix optimization problems</a:t>
+            </a:r>
+          </a:p>
+          <a:p>
+            <a:r>
+              <a:rPr lang="en-US" dirty="0"/>
+              <a:t>This method can obtain a solution close to the CGM method without storing the full matrix at each iteration</a:t>
+            </a:r>
+          </a:p>
+          <a:p>
+            <a:r>
+              <a:rPr lang="en-US" dirty="0"/>
+              <a:t>If the solution matrix is exactly low rank then, </a:t>
+            </a:r>
+            <a:r>
+              <a:rPr lang="en-US" dirty="0" err="1"/>
+              <a:t>SketchyCGM</a:t>
+            </a:r>
+            <a:r>
+              <a:rPr lang="en-US" dirty="0"/>
+              <a:t> solution will be equal to the CGM solution</a:t>
+            </a:r>
+          </a:p>
+        </p:txBody>
+      </p:sp>
+      <p:sp>
+        <p:nvSpPr>
+          <p:cNvPr id="5" name="Slide Number Placeholder 4">
+            <a:extLst>
+              <a:ext uri="{FF2B5EF4-FFF2-40B4-BE49-F238E27FC236}">
+                <a16:creationId xmlns:a16="http://schemas.microsoft.com/office/drawing/2014/main" id="{ECF47183-90EE-4E5E-BBE4-C15E0A8FFFDC}"/>
+              </a:ext>
+            </a:extLst>
+          </p:cNvPr>
+          <p:cNvSpPr>
+            <a:spLocks noGrp="1"/>
+          </p:cNvSpPr>
+          <p:nvPr>
+            <p:ph type="sldNum" sz="quarter" idx="12"/>
+          </p:nvPr>
+        </p:nvSpPr>
+        <p:spPr/>
+        <p:txBody>
+          <a:bodyPr/>
+          <a:lstStyle/>
+          <a:p>
+            <a:fld id="{8768419F-B12D-4364-885F-8014D4800523}" type="slidenum">
+              <a:rPr lang="en-US" smtClean="0"/>
+              <a:t>36</a:t>
+            </a:fld>
+            <a:endParaRPr lang="en-US"/>
+          </a:p>
+        </p:txBody>
+      </p:sp>
+    </p:spTree>
+    <p:extLst>
+      <p:ext uri="{BB962C8B-B14F-4D97-AF65-F5344CB8AC3E}">
+        <p14:creationId xmlns:p14="http://schemas.microsoft.com/office/powerpoint/2010/main" val="2857982800"/>
+      </p:ext>
+    </p:extLst>
+  </p:cSld>
+  <p:clrMapOvr>
+    <a:masterClrMapping/>
+  </p:clrMapOvr>
+</p:sld>
+</file>
+
+<file path=ppt/slides/slide37.xml><?xml version="1.0" encoding="utf-8"?>
+<p:sld xmlns:a="http://schemas.openxmlformats.org/drawingml/2006/main" xmlns:r="http://schemas.openxmlformats.org/officeDocument/2006/relationships" xmlns:p="http://schemas.openxmlformats.org/presentationml/2006/main">
+  <p:cSld>
+    <p:spTree>
+      <p:nvGrpSpPr>
+        <p:cNvPr id="1" name=""/>
+        <p:cNvGrpSpPr/>
+        <p:nvPr/>
+      </p:nvGrpSpPr>
+      <p:grpSpPr>
+        <a:xfrm>
+          <a:off x="0" y="0"/>
+          <a:ext cx="0" cy="0"/>
+          <a:chOff x="0" y="0"/>
+          <a:chExt cx="0" cy="0"/>
+        </a:xfrm>
+      </p:grpSpPr>
+      <p:sp>
+        <p:nvSpPr>
+          <p:cNvPr id="3" name="Content Placeholder 2">
+            <a:extLst>
+              <a:ext uri="{FF2B5EF4-FFF2-40B4-BE49-F238E27FC236}">
+                <a16:creationId xmlns:a16="http://schemas.microsoft.com/office/drawing/2014/main" id="{09272B33-2E29-4843-AA80-7E3A15C522F0}"/>
               </a:ext>
             </a:extLst>
           </p:cNvPr>
@@ -8298,37 +9763,17 @@
             </a:pPr>
             <a:r>
               <a:rPr lang="en-US" sz="5400" dirty="0"/>
-              <a:t>Theory</a:t>
-            </a:r>
-          </a:p>
-        </p:txBody>
-      </p:sp>
-      <p:sp>
-        <p:nvSpPr>
-          <p:cNvPr id="2" name="Date Placeholder 1">
-            <a:extLst>
-              <a:ext uri="{FF2B5EF4-FFF2-40B4-BE49-F238E27FC236}">
-                <a16:creationId xmlns:a16="http://schemas.microsoft.com/office/drawing/2014/main" id="{6CD90905-EB06-45F5-953F-A7FFD8708968}"/>
-              </a:ext>
-            </a:extLst>
-          </p:cNvPr>
-          <p:cNvSpPr>
-            <a:spLocks noGrp="1"/>
-          </p:cNvSpPr>
-          <p:nvPr>
-            <p:ph type="dt" sz="half" idx="10"/>
-          </p:nvPr>
-        </p:nvSpPr>
-        <p:spPr/>
-        <p:txBody>
-          <a:bodyPr/>
-          <a:lstStyle/>
-          <a:p>
-            <a:fld id="{C10CD969-63B5-41F2-BF95-15D7E128A6F1}" type="datetime1">
-              <a:rPr lang="en-US" smtClean="0"/>
-              <a:t>4/22/2019</a:t>
-            </a:fld>
-            <a:endParaRPr lang="en-US"/>
+              <a:t>Questions?</a:t>
+            </a:r>
+          </a:p>
+          <a:p>
+            <a:pPr marL="0" indent="0" algn="ctr">
+              <a:buNone/>
+            </a:pPr>
+            <a:r>
+              <a:rPr lang="en-US" sz="5400" dirty="0"/>
+              <a:t>Thank You</a:t>
+            </a:r>
           </a:p>
         </p:txBody>
       </p:sp>
@@ -8337,7 +9782,7 @@
           <p:cNvPr id="4" name="Slide Number Placeholder 3">
             <a:extLst>
               <a:ext uri="{FF2B5EF4-FFF2-40B4-BE49-F238E27FC236}">
-                <a16:creationId xmlns:a16="http://schemas.microsoft.com/office/drawing/2014/main" id="{F63D4243-0EA7-4751-9946-E48C50C5ACCC}"/>
+                <a16:creationId xmlns:a16="http://schemas.microsoft.com/office/drawing/2014/main" id="{A119FFE4-1464-40E9-ACEB-F1A6E3253CDE}"/>
               </a:ext>
             </a:extLst>
           </p:cNvPr>
@@ -8355,7 +9800,7 @@
           <a:p>
             <a:fld id="{8768419F-B12D-4364-885F-8014D4800523}" type="slidenum">
               <a:rPr lang="en-US" smtClean="0"/>
-              <a:t>3</a:t>
+              <a:t>37</a:t>
             </a:fld>
             <a:endParaRPr lang="en-US"/>
           </a:p>
@@ -8364,7 +9809,7 @@
     </p:spTree>
     <p:extLst>
       <p:ext uri="{BB962C8B-B14F-4D97-AF65-F5344CB8AC3E}">
-        <p14:creationId xmlns:p14="http://schemas.microsoft.com/office/powerpoint/2010/main" val="3765725326"/>
+        <p14:creationId xmlns:p14="http://schemas.microsoft.com/office/powerpoint/2010/main" val="1748696223"/>
       </p:ext>
     </p:extLst>
   </p:cSld>
@@ -8565,35 +10010,6 @@
           </a:prstGeom>
         </p:spPr>
       </p:pic>
-      <p:sp>
-        <p:nvSpPr>
-          <p:cNvPr id="5" name="Date Placeholder 4">
-            <a:extLst>
-              <a:ext uri="{FF2B5EF4-FFF2-40B4-BE49-F238E27FC236}">
-                <a16:creationId xmlns:a16="http://schemas.microsoft.com/office/drawing/2014/main" id="{45BA526D-0C34-415D-8124-7ED7989999A1}"/>
-              </a:ext>
-            </a:extLst>
-          </p:cNvPr>
-          <p:cNvSpPr>
-            <a:spLocks noGrp="1"/>
-          </p:cNvSpPr>
-          <p:nvPr>
-            <p:ph type="dt" sz="half" idx="10"/>
-          </p:nvPr>
-        </p:nvSpPr>
-        <p:spPr/>
-        <p:txBody>
-          <a:bodyPr/>
-          <a:lstStyle/>
-          <a:p>
-            <a:fld id="{C85F7FB9-D28B-4D22-9CAE-F6EF86A41C61}" type="datetime1">
-              <a:rPr lang="en-US" smtClean="0"/>
-              <a:t>4/22/2019</a:t>
-            </a:fld>
-            <a:endParaRPr lang="en-US"/>
-          </a:p>
-        </p:txBody>
-      </p:sp>
       <p:sp>
         <p:nvSpPr>
           <p:cNvPr id="7" name="Slide Number Placeholder 6">
@@ -8857,35 +10273,6 @@
       </p:pic>
       <p:sp>
         <p:nvSpPr>
-          <p:cNvPr id="7" name="Date Placeholder 6">
-            <a:extLst>
-              <a:ext uri="{FF2B5EF4-FFF2-40B4-BE49-F238E27FC236}">
-                <a16:creationId xmlns:a16="http://schemas.microsoft.com/office/drawing/2014/main" id="{FF051930-392D-4D2F-B16A-056F04E197FB}"/>
-              </a:ext>
-            </a:extLst>
-          </p:cNvPr>
-          <p:cNvSpPr>
-            <a:spLocks noGrp="1"/>
-          </p:cNvSpPr>
-          <p:nvPr>
-            <p:ph type="dt" sz="half" idx="10"/>
-          </p:nvPr>
-        </p:nvSpPr>
-        <p:spPr/>
-        <p:txBody>
-          <a:bodyPr/>
-          <a:lstStyle/>
-          <a:p>
-            <a:fld id="{146FF665-56EB-48F1-BA2C-0138F7BBCD9C}" type="datetime1">
-              <a:rPr lang="en-US" smtClean="0"/>
-              <a:t>4/22/2019</a:t>
-            </a:fld>
-            <a:endParaRPr lang="en-US"/>
-          </a:p>
-        </p:txBody>
-      </p:sp>
-      <p:sp>
-        <p:nvSpPr>
           <p:cNvPr id="8" name="Slide Number Placeholder 7">
             <a:extLst>
               <a:ext uri="{FF2B5EF4-FFF2-40B4-BE49-F238E27FC236}">
@@ -9031,35 +10418,6 @@
       </p:sp>
       <p:sp>
         <p:nvSpPr>
-          <p:cNvPr id="4" name="Date Placeholder 3">
-            <a:extLst>
-              <a:ext uri="{FF2B5EF4-FFF2-40B4-BE49-F238E27FC236}">
-                <a16:creationId xmlns:a16="http://schemas.microsoft.com/office/drawing/2014/main" id="{46B1731D-3062-4484-BADA-64F0B8DD2A44}"/>
-              </a:ext>
-            </a:extLst>
-          </p:cNvPr>
-          <p:cNvSpPr>
-            <a:spLocks noGrp="1"/>
-          </p:cNvSpPr>
-          <p:nvPr>
-            <p:ph type="dt" sz="half" idx="10"/>
-          </p:nvPr>
-        </p:nvSpPr>
-        <p:spPr/>
-        <p:txBody>
-          <a:bodyPr/>
-          <a:lstStyle/>
-          <a:p>
-            <a:fld id="{BEAB97B1-930A-491C-B9AC-DCB8E755EC77}" type="datetime1">
-              <a:rPr lang="en-US" smtClean="0"/>
-              <a:t>4/22/2019</a:t>
-            </a:fld>
-            <a:endParaRPr lang="en-US"/>
-          </a:p>
-        </p:txBody>
-      </p:sp>
-      <p:sp>
-        <p:nvSpPr>
           <p:cNvPr id="5" name="Slide Number Placeholder 4">
             <a:extLst>
               <a:ext uri="{FF2B5EF4-FFF2-40B4-BE49-F238E27FC236}">
@@ -9317,35 +10675,6 @@
           </a:prstGeom>
         </p:spPr>
       </p:pic>
-      <p:sp>
-        <p:nvSpPr>
-          <p:cNvPr id="8" name="Date Placeholder 7">
-            <a:extLst>
-              <a:ext uri="{FF2B5EF4-FFF2-40B4-BE49-F238E27FC236}">
-                <a16:creationId xmlns:a16="http://schemas.microsoft.com/office/drawing/2014/main" id="{67FAF40C-573A-4D2B-A1D1-B8C560188117}"/>
-              </a:ext>
-            </a:extLst>
-          </p:cNvPr>
-          <p:cNvSpPr>
-            <a:spLocks noGrp="1"/>
-          </p:cNvSpPr>
-          <p:nvPr>
-            <p:ph type="dt" sz="half" idx="10"/>
-          </p:nvPr>
-        </p:nvSpPr>
-        <p:spPr/>
-        <p:txBody>
-          <a:bodyPr/>
-          <a:lstStyle/>
-          <a:p>
-            <a:fld id="{8C8E2518-FCD8-420F-BB9E-C590FD969D2B}" type="datetime1">
-              <a:rPr lang="en-US" smtClean="0"/>
-              <a:t>4/22/2019</a:t>
-            </a:fld>
-            <a:endParaRPr lang="en-US"/>
-          </a:p>
-        </p:txBody>
-      </p:sp>
       <p:sp>
         <p:nvSpPr>
           <p:cNvPr id="9" name="Slide Number Placeholder 8">
@@ -10053,35 +11382,6 @@
       </mc:AlternateContent>
       <p:sp>
         <p:nvSpPr>
-          <p:cNvPr id="4" name="Date Placeholder 3">
-            <a:extLst>
-              <a:ext uri="{FF2B5EF4-FFF2-40B4-BE49-F238E27FC236}">
-                <a16:creationId xmlns:a16="http://schemas.microsoft.com/office/drawing/2014/main" id="{933E7C77-A1C0-4E12-B419-444034AA3952}"/>
-              </a:ext>
-            </a:extLst>
-          </p:cNvPr>
-          <p:cNvSpPr>
-            <a:spLocks noGrp="1"/>
-          </p:cNvSpPr>
-          <p:nvPr>
-            <p:ph type="dt" sz="half" idx="10"/>
-          </p:nvPr>
-        </p:nvSpPr>
-        <p:spPr/>
-        <p:txBody>
-          <a:bodyPr/>
-          <a:lstStyle/>
-          <a:p>
-            <a:fld id="{388A35A7-88ED-40A5-AFD3-9F1DC912E50A}" type="datetime1">
-              <a:rPr lang="en-US" smtClean="0"/>
-              <a:t>4/22/2019</a:t>
-            </a:fld>
-            <a:endParaRPr lang="en-US"/>
-          </a:p>
-        </p:txBody>
-      </p:sp>
-      <p:sp>
-        <p:nvSpPr>
           <p:cNvPr id="5" name="Slide Number Placeholder 4">
             <a:extLst>
               <a:ext uri="{FF2B5EF4-FFF2-40B4-BE49-F238E27FC236}">
@@ -10381,35 +11681,6 @@
           </a:prstGeom>
         </p:spPr>
       </p:pic>
-      <p:sp>
-        <p:nvSpPr>
-          <p:cNvPr id="5" name="Date Placeholder 4">
-            <a:extLst>
-              <a:ext uri="{FF2B5EF4-FFF2-40B4-BE49-F238E27FC236}">
-                <a16:creationId xmlns:a16="http://schemas.microsoft.com/office/drawing/2014/main" id="{697F01A6-0875-4656-B5F3-768AC00037AE}"/>
-              </a:ext>
-            </a:extLst>
-          </p:cNvPr>
-          <p:cNvSpPr>
-            <a:spLocks noGrp="1"/>
-          </p:cNvSpPr>
-          <p:nvPr>
-            <p:ph type="dt" sz="half" idx="10"/>
-          </p:nvPr>
-        </p:nvSpPr>
-        <p:spPr/>
-        <p:txBody>
-          <a:bodyPr/>
-          <a:lstStyle/>
-          <a:p>
-            <a:fld id="{EAAC9C94-6E68-497B-A36A-555318837F5F}" type="datetime1">
-              <a:rPr lang="en-US" smtClean="0"/>
-              <a:t>4/22/2019</a:t>
-            </a:fld>
-            <a:endParaRPr lang="en-US"/>
-          </a:p>
-        </p:txBody>
-      </p:sp>
       <p:sp>
         <p:nvSpPr>
           <p:cNvPr id="7" name="Slide Number Placeholder 6">

--- a/presentation.pptx
+++ b/presentation.pptx
@@ -7084,13 +7084,8 @@
           <a:p>
             <a:r>
               <a:rPr lang="en-US" dirty="0"/>
-              <a:t>Rank of </a:t>
-            </a:r>
-            <a:r>
-              <a:rPr lang="en-US" dirty="0" err="1"/>
-              <a:t>SketchyCGM</a:t>
-            </a:r>
-            <a:endParaRPr lang="en-US" dirty="0"/>
+              <a:t>Rank of CGM Iterates</a:t>
+            </a:r>
           </a:p>
         </p:txBody>
       </p:sp>
@@ -7262,13 +7257,8 @@
           <a:p>
             <a:r>
               <a:rPr lang="en-US" dirty="0"/>
-              <a:t>Rank of </a:t>
-            </a:r>
-            <a:r>
-              <a:rPr lang="en-US" dirty="0" err="1"/>
-              <a:t>SketchyCGM</a:t>
-            </a:r>
-            <a:endParaRPr lang="en-US" dirty="0"/>
+              <a:t>Rank of CGM Iterates</a:t>
+            </a:r>
           </a:p>
         </p:txBody>
       </p:sp>
@@ -7389,13 +7379,8 @@
           <a:p>
             <a:r>
               <a:rPr lang="en-US" dirty="0"/>
-              <a:t>Rank of </a:t>
-            </a:r>
-            <a:r>
-              <a:rPr lang="en-US" dirty="0" err="1"/>
-              <a:t>SketchyCGM</a:t>
-            </a:r>
-            <a:endParaRPr lang="en-US" dirty="0"/>
+              <a:t>Rank of CGM Iterates</a:t>
+            </a:r>
           </a:p>
         </p:txBody>
       </p:sp>
@@ -7516,13 +7501,8 @@
           <a:p>
             <a:r>
               <a:rPr lang="en-US" dirty="0"/>
-              <a:t>Rank of </a:t>
-            </a:r>
-            <a:r>
-              <a:rPr lang="en-US" dirty="0" err="1"/>
-              <a:t>SketchyCGM</a:t>
-            </a:r>
-            <a:endParaRPr lang="en-US" dirty="0"/>
+              <a:t>Rank of CGM Iterates</a:t>
+            </a:r>
           </a:p>
         </p:txBody>
       </p:sp>
@@ -7643,13 +7623,8 @@
           <a:p>
             <a:r>
               <a:rPr lang="en-US" dirty="0"/>
-              <a:t>Rank of </a:t>
-            </a:r>
-            <a:r>
-              <a:rPr lang="en-US" dirty="0" err="1"/>
-              <a:t>SketchyCGM</a:t>
-            </a:r>
-            <a:endParaRPr lang="en-US" dirty="0"/>
+              <a:t>Rank of CGM Iterates</a:t>
+            </a:r>
           </a:p>
         </p:txBody>
       </p:sp>
@@ -7770,13 +7745,8 @@
           <a:p>
             <a:r>
               <a:rPr lang="en-US" dirty="0"/>
-              <a:t>Rank of </a:t>
-            </a:r>
-            <a:r>
-              <a:rPr lang="en-US" dirty="0" err="1"/>
-              <a:t>SketchyCGM</a:t>
-            </a:r>
-            <a:endParaRPr lang="en-US" dirty="0"/>
+              <a:t>Rank of CGM Iterates</a:t>
+            </a:r>
           </a:p>
         </p:txBody>
       </p:sp>
@@ -7897,13 +7867,8 @@
           <a:p>
             <a:r>
               <a:rPr lang="en-US" dirty="0"/>
-              <a:t>Rank of </a:t>
-            </a:r>
-            <a:r>
-              <a:rPr lang="en-US" dirty="0" err="1"/>
-              <a:t>SketchyCGM</a:t>
-            </a:r>
-            <a:endParaRPr lang="en-US" dirty="0"/>
+              <a:t>Rank of CGM Iterates</a:t>
+            </a:r>
           </a:p>
         </p:txBody>
       </p:sp>
@@ -8122,13 +8087,8 @@
           <a:p>
             <a:r>
               <a:rPr lang="en-US" dirty="0"/>
-              <a:t>Rank of </a:t>
-            </a:r>
-            <a:r>
-              <a:rPr lang="en-US" dirty="0" err="1"/>
-              <a:t>SketchyCGM</a:t>
-            </a:r>
-            <a:endParaRPr lang="en-US" dirty="0"/>
+              <a:t>Rank of CGM Iterates</a:t>
+            </a:r>
           </a:p>
         </p:txBody>
       </p:sp>
@@ -8249,13 +8209,8 @@
           <a:p>
             <a:r>
               <a:rPr lang="en-US" dirty="0"/>
-              <a:t>Rank of </a:t>
-            </a:r>
-            <a:r>
-              <a:rPr lang="en-US" dirty="0" err="1"/>
-              <a:t>SketchyCGM</a:t>
-            </a:r>
-            <a:endParaRPr lang="en-US" dirty="0"/>
+              <a:t>Rank of CGM Iterates</a:t>
+            </a:r>
           </a:p>
         </p:txBody>
       </p:sp>
@@ -8376,13 +8331,8 @@
           <a:p>
             <a:r>
               <a:rPr lang="en-US" dirty="0"/>
-              <a:t>Rank of </a:t>
-            </a:r>
-            <a:r>
-              <a:rPr lang="en-US" dirty="0" err="1"/>
-              <a:t>SketchyCGM</a:t>
-            </a:r>
-            <a:endParaRPr lang="en-US" dirty="0"/>
+              <a:t>Rank of CGM Iterates</a:t>
+            </a:r>
           </a:p>
         </p:txBody>
       </p:sp>
@@ -8503,13 +8453,8 @@
           <a:p>
             <a:r>
               <a:rPr lang="en-US" dirty="0"/>
-              <a:t>Rank of </a:t>
-            </a:r>
-            <a:r>
-              <a:rPr lang="en-US" dirty="0" err="1"/>
-              <a:t>SketchyCGM</a:t>
-            </a:r>
-            <a:endParaRPr lang="en-US" dirty="0"/>
+              <a:t>Rank of CGM Iterates</a:t>
+            </a:r>
           </a:p>
         </p:txBody>
       </p:sp>
